--- a/trunk/docs/presentations/OBI workshop Oct 2011 Philly/WebService.pptx
+++ b/trunk/docs/presentations/OBI workshop Oct 2011 Philly/WebService.pptx
@@ -6,7 +6,7 @@
     <p:sldMasterId id="2147483948" r:id="rId2"/>
   </p:sldMasterIdLst>
   <p:notesMasterIdLst>
-    <p:notesMasterId r:id="rId19"/>
+    <p:notesMasterId r:id="rId23"/>
   </p:notesMasterIdLst>
   <p:sldIdLst>
     <p:sldId id="256" r:id="rId3"/>
@@ -17,14 +17,18 @@
     <p:sldId id="287" r:id="rId8"/>
     <p:sldId id="267" r:id="rId9"/>
     <p:sldId id="286" r:id="rId10"/>
-    <p:sldId id="270" r:id="rId11"/>
-    <p:sldId id="290" r:id="rId12"/>
-    <p:sldId id="271" r:id="rId13"/>
-    <p:sldId id="288" r:id="rId14"/>
-    <p:sldId id="272" r:id="rId15"/>
-    <p:sldId id="284" r:id="rId16"/>
-    <p:sldId id="269" r:id="rId17"/>
-    <p:sldId id="289" r:id="rId18"/>
+    <p:sldId id="292" r:id="rId11"/>
+    <p:sldId id="270" r:id="rId12"/>
+    <p:sldId id="290" r:id="rId13"/>
+    <p:sldId id="293" r:id="rId14"/>
+    <p:sldId id="294" r:id="rId15"/>
+    <p:sldId id="271" r:id="rId16"/>
+    <p:sldId id="288" r:id="rId17"/>
+    <p:sldId id="272" r:id="rId18"/>
+    <p:sldId id="284" r:id="rId19"/>
+    <p:sldId id="291" r:id="rId20"/>
+    <p:sldId id="269" r:id="rId21"/>
+    <p:sldId id="289" r:id="rId22"/>
   </p:sldIdLst>
   <p:sldSz cx="9144000" cy="6858000" type="screen4x3"/>
   <p:notesSz cx="6858000" cy="9144000"/>
@@ -241,11 +245,11 @@
           </c:val>
         </c:ser>
         <c:marker val="1"/>
-        <c:axId val="35075968"/>
-        <c:axId val="35082240"/>
+        <c:axId val="33441664"/>
+        <c:axId val="33443840"/>
       </c:lineChart>
       <c:catAx>
-        <c:axId val="35075968"/>
+        <c:axId val="33441664"/>
         <c:scaling>
           <c:orientation val="minMax"/>
         </c:scaling>
@@ -260,14 +264,14 @@
             <a:prstDash val="solid"/>
           </a:ln>
         </c:spPr>
-        <c:crossAx val="35082240"/>
+        <c:crossAx val="33443840"/>
         <c:crosses val="autoZero"/>
         <c:auto val="1"/>
         <c:lblAlgn val="ctr"/>
         <c:lblOffset val="100"/>
       </c:catAx>
       <c:valAx>
-        <c:axId val="35082240"/>
+        <c:axId val="33443840"/>
         <c:scaling>
           <c:orientation val="minMax"/>
         </c:scaling>
@@ -292,7 +296,7 @@
             <a:prstDash val="solid"/>
           </a:ln>
         </c:spPr>
-        <c:crossAx val="35075968"/>
+        <c:crossAx val="33441664"/>
         <c:crosses val="autoZero"/>
         <c:crossBetween val="between"/>
       </c:valAx>
@@ -311,10 +315,10 @@
         <c:manualLayout>
           <c:xMode val="edge"/>
           <c:yMode val="edge"/>
-          <c:x val="0.6659354155847983"/>
+          <c:x val="0.66593541558479885"/>
           <c:y val="0.56864616575898796"/>
-          <c:w val="0.32506677913291815"/>
-          <c:h val="7.8433953897791495E-2"/>
+          <c:w val="0.32506677913291843"/>
+          <c:h val="7.8433953897791536E-2"/>
         </c:manualLayout>
       </c:layout>
       <c:spPr>
@@ -424,16 +428,16 @@
                 <c:formatCode>General</c:formatCode>
                 <c:ptCount val="4"/>
                 <c:pt idx="0">
-                  <c:v>0.33070000000000005</c:v>
+                  <c:v>0.33070000000000016</c:v>
                 </c:pt>
                 <c:pt idx="1">
                   <c:v>0.35770000000000002</c:v>
                 </c:pt>
                 <c:pt idx="2">
-                  <c:v>0.11990000000000001</c:v>
+                  <c:v>0.11990000000000002</c:v>
                 </c:pt>
                 <c:pt idx="3">
-                  <c:v>0.33070000000000005</c:v>
+                  <c:v>0.33070000000000016</c:v>
                 </c:pt>
               </c:numCache>
             </c:numRef>
@@ -504,10 +508,10 @@
                   <c:v>0.2515</c:v>
                 </c:pt>
                 <c:pt idx="1">
-                  <c:v>0.18000000000000002</c:v>
+                  <c:v>0.18000000000000008</c:v>
                 </c:pt>
                 <c:pt idx="2">
-                  <c:v>9.4100000000000017E-2</c:v>
+                  <c:v>9.4100000000000045E-2</c:v>
                 </c:pt>
                 <c:pt idx="3">
                   <c:v>0.2515</c:v>
@@ -517,11 +521,11 @@
           </c:val>
         </c:ser>
         <c:marker val="1"/>
-        <c:axId val="35123584"/>
-        <c:axId val="35125504"/>
+        <c:axId val="33632640"/>
+        <c:axId val="33634560"/>
       </c:lineChart>
       <c:catAx>
-        <c:axId val="35123584"/>
+        <c:axId val="33632640"/>
         <c:scaling>
           <c:orientation val="minMax"/>
         </c:scaling>
@@ -536,14 +540,14 @@
             <a:prstDash val="solid"/>
           </a:ln>
         </c:spPr>
-        <c:crossAx val="35125504"/>
+        <c:crossAx val="33634560"/>
         <c:crosses val="autoZero"/>
         <c:auto val="1"/>
         <c:lblAlgn val="ctr"/>
         <c:lblOffset val="100"/>
       </c:catAx>
       <c:valAx>
-        <c:axId val="35125504"/>
+        <c:axId val="33634560"/>
         <c:scaling>
           <c:orientation val="minMax"/>
         </c:scaling>
@@ -568,7 +572,7 @@
             <a:prstDash val="solid"/>
           </a:ln>
         </c:spPr>
-        <c:crossAx val="35123584"/>
+        <c:crossAx val="33632640"/>
         <c:crosses val="autoZero"/>
         <c:crossBetween val="between"/>
       </c:valAx>
@@ -587,10 +591,10 @@
         <c:manualLayout>
           <c:xMode val="edge"/>
           <c:yMode val="edge"/>
-          <c:x val="0.82061401883588081"/>
-          <c:y val="0.46570055581287634"/>
-          <c:w val="0.17381501345625502"/>
-          <c:h val="0.15686790779558302"/>
+          <c:x val="0.82061401883588103"/>
+          <c:y val="0.46570055581287645"/>
+          <c:w val="0.17381501345625508"/>
+          <c:h val="0.15686790779558304"/>
         </c:manualLayout>
       </c:layout>
       <c:spPr>
@@ -711,7 +715,7 @@
             <a:fld id="{7529D5DD-6BA8-4D5D-A14B-F8359733B242}" type="datetimeFigureOut">
               <a:rPr lang="en-US" smtClean="0"/>
               <a:pPr/>
-              <a:t>9/16/2011</a:t>
+              <a:t>10/4/2011</a:t>
             </a:fld>
             <a:endParaRPr lang="en-US"/>
           </a:p>
@@ -1306,7 +1310,7 @@
             <a:fld id="{408AD87C-5D51-439C-AA56-8571DE7E0252}" type="slidenum">
               <a:rPr lang="en-US" smtClean="0"/>
               <a:pPr/>
-              <a:t>9</a:t>
+              <a:t>10</a:t>
             </a:fld>
             <a:endParaRPr lang="en-US"/>
           </a:p>
@@ -1396,7 +1400,7 @@
             <a:fld id="{408AD87C-5D51-439C-AA56-8571DE7E0252}" type="slidenum">
               <a:rPr lang="en-US" smtClean="0"/>
               <a:pPr/>
-              <a:t>10</a:t>
+              <a:t>11</a:t>
             </a:fld>
             <a:endParaRPr lang="en-US"/>
           </a:p>
@@ -1492,11 +1496,7 @@
             </a:pPr>
             <a:r>
               <a:rPr lang="en-US" baseline="0" dirty="0" smtClean="0"/>
-              <a:t>What components are annotated</a:t>
-            </a:r>
-            <a:r>
-              <a:rPr lang="en-US" baseline="0" dirty="0" smtClean="0"/>
-              <a:t>?</a:t>
+              <a:t>What components are annotated?</a:t>
             </a:r>
           </a:p>
           <a:p>
@@ -1694,7 +1694,7 @@
             <a:fld id="{408AD87C-5D51-439C-AA56-8571DE7E0252}" type="slidenum">
               <a:rPr lang="en-US" smtClean="0"/>
               <a:pPr/>
-              <a:t>13</a:t>
+              <a:t>16</a:t>
             </a:fld>
             <a:endParaRPr lang="en-US"/>
           </a:p>
@@ -1784,7 +1784,7 @@
             <a:fld id="{408AD87C-5D51-439C-AA56-8571DE7E0252}" type="slidenum">
               <a:rPr lang="en-US" smtClean="0"/>
               <a:pPr/>
-              <a:t>15</a:t>
+              <a:t>19</a:t>
             </a:fld>
             <a:endParaRPr lang="en-US"/>
           </a:p>
@@ -1874,7 +1874,7 @@
             <a:fld id="{408AD87C-5D51-439C-AA56-8571DE7E0252}" type="slidenum">
               <a:rPr lang="en-US" smtClean="0"/>
               <a:pPr/>
-              <a:t>16</a:t>
+              <a:t>20</a:t>
             </a:fld>
             <a:endParaRPr lang="en-US"/>
           </a:p>
@@ -2698,7 +2698,7 @@
             <a:fld id="{45100C54-7F41-4D6B-9C82-1B119090B3F1}" type="datetime1">
               <a:rPr lang="en-US" smtClean="0"/>
               <a:pPr/>
-              <a:t>9/16/2011</a:t>
+              <a:t>10/4/2011</a:t>
             </a:fld>
             <a:endParaRPr lang="en-US"/>
           </a:p>
@@ -2897,7 +2897,7 @@
             <a:fld id="{DB592322-E853-4800-AFA6-346956673A1E}" type="datetime1">
               <a:rPr lang="en-US" smtClean="0"/>
               <a:pPr/>
-              <a:t>9/16/2011</a:t>
+              <a:t>10/4/2011</a:t>
             </a:fld>
             <a:endParaRPr lang="en-US"/>
           </a:p>
@@ -3102,7 +3102,7 @@
             <a:fld id="{D99839FB-91BA-424A-A786-539BBBA791AB}" type="datetime1">
               <a:rPr lang="en-US" smtClean="0"/>
               <a:pPr/>
-              <a:t>9/16/2011</a:t>
+              <a:t>10/4/2011</a:t>
             </a:fld>
             <a:endParaRPr lang="en-US"/>
           </a:p>
@@ -4042,7 +4042,7 @@
             <a:fld id="{CED5FBA7-D063-44C9-98F5-A809AFCF82B6}" type="datetime1">
               <a:rPr lang="en-US" smtClean="0"/>
               <a:pPr/>
-              <a:t>9/16/2011</a:t>
+              <a:t>10/4/2011</a:t>
             </a:fld>
             <a:endParaRPr lang="en-US"/>
           </a:p>
@@ -4297,7 +4297,7 @@
             <a:fld id="{1EF6B16D-0F85-4B82-BE37-4375490CF6D7}" type="datetime1">
               <a:rPr lang="en-US" smtClean="0"/>
               <a:pPr/>
-              <a:t>9/16/2011</a:t>
+              <a:t>10/4/2011</a:t>
             </a:fld>
             <a:endParaRPr lang="en-US"/>
           </a:p>
@@ -5120,7 +5120,7 @@
             <a:fld id="{3B8260AA-179E-4904-9260-BD701E7DDCED}" type="datetime1">
               <a:rPr lang="en-US" smtClean="0"/>
               <a:pPr/>
-              <a:t>9/16/2011</a:t>
+              <a:t>10/4/2011</a:t>
             </a:fld>
             <a:endParaRPr lang="en-US"/>
           </a:p>
@@ -5365,7 +5365,7 @@
             <a:fld id="{9461EBDC-2738-4CF1-9EB6-6C6C624FD79D}" type="datetime1">
               <a:rPr lang="en-US" smtClean="0"/>
               <a:pPr/>
-              <a:t>9/16/2011</a:t>
+              <a:t>10/4/2011</a:t>
             </a:fld>
             <a:endParaRPr lang="en-US"/>
           </a:p>
@@ -5711,7 +5711,7 @@
             <a:fld id="{CEB14723-D31B-4FFF-8BF6-DFD5AD4106D8}" type="datetime1">
               <a:rPr lang="en-US" smtClean="0"/>
               <a:pPr/>
-              <a:t>9/16/2011</a:t>
+              <a:t>10/4/2011</a:t>
             </a:fld>
             <a:endParaRPr lang="en-US" dirty="0"/>
           </a:p>
@@ -5810,7 +5810,7 @@
             <a:fld id="{D7BD04E7-DB2C-44E7-8401-7B2EF877F869}" type="datetime1">
               <a:rPr lang="en-US" smtClean="0"/>
               <a:pPr/>
-              <a:t>9/16/2011</a:t>
+              <a:t>10/4/2011</a:t>
             </a:fld>
             <a:endParaRPr lang="en-US"/>
           </a:p>
@@ -6336,7 +6336,7 @@
             <a:fld id="{E2F01EF0-FFD2-40E1-A32F-9B3627208AC4}" type="datetime1">
               <a:rPr lang="en-US" smtClean="0"/>
               <a:pPr/>
-              <a:t>9/16/2011</a:t>
+              <a:t>10/4/2011</a:t>
             </a:fld>
             <a:endParaRPr lang="en-US"/>
           </a:p>
@@ -6856,7 +6856,7 @@
             <a:fld id="{9F223E29-7B2A-4A6E-8B36-121182E850D1}" type="datetime1">
               <a:rPr lang="en-US" smtClean="0"/>
               <a:pPr/>
-              <a:t>9/16/2011</a:t>
+              <a:t>10/4/2011</a:t>
             </a:fld>
             <a:endParaRPr lang="en-US"/>
           </a:p>
@@ -7007,7 +7007,7 @@
             <a:fld id="{B872EAB8-2209-47FA-91CC-26FE4BDD9545}" type="datetime1">
               <a:rPr lang="en-US" smtClean="0"/>
               <a:pPr/>
-              <a:t>9/16/2011</a:t>
+              <a:t>10/4/2011</a:t>
             </a:fld>
             <a:endParaRPr lang="en-US"/>
           </a:p>
@@ -7204,7 +7204,7 @@
             <a:fld id="{86149588-4A1B-466E-9FB2-229BF8175FE7}" type="datetime1">
               <a:rPr lang="en-US" smtClean="0"/>
               <a:pPr/>
-              <a:t>9/16/2011</a:t>
+              <a:t>10/4/2011</a:t>
             </a:fld>
             <a:endParaRPr lang="en-US"/>
           </a:p>
@@ -7388,7 +7388,7 @@
             <a:fld id="{FC141B0C-D275-49C3-9D1B-58FCB6845F5B}" type="datetime1">
               <a:rPr lang="en-US" smtClean="0"/>
               <a:pPr/>
-              <a:t>9/16/2011</a:t>
+              <a:t>10/4/2011</a:t>
             </a:fld>
             <a:endParaRPr lang="en-US"/>
           </a:p>
@@ -7487,7 +7487,7 @@
             <a:fld id="{85DD8449-C5B7-4117-9FE2-2FE3D08E09ED}" type="datetime1">
               <a:rPr lang="en-US" smtClean="0"/>
               <a:pPr/>
-              <a:t>9/16/2011</a:t>
+              <a:t>10/4/2011</a:t>
             </a:fld>
             <a:endParaRPr lang="en-US"/>
           </a:p>
@@ -7659,7 +7659,7 @@
             <a:fld id="{9EB34B4D-D852-47BD-83B8-7C009639CBA3}" type="datetime1">
               <a:rPr lang="en-US" smtClean="0"/>
               <a:pPr/>
-              <a:t>9/16/2011</a:t>
+              <a:t>10/4/2011</a:t>
             </a:fld>
             <a:endParaRPr lang="en-US"/>
           </a:p>
@@ -8138,7 +8138,7 @@
             <a:fld id="{1C28D42E-A5BC-4278-B5EC-5262A60BD963}" type="datetime1">
               <a:rPr lang="en-US" smtClean="0"/>
               <a:pPr/>
-              <a:t>9/16/2011</a:t>
+              <a:t>10/4/2011</a:t>
             </a:fld>
             <a:endParaRPr lang="en-US"/>
           </a:p>
@@ -8747,7 +8747,7 @@
             <a:fld id="{67091ECE-7262-48AC-8C85-D7D9ECDA6C21}" type="datetime1">
               <a:rPr lang="en-US" smtClean="0"/>
               <a:pPr/>
-              <a:t>9/16/2011</a:t>
+              <a:t>10/4/2011</a:t>
             </a:fld>
             <a:endParaRPr lang="en-US"/>
           </a:p>
@@ -9130,7 +9130,7 @@
             <a:fld id="{7BFC9112-EE29-4F8D-AFF9-49DFC76E3425}" type="datetime1">
               <a:rPr lang="en-US" smtClean="0"/>
               <a:pPr/>
-              <a:t>9/16/2011</a:t>
+              <a:t>10/4/2011</a:t>
             </a:fld>
             <a:endParaRPr lang="en-US"/>
           </a:p>
@@ -9552,7 +9552,7 @@
             <a:fld id="{C572EC97-6D8B-4146-AB4C-B95B539EF4A9}" type="datetime1">
               <a:rPr lang="en-US" smtClean="0"/>
               <a:pPr/>
-              <a:t>9/16/2011</a:t>
+              <a:t>10/4/2011</a:t>
             </a:fld>
             <a:endParaRPr lang="en-US"/>
           </a:p>
@@ -10883,7 +10883,7 @@
             <a:fld id="{11E13247-250B-408B-B25F-68FDDD0AC0E6}" type="datetime1">
               <a:rPr lang="en-US" smtClean="0"/>
               <a:pPr/>
-              <a:t>9/16/2011</a:t>
+              <a:t>10/4/2011</a:t>
             </a:fld>
             <a:endParaRPr lang="en-US"/>
           </a:p>
@@ -11975,7 +11975,7 @@
             <a:fld id="{4372B5CF-8BC2-42B1-8441-5C29F094C339}" type="datetime1">
               <a:rPr lang="en-US" smtClean="0"/>
               <a:pPr/>
-              <a:t>9/16/2011</a:t>
+              <a:t>10/4/2011</a:t>
             </a:fld>
             <a:endParaRPr lang="en-US"/>
           </a:p>
@@ -13162,7 +13162,7 @@
             <a:fld id="{850CA24E-6482-40F0-8089-038E94AA59AB}" type="datetime1">
               <a:rPr lang="en-US" smtClean="0"/>
               <a:pPr/>
-              <a:t>9/16/2011</a:t>
+              <a:t>10/4/2011</a:t>
             </a:fld>
             <a:endParaRPr lang="en-US"/>
           </a:p>
@@ -13986,7 +13986,7 @@
             </a:r>
             <a:r>
               <a:rPr lang="en-US" dirty="0" smtClean="0"/>
-              <a:t>‘run BLAST execution’</a:t>
+              <a:t>BLAST web service</a:t>
             </a:r>
             <a:endParaRPr lang="en-US" dirty="0"/>
           </a:p>
@@ -14018,26 +14018,35 @@
       </p:sp>
       <p:pic>
         <p:nvPicPr>
-          <p:cNvPr id="9" name="Picture 8" descr="Blas-run.jpg"/>
+          <p:cNvPr id="2050" name="Picture 2"/>
           <p:cNvPicPr>
-            <a:picLocks noChangeAspect="1"/>
+            <a:picLocks noChangeAspect="1" noChangeArrowheads="1"/>
           </p:cNvPicPr>
           <p:nvPr/>
         </p:nvPicPr>
         <p:blipFill>
-          <a:blip r:embed="rId3" cstate="print"/>
+          <a:blip r:embed="rId3"/>
+          <a:srcRect/>
           <a:stretch>
             <a:fillRect/>
           </a:stretch>
         </p:blipFill>
-        <p:spPr>
+        <p:spPr bwMode="auto">
           <a:xfrm>
-            <a:off x="533400" y="1377536"/>
-            <a:ext cx="8077200" cy="5480464"/>
+            <a:off x="152400" y="1820498"/>
+            <a:ext cx="8610600" cy="4427902"/>
           </a:xfrm>
           <a:prstGeom prst="rect">
             <a:avLst/>
           </a:prstGeom>
+          <a:noFill/>
+          <a:ln w="9525">
+            <a:noFill/>
+            <a:miter lim="800000"/>
+            <a:headEnd/>
+            <a:tailEnd/>
+          </a:ln>
+          <a:effectLst/>
         </p:spPr>
       </p:pic>
     </p:spTree>
@@ -14082,77 +14091,14 @@
             <p:ph type="title"/>
           </p:nvPr>
         </p:nvSpPr>
-        <p:spPr>
-          <a:xfrm>
-            <a:off x="457200" y="274638"/>
-            <a:ext cx="8382000" cy="1143000"/>
-          </a:xfrm>
-        </p:spPr>
+        <p:spPr/>
         <p:txBody>
           <a:bodyPr/>
           <a:lstStyle/>
           <a:p>
             <a:r>
               <a:rPr lang="en-US" dirty="0" smtClean="0"/>
-              <a:t>Terms for Web Services Annotation</a:t>
-            </a:r>
-            <a:endParaRPr lang="en-US" dirty="0"/>
-          </a:p>
-        </p:txBody>
-      </p:sp>
-      <p:sp>
-        <p:nvSpPr>
-          <p:cNvPr id="3" name="Content Placeholder 2"/>
-          <p:cNvSpPr>
-            <a:spLocks noGrp="1"/>
-          </p:cNvSpPr>
-          <p:nvPr>
-            <p:ph sz="quarter" idx="1"/>
-          </p:nvPr>
-        </p:nvSpPr>
-        <p:spPr/>
-        <p:txBody>
-          <a:bodyPr/>
-          <a:lstStyle/>
-          <a:p>
-            <a:r>
-              <a:rPr lang="en-US" dirty="0" smtClean="0"/>
-              <a:t>OBI Tracker</a:t>
-            </a:r>
-          </a:p>
-          <a:p>
-            <a:pPr lvl="1">
-              <a:buNone/>
-            </a:pPr>
-            <a:r>
-              <a:rPr lang="en-US" dirty="0" smtClean="0">
-                <a:hlinkClick r:id="rId2"/>
-              </a:rPr>
-              <a:t>https://sourceforge.net/tracker/?func=detail&amp;aid=3031357&amp;group_id=177891&amp;atid=886178</a:t>
-            </a:r>
-            <a:endParaRPr lang="en-US" dirty="0" smtClean="0"/>
-          </a:p>
-          <a:p>
-            <a:pPr lvl="1">
-              <a:buNone/>
-            </a:pPr>
-            <a:endParaRPr lang="en-US" dirty="0" smtClean="0"/>
-          </a:p>
-          <a:p>
-            <a:r>
-              <a:rPr lang="en-US" dirty="0" smtClean="0"/>
-              <a:t>Terms for web services annotation added into an OWL file which imported obi.owl</a:t>
-            </a:r>
-          </a:p>
-          <a:p>
-            <a:pPr lvl="1">
-              <a:buNone/>
-            </a:pPr>
-            <a:r>
-              <a:rPr lang="en-US" dirty="0" smtClean="0">
-                <a:hlinkClick r:id="rId3"/>
-              </a:rPr>
-              <a:t>http://webprotege.stanford.edu/#OBI</a:t>
+              <a:t>Ontology-based Representation of ‘run BLAST execution’</a:t>
             </a:r>
             <a:endParaRPr lang="en-US" dirty="0"/>
           </a:p>
@@ -14182,6 +14128,39 @@
           </a:p>
         </p:txBody>
       </p:sp>
+      <p:pic>
+        <p:nvPicPr>
+          <p:cNvPr id="3076" name="Picture 4"/>
+          <p:cNvPicPr>
+            <a:picLocks noChangeAspect="1" noChangeArrowheads="1"/>
+          </p:cNvPicPr>
+          <p:nvPr/>
+        </p:nvPicPr>
+        <p:blipFill>
+          <a:blip r:embed="rId3" cstate="print"/>
+          <a:srcRect/>
+          <a:stretch>
+            <a:fillRect/>
+          </a:stretch>
+        </p:blipFill>
+        <p:spPr bwMode="auto">
+          <a:xfrm>
+            <a:off x="998319" y="1524000"/>
+            <a:ext cx="7078881" cy="5181600"/>
+          </a:xfrm>
+          <a:prstGeom prst="rect">
+            <a:avLst/>
+          </a:prstGeom>
+          <a:noFill/>
+          <a:ln w="9525">
+            <a:noFill/>
+            <a:miter lim="800000"/>
+            <a:headEnd/>
+            <a:tailEnd/>
+          </a:ln>
+          <a:effectLst/>
+        </p:spPr>
+      </p:pic>
     </p:spTree>
   </p:cSld>
   <p:clrMapOvr>
@@ -14231,87 +14210,12 @@
           <a:p>
             <a:r>
               <a:rPr lang="en-US" dirty="0" smtClean="0"/>
-              <a:t>Current Progress</a:t>
-            </a:r>
-            <a:endParaRPr lang="en-US" dirty="0"/>
-          </a:p>
-        </p:txBody>
-      </p:sp>
-      <p:sp>
-        <p:nvSpPr>
-          <p:cNvPr id="3" name="Content Placeholder 2"/>
-          <p:cNvSpPr>
-            <a:spLocks noGrp="1"/>
-          </p:cNvSpPr>
-          <p:nvPr>
-            <p:ph sz="quarter" idx="1"/>
-          </p:nvPr>
-        </p:nvSpPr>
-        <p:spPr/>
-        <p:txBody>
-          <a:bodyPr/>
-          <a:lstStyle/>
-          <a:p>
+              <a:t>Ontology-based Representation of </a:t>
+            </a:r>
             <a:r>
               <a:rPr lang="en-US" dirty="0" smtClean="0"/>
-              <a:t>Have~ 100 terms ready to add</a:t>
-            </a:r>
-          </a:p>
-          <a:p>
-            <a:r>
-              <a:rPr lang="en-US" dirty="0" smtClean="0"/>
-              <a:t>Covering annotation of </a:t>
-            </a:r>
-          </a:p>
-          <a:p>
-            <a:pPr lvl="1"/>
-            <a:r>
-              <a:rPr lang="en-US" dirty="0" smtClean="0"/>
-              <a:t>BLAST (</a:t>
-            </a:r>
-            <a:r>
-              <a:rPr lang="en-US" dirty="0" err="1" smtClean="0"/>
-              <a:t>NCBIBlast</a:t>
-            </a:r>
-            <a:r>
-              <a:rPr lang="en-US" dirty="0" smtClean="0"/>
-              <a:t>, </a:t>
-            </a:r>
-            <a:r>
-              <a:rPr lang="en-US" dirty="0" err="1" smtClean="0"/>
-              <a:t>WUBlast</a:t>
-            </a:r>
-            <a:r>
-              <a:rPr lang="en-US" dirty="0" smtClean="0"/>
-              <a:t> , PSI Blast)</a:t>
-            </a:r>
-          </a:p>
-          <a:p>
-            <a:pPr lvl="1"/>
-            <a:r>
-              <a:rPr lang="en-US" dirty="0" err="1" smtClean="0"/>
-              <a:t>Clustal</a:t>
-            </a:r>
-            <a:r>
-              <a:rPr lang="en-US" dirty="0" smtClean="0"/>
-              <a:t> W, T-Coffee</a:t>
-            </a:r>
-          </a:p>
-          <a:p>
-            <a:pPr lvl="1"/>
-            <a:r>
-              <a:rPr lang="en-US" dirty="0" smtClean="0"/>
-              <a:t>Signal P</a:t>
-            </a:r>
-          </a:p>
-          <a:p>
-            <a:pPr lvl="1"/>
-            <a:r>
-              <a:rPr lang="en-US" dirty="0" smtClean="0"/>
-              <a:t>Fetch Batch</a:t>
-            </a:r>
-          </a:p>
-          <a:p>
+              <a:t>‘BLAST analysis’</a:t>
+            </a:r>
             <a:endParaRPr lang="en-US" dirty="0"/>
           </a:p>
         </p:txBody>
@@ -14335,6 +14239,481 @@
               <a:rPr lang="en-US" smtClean="0"/>
               <a:pPr/>
               <a:t>12</a:t>
+            </a:fld>
+            <a:endParaRPr lang="en-US"/>
+          </a:p>
+        </p:txBody>
+      </p:sp>
+      <p:pic>
+        <p:nvPicPr>
+          <p:cNvPr id="4098" name="Picture 2" descr="C:\Documents and Settings\Jie\My Documents\My Cmaps\BlastAnalysis_20111004.jpg"/>
+          <p:cNvPicPr>
+            <a:picLocks noChangeAspect="1" noChangeArrowheads="1"/>
+          </p:cNvPicPr>
+          <p:nvPr/>
+        </p:nvPicPr>
+        <p:blipFill>
+          <a:blip r:embed="rId2" cstate="print"/>
+          <a:srcRect/>
+          <a:stretch>
+            <a:fillRect/>
+          </a:stretch>
+        </p:blipFill>
+        <p:spPr bwMode="auto">
+          <a:xfrm>
+            <a:off x="0" y="1676400"/>
+            <a:ext cx="9124992" cy="4495800"/>
+          </a:xfrm>
+          <a:prstGeom prst="rect">
+            <a:avLst/>
+          </a:prstGeom>
+          <a:noFill/>
+        </p:spPr>
+      </p:pic>
+    </p:spTree>
+  </p:cSld>
+  <p:clrMapOvr>
+    <a:masterClrMapping/>
+  </p:clrMapOvr>
+  <p:timing>
+    <p:tnLst>
+      <p:par>
+        <p:cTn id="1" dur="indefinite" restart="never" nodeType="tmRoot"/>
+      </p:par>
+    </p:tnLst>
+  </p:timing>
+</p:sld>
+</file>
+
+<file path=ppt/slides/slide13.xml><?xml version="1.0" encoding="utf-8"?>
+<p:sld xmlns:a="http://schemas.openxmlformats.org/drawingml/2006/main" xmlns:r="http://schemas.openxmlformats.org/officeDocument/2006/relationships" xmlns:p="http://schemas.openxmlformats.org/presentationml/2006/main">
+  <p:cSld>
+    <p:spTree>
+      <p:nvGrpSpPr>
+        <p:cNvPr id="1" name=""/>
+        <p:cNvGrpSpPr/>
+        <p:nvPr/>
+      </p:nvGrpSpPr>
+      <p:grpSpPr>
+        <a:xfrm>
+          <a:off x="0" y="0"/>
+          <a:ext cx="0" cy="0"/>
+          <a:chOff x="0" y="0"/>
+          <a:chExt cx="0" cy="0"/>
+        </a:xfrm>
+      </p:grpSpPr>
+      <p:sp>
+        <p:nvSpPr>
+          <p:cNvPr id="2" name="Title 1"/>
+          <p:cNvSpPr>
+            <a:spLocks noGrp="1"/>
+          </p:cNvSpPr>
+          <p:nvPr>
+            <p:ph type="title"/>
+          </p:nvPr>
+        </p:nvSpPr>
+        <p:spPr/>
+        <p:txBody>
+          <a:bodyPr/>
+          <a:lstStyle/>
+          <a:p>
+            <a:r>
+              <a:rPr lang="en-US" dirty="0" smtClean="0"/>
+              <a:t>Data transformation</a:t>
+            </a:r>
+            <a:endParaRPr lang="en-US" dirty="0"/>
+          </a:p>
+        </p:txBody>
+      </p:sp>
+      <p:sp>
+        <p:nvSpPr>
+          <p:cNvPr id="3" name="Content Placeholder 2"/>
+          <p:cNvSpPr>
+            <a:spLocks noGrp="1"/>
+          </p:cNvSpPr>
+          <p:nvPr>
+            <p:ph sz="quarter" idx="1"/>
+          </p:nvPr>
+        </p:nvSpPr>
+        <p:spPr>
+          <a:xfrm>
+            <a:off x="457200" y="5867400"/>
+            <a:ext cx="7467600" cy="990600"/>
+          </a:xfrm>
+        </p:spPr>
+        <p:txBody>
+          <a:bodyPr>
+            <a:normAutofit fontScale="92500" lnSpcReduction="20000"/>
+          </a:bodyPr>
+          <a:lstStyle/>
+          <a:p>
+            <a:r>
+              <a:rPr lang="en-US" dirty="0" smtClean="0"/>
+              <a:t>Can we define it as defined class? </a:t>
+            </a:r>
+          </a:p>
+          <a:p>
+            <a:r>
+              <a:rPr lang="en-US" dirty="0" smtClean="0"/>
+              <a:t>Why have both </a:t>
+            </a:r>
+            <a:r>
+              <a:rPr lang="en-US" dirty="0" err="1" smtClean="0"/>
+              <a:t>has_specified_input</a:t>
+            </a:r>
+            <a:r>
+              <a:rPr lang="en-US" dirty="0" smtClean="0"/>
+              <a:t> only and some ‘data item’?</a:t>
+            </a:r>
+            <a:endParaRPr lang="en-US" dirty="0"/>
+          </a:p>
+        </p:txBody>
+      </p:sp>
+      <p:sp>
+        <p:nvSpPr>
+          <p:cNvPr id="4" name="Slide Number Placeholder 3"/>
+          <p:cNvSpPr>
+            <a:spLocks noGrp="1"/>
+          </p:cNvSpPr>
+          <p:nvPr>
+            <p:ph type="sldNum" sz="quarter" idx="15"/>
+          </p:nvPr>
+        </p:nvSpPr>
+        <p:spPr/>
+        <p:txBody>
+          <a:bodyPr/>
+          <a:lstStyle/>
+          <a:p>
+            <a:fld id="{7B4331BB-6433-41ED-874A-4DB7FFCBDAA2}" type="slidenum">
+              <a:rPr lang="en-US" smtClean="0"/>
+              <a:pPr/>
+              <a:t>13</a:t>
+            </a:fld>
+            <a:endParaRPr lang="en-US"/>
+          </a:p>
+        </p:txBody>
+      </p:sp>
+      <p:pic>
+        <p:nvPicPr>
+          <p:cNvPr id="5122" name="Picture 2"/>
+          <p:cNvPicPr>
+            <a:picLocks noChangeAspect="1" noChangeArrowheads="1"/>
+          </p:cNvPicPr>
+          <p:nvPr/>
+        </p:nvPicPr>
+        <p:blipFill>
+          <a:blip r:embed="rId2"/>
+          <a:srcRect/>
+          <a:stretch>
+            <a:fillRect/>
+          </a:stretch>
+        </p:blipFill>
+        <p:spPr bwMode="auto">
+          <a:xfrm>
+            <a:off x="533400" y="1428750"/>
+            <a:ext cx="7400925" cy="4438650"/>
+          </a:xfrm>
+          <a:prstGeom prst="rect">
+            <a:avLst/>
+          </a:prstGeom>
+          <a:noFill/>
+          <a:ln w="9525">
+            <a:noFill/>
+            <a:miter lim="800000"/>
+            <a:headEnd/>
+            <a:tailEnd/>
+          </a:ln>
+          <a:effectLst/>
+        </p:spPr>
+      </p:pic>
+    </p:spTree>
+  </p:cSld>
+  <p:clrMapOvr>
+    <a:masterClrMapping/>
+  </p:clrMapOvr>
+</p:sld>
+</file>
+
+<file path=ppt/slides/slide14.xml><?xml version="1.0" encoding="utf-8"?>
+<p:sld xmlns:a="http://schemas.openxmlformats.org/drawingml/2006/main" xmlns:r="http://schemas.openxmlformats.org/officeDocument/2006/relationships" xmlns:p="http://schemas.openxmlformats.org/presentationml/2006/main">
+  <p:cSld>
+    <p:spTree>
+      <p:nvGrpSpPr>
+        <p:cNvPr id="1" name=""/>
+        <p:cNvGrpSpPr/>
+        <p:nvPr/>
+      </p:nvGrpSpPr>
+      <p:grpSpPr>
+        <a:xfrm>
+          <a:off x="0" y="0"/>
+          <a:ext cx="0" cy="0"/>
+          <a:chOff x="0" y="0"/>
+          <a:chExt cx="0" cy="0"/>
+        </a:xfrm>
+      </p:grpSpPr>
+      <p:sp>
+        <p:nvSpPr>
+          <p:cNvPr id="2" name="Title 1"/>
+          <p:cNvSpPr>
+            <a:spLocks noGrp="1"/>
+          </p:cNvSpPr>
+          <p:nvPr>
+            <p:ph type="title"/>
+          </p:nvPr>
+        </p:nvSpPr>
+        <p:spPr>
+          <a:xfrm>
+            <a:off x="457200" y="274638"/>
+            <a:ext cx="8382000" cy="1143000"/>
+          </a:xfrm>
+        </p:spPr>
+        <p:txBody>
+          <a:bodyPr/>
+          <a:lstStyle/>
+          <a:p>
+            <a:r>
+              <a:rPr lang="en-US" dirty="0" smtClean="0"/>
+              <a:t>Terms for Web Services Annotation</a:t>
+            </a:r>
+            <a:endParaRPr lang="en-US" dirty="0"/>
+          </a:p>
+        </p:txBody>
+      </p:sp>
+      <p:sp>
+        <p:nvSpPr>
+          <p:cNvPr id="3" name="Content Placeholder 2"/>
+          <p:cNvSpPr>
+            <a:spLocks noGrp="1"/>
+          </p:cNvSpPr>
+          <p:nvPr>
+            <p:ph sz="quarter" idx="1"/>
+          </p:nvPr>
+        </p:nvSpPr>
+        <p:spPr/>
+        <p:txBody>
+          <a:bodyPr/>
+          <a:lstStyle/>
+          <a:p>
+            <a:r>
+              <a:rPr lang="en-US" dirty="0" smtClean="0"/>
+              <a:t>OBI Tracker</a:t>
+            </a:r>
+          </a:p>
+          <a:p>
+            <a:pPr lvl="1">
+              <a:buNone/>
+            </a:pPr>
+            <a:r>
+              <a:rPr lang="en-US" dirty="0" smtClean="0">
+                <a:hlinkClick r:id="rId2"/>
+              </a:rPr>
+              <a:t>https://sourceforge.net/tracker/?func=detail&amp;aid=3031357&amp;group_id=177891&amp;atid=886178</a:t>
+            </a:r>
+            <a:endParaRPr lang="en-US" dirty="0" smtClean="0"/>
+          </a:p>
+          <a:p>
+            <a:pPr lvl="1">
+              <a:buNone/>
+            </a:pPr>
+            <a:endParaRPr lang="en-US" dirty="0" smtClean="0"/>
+          </a:p>
+          <a:p>
+            <a:r>
+              <a:rPr lang="en-US" dirty="0" smtClean="0"/>
+              <a:t>Terms for web services annotation added into an OWL file which imported obi.owl</a:t>
+            </a:r>
+          </a:p>
+          <a:p>
+            <a:pPr lvl="1">
+              <a:buNone/>
+            </a:pPr>
+            <a:r>
+              <a:rPr lang="en-US" dirty="0" smtClean="0">
+                <a:hlinkClick r:id="rId3"/>
+              </a:rPr>
+              <a:t>http://webprotege.stanford.edu/#OBI</a:t>
+            </a:r>
+            <a:endParaRPr lang="en-US" dirty="0"/>
+          </a:p>
+        </p:txBody>
+      </p:sp>
+      <p:sp>
+        <p:nvSpPr>
+          <p:cNvPr id="4" name="Slide Number Placeholder 3"/>
+          <p:cNvSpPr>
+            <a:spLocks noGrp="1"/>
+          </p:cNvSpPr>
+          <p:nvPr>
+            <p:ph type="sldNum" sz="quarter" idx="15"/>
+          </p:nvPr>
+        </p:nvSpPr>
+        <p:spPr/>
+        <p:txBody>
+          <a:bodyPr/>
+          <a:lstStyle/>
+          <a:p>
+            <a:fld id="{7B4331BB-6433-41ED-874A-4DB7FFCBDAA2}" type="slidenum">
+              <a:rPr lang="en-US" smtClean="0"/>
+              <a:pPr/>
+              <a:t>14</a:t>
+            </a:fld>
+            <a:endParaRPr lang="en-US"/>
+          </a:p>
+        </p:txBody>
+      </p:sp>
+    </p:spTree>
+  </p:cSld>
+  <p:clrMapOvr>
+    <a:masterClrMapping/>
+  </p:clrMapOvr>
+  <p:timing>
+    <p:tnLst>
+      <p:par>
+        <p:cTn id="1" dur="indefinite" restart="never" nodeType="tmRoot"/>
+      </p:par>
+    </p:tnLst>
+  </p:timing>
+</p:sld>
+</file>
+
+<file path=ppt/slides/slide15.xml><?xml version="1.0" encoding="utf-8"?>
+<p:sld xmlns:a="http://schemas.openxmlformats.org/drawingml/2006/main" xmlns:r="http://schemas.openxmlformats.org/officeDocument/2006/relationships" xmlns:p="http://schemas.openxmlformats.org/presentationml/2006/main">
+  <p:cSld>
+    <p:spTree>
+      <p:nvGrpSpPr>
+        <p:cNvPr id="1" name=""/>
+        <p:cNvGrpSpPr/>
+        <p:nvPr/>
+      </p:nvGrpSpPr>
+      <p:grpSpPr>
+        <a:xfrm>
+          <a:off x="0" y="0"/>
+          <a:ext cx="0" cy="0"/>
+          <a:chOff x="0" y="0"/>
+          <a:chExt cx="0" cy="0"/>
+        </a:xfrm>
+      </p:grpSpPr>
+      <p:sp>
+        <p:nvSpPr>
+          <p:cNvPr id="2" name="Title 1"/>
+          <p:cNvSpPr>
+            <a:spLocks noGrp="1"/>
+          </p:cNvSpPr>
+          <p:nvPr>
+            <p:ph type="title"/>
+          </p:nvPr>
+        </p:nvSpPr>
+        <p:spPr/>
+        <p:txBody>
+          <a:bodyPr/>
+          <a:lstStyle/>
+          <a:p>
+            <a:r>
+              <a:rPr lang="en-US" dirty="0" smtClean="0"/>
+              <a:t>Current Progress</a:t>
+            </a:r>
+            <a:endParaRPr lang="en-US" dirty="0"/>
+          </a:p>
+        </p:txBody>
+      </p:sp>
+      <p:sp>
+        <p:nvSpPr>
+          <p:cNvPr id="3" name="Content Placeholder 2"/>
+          <p:cNvSpPr>
+            <a:spLocks noGrp="1"/>
+          </p:cNvSpPr>
+          <p:nvPr>
+            <p:ph sz="quarter" idx="1"/>
+          </p:nvPr>
+        </p:nvSpPr>
+        <p:spPr/>
+        <p:txBody>
+          <a:bodyPr/>
+          <a:lstStyle/>
+          <a:p>
+            <a:r>
+              <a:rPr lang="en-US" dirty="0" smtClean="0"/>
+              <a:t>Have~ 100 terms ready to add</a:t>
+            </a:r>
+          </a:p>
+          <a:p>
+            <a:r>
+              <a:rPr lang="en-US" dirty="0" smtClean="0"/>
+              <a:t>Covering annotation of </a:t>
+            </a:r>
+          </a:p>
+          <a:p>
+            <a:pPr lvl="1"/>
+            <a:r>
+              <a:rPr lang="en-US" dirty="0" smtClean="0"/>
+              <a:t>BLAST (</a:t>
+            </a:r>
+            <a:r>
+              <a:rPr lang="en-US" dirty="0" err="1" smtClean="0"/>
+              <a:t>NCBIBlast</a:t>
+            </a:r>
+            <a:r>
+              <a:rPr lang="en-US" dirty="0" smtClean="0"/>
+              <a:t>, </a:t>
+            </a:r>
+            <a:r>
+              <a:rPr lang="en-US" dirty="0" err="1" smtClean="0"/>
+              <a:t>WUBlast</a:t>
+            </a:r>
+            <a:r>
+              <a:rPr lang="en-US" dirty="0" smtClean="0"/>
+              <a:t> , PSI Blast)</a:t>
+            </a:r>
+          </a:p>
+          <a:p>
+            <a:pPr lvl="1"/>
+            <a:r>
+              <a:rPr lang="en-US" dirty="0" err="1" smtClean="0"/>
+              <a:t>Clustal</a:t>
+            </a:r>
+            <a:r>
+              <a:rPr lang="en-US" dirty="0" smtClean="0"/>
+              <a:t> W, T-Coffee</a:t>
+            </a:r>
+          </a:p>
+          <a:p>
+            <a:pPr lvl="1"/>
+            <a:r>
+              <a:rPr lang="en-US" dirty="0" smtClean="0"/>
+              <a:t>Signal P</a:t>
+            </a:r>
+          </a:p>
+          <a:p>
+            <a:pPr lvl="1"/>
+            <a:r>
+              <a:rPr lang="en-US" dirty="0" smtClean="0"/>
+              <a:t>Fetch Batch</a:t>
+            </a:r>
+          </a:p>
+          <a:p>
+            <a:endParaRPr lang="en-US" dirty="0"/>
+          </a:p>
+        </p:txBody>
+      </p:sp>
+      <p:sp>
+        <p:nvSpPr>
+          <p:cNvPr id="4" name="Slide Number Placeholder 3"/>
+          <p:cNvSpPr>
+            <a:spLocks noGrp="1"/>
+          </p:cNvSpPr>
+          <p:nvPr>
+            <p:ph type="sldNum" sz="quarter" idx="15"/>
+          </p:nvPr>
+        </p:nvSpPr>
+        <p:spPr/>
+        <p:txBody>
+          <a:bodyPr/>
+          <a:lstStyle/>
+          <a:p>
+            <a:fld id="{7B4331BB-6433-41ED-874A-4DB7FFCBDAA2}" type="slidenum">
+              <a:rPr lang="en-US" smtClean="0"/>
+              <a:pPr/>
+              <a:t>15</a:t>
             </a:fld>
             <a:endParaRPr lang="en-US"/>
           </a:p>
@@ -14363,10 +14742,17 @@
   <p:clrMapOvr>
     <a:masterClrMapping/>
   </p:clrMapOvr>
+  <p:timing>
+    <p:tnLst>
+      <p:par>
+        <p:cTn id="1" dur="indefinite" restart="never" nodeType="tmRoot"/>
+      </p:par>
+    </p:tnLst>
+  </p:timing>
 </p:sld>
 </file>
 
-<file path=ppt/slides/slide13.xml><?xml version="1.0" encoding="utf-8"?>
+<file path=ppt/slides/slide16.xml><?xml version="1.0" encoding="utf-8"?>
 <p:sld xmlns:a="http://schemas.openxmlformats.org/drawingml/2006/main" xmlns:r="http://schemas.openxmlformats.org/officeDocument/2006/relationships" xmlns:p="http://schemas.openxmlformats.org/presentationml/2006/main">
   <p:cSld>
     <p:spTree>
@@ -14400,11 +14786,7 @@
           <a:p>
             <a:r>
               <a:rPr lang="en-US" dirty="0" smtClean="0"/>
-              <a:t>Compare OBI and EDAM in Web Services </a:t>
-            </a:r>
-            <a:r>
-              <a:rPr lang="en-US" dirty="0" smtClean="0"/>
-              <a:t>Suggestion (example: BLAST to </a:t>
+              <a:t>Compare OBI and EDAM in Web Services Suggestion (example: BLAST to </a:t>
             </a:r>
             <a:r>
               <a:rPr lang="en-US" dirty="0" err="1" smtClean="0"/>
@@ -14436,7 +14818,7 @@
             <a:fld id="{7B4331BB-6433-41ED-874A-4DB7FFCBDAA2}" type="slidenum">
               <a:rPr lang="en-US" smtClean="0"/>
               <a:pPr/>
-              <a:t>13</a:t>
+              <a:t>16</a:t>
             </a:fld>
             <a:endParaRPr lang="en-US" dirty="0"/>
           </a:p>
@@ -14682,11 +15064,7 @@
             <a:pPr algn="ctr"/>
             <a:r>
               <a:rPr lang="en-US" sz="1400" dirty="0" smtClean="0"/>
-              <a:t>r</a:t>
-            </a:r>
-            <a:r>
-              <a:rPr lang="en-US" sz="1400" dirty="0" smtClean="0"/>
-              <a:t>un </a:t>
+              <a:t>run </a:t>
             </a:r>
             <a:r>
               <a:rPr lang="en-US" sz="1400" dirty="0" err="1" smtClean="0"/>
@@ -15229,7 +15607,7 @@
 </p:sld>
 </file>
 
-<file path=ppt/slides/slide14.xml><?xml version="1.0" encoding="utf-8"?>
+<file path=ppt/slides/slide17.xml><?xml version="1.0" encoding="utf-8"?>
 <p:sld xmlns:a="http://schemas.openxmlformats.org/drawingml/2006/main" xmlns:r="http://schemas.openxmlformats.org/officeDocument/2006/relationships" xmlns:p="http://schemas.openxmlformats.org/presentationml/2006/main">
   <p:cSld>
     <p:spTree>
@@ -15289,7 +15667,7 @@
             <a:fld id="{7B4331BB-6433-41ED-874A-4DB7FFCBDAA2}" type="slidenum">
               <a:rPr lang="en-US" smtClean="0"/>
               <a:pPr/>
-              <a:t>14</a:t>
+              <a:t>17</a:t>
             </a:fld>
             <a:endParaRPr lang="en-US" dirty="0"/>
           </a:p>
@@ -15310,7 +15688,124 @@
 </p:sld>
 </file>
 
-<file path=ppt/slides/slide15.xml><?xml version="1.0" encoding="utf-8"?>
+<file path=ppt/slides/slide18.xml><?xml version="1.0" encoding="utf-8"?>
+<p:sld xmlns:a="http://schemas.openxmlformats.org/drawingml/2006/main" xmlns:r="http://schemas.openxmlformats.org/officeDocument/2006/relationships" xmlns:p="http://schemas.openxmlformats.org/presentationml/2006/main">
+  <p:cSld>
+    <p:spTree>
+      <p:nvGrpSpPr>
+        <p:cNvPr id="1" name=""/>
+        <p:cNvGrpSpPr/>
+        <p:nvPr/>
+      </p:nvGrpSpPr>
+      <p:grpSpPr>
+        <a:xfrm>
+          <a:off x="0" y="0"/>
+          <a:ext cx="0" cy="0"/>
+          <a:chOff x="0" y="0"/>
+          <a:chExt cx="0" cy="0"/>
+        </a:xfrm>
+      </p:grpSpPr>
+      <p:sp>
+        <p:nvSpPr>
+          <p:cNvPr id="4" name="Title 3"/>
+          <p:cNvSpPr>
+            <a:spLocks noGrp="1"/>
+          </p:cNvSpPr>
+          <p:nvPr>
+            <p:ph type="title"/>
+          </p:nvPr>
+        </p:nvSpPr>
+        <p:spPr/>
+        <p:txBody>
+          <a:bodyPr/>
+          <a:lstStyle/>
+          <a:p>
+            <a:r>
+              <a:rPr lang="en-US" dirty="0" smtClean="0"/>
+              <a:t>Service</a:t>
+            </a:r>
+            <a:endParaRPr lang="en-US" dirty="0"/>
+          </a:p>
+        </p:txBody>
+      </p:sp>
+      <p:sp>
+        <p:nvSpPr>
+          <p:cNvPr id="5" name="Content Placeholder 4"/>
+          <p:cNvSpPr>
+            <a:spLocks noGrp="1"/>
+          </p:cNvSpPr>
+          <p:nvPr>
+            <p:ph sz="quarter" idx="1"/>
+          </p:nvPr>
+        </p:nvSpPr>
+        <p:spPr/>
+        <p:txBody>
+          <a:bodyPr/>
+          <a:lstStyle/>
+          <a:p>
+            <a:r>
+              <a:rPr lang="en-US" dirty="0" smtClean="0"/>
+              <a:t>planned process‘	</a:t>
+            </a:r>
+          </a:p>
+          <a:p>
+            <a:r>
+              <a:rPr lang="en-US" dirty="0" smtClean="0"/>
+              <a:t>(realizes some 'service consumer role') and (realizes some 'service provider role')</a:t>
+            </a:r>
+          </a:p>
+          <a:p>
+            <a:r>
+              <a:rPr lang="en-US" dirty="0" smtClean="0"/>
+              <a:t>Do we need to provide which entity has 'service consumer role‘ and 'service provider role‘ in different service?</a:t>
+            </a:r>
+          </a:p>
+          <a:p>
+            <a:r>
+              <a:rPr lang="en-US" dirty="0" err="1" smtClean="0"/>
+              <a:t>eg</a:t>
+            </a:r>
+            <a:r>
+              <a:rPr lang="en-US" dirty="0" smtClean="0"/>
+              <a:t>. web service</a:t>
+            </a:r>
+            <a:endParaRPr lang="en-US" dirty="0"/>
+          </a:p>
+        </p:txBody>
+      </p:sp>
+      <p:sp>
+        <p:nvSpPr>
+          <p:cNvPr id="3" name="Slide Number Placeholder 2"/>
+          <p:cNvSpPr>
+            <a:spLocks noGrp="1"/>
+          </p:cNvSpPr>
+          <p:nvPr>
+            <p:ph type="sldNum" sz="quarter" idx="15"/>
+          </p:nvPr>
+        </p:nvSpPr>
+        <p:spPr/>
+        <p:txBody>
+          <a:bodyPr/>
+          <a:lstStyle/>
+          <a:p>
+            <a:fld id="{7B4331BB-6433-41ED-874A-4DB7FFCBDAA2}" type="slidenum">
+              <a:rPr lang="en-US" smtClean="0"/>
+              <a:pPr/>
+              <a:t>18</a:t>
+            </a:fld>
+            <a:endParaRPr lang="en-US" dirty="0"/>
+          </a:p>
+        </p:txBody>
+      </p:sp>
+    </p:spTree>
+  </p:cSld>
+  <p:clrMapOvr>
+    <a:masterClrMapping/>
+  </p:clrMapOvr>
+</p:sld>
+</file>
+
+<file path=ppt/slides/slide19.xml><?xml version="1.0" encoding="utf-8"?>
 <p:sld xmlns:a="http://schemas.openxmlformats.org/drawingml/2006/main" xmlns:r="http://schemas.openxmlformats.org/officeDocument/2006/relationships" xmlns:p="http://schemas.openxmlformats.org/presentationml/2006/main">
   <p:cSld>
     <p:spTree>
@@ -15607,7 +16102,7 @@
             <a:fld id="{7B4331BB-6433-41ED-874A-4DB7FFCBDAA2}" type="slidenum">
               <a:rPr lang="en-US" smtClean="0"/>
               <a:pPr/>
-              <a:t>15</a:t>
+              <a:t>19</a:t>
             </a:fld>
             <a:endParaRPr lang="en-US"/>
           </a:p>
@@ -15637,15 +16132,7 @@
           <a:p>
             <a:r>
               <a:rPr lang="en-US" dirty="0" smtClean="0"/>
-              <a:t>EDAM: </a:t>
-            </a:r>
-            <a:r>
-              <a:rPr lang="en-US" dirty="0" smtClean="0"/>
-              <a:t>14</a:t>
-            </a:r>
-            <a:r>
-              <a:rPr lang="en-US" dirty="0" smtClean="0"/>
-              <a:t> terms</a:t>
+              <a:t>EDAM: 14 terms</a:t>
             </a:r>
           </a:p>
           <a:p>
@@ -15672,7 +16159,7 @@
 </p:sld>
 </file>
 
-<file path=ppt/slides/slide16.xml><?xml version="1.0" encoding="utf-8"?>
+<file path=ppt/slides/slide2.xml><?xml version="1.0" encoding="utf-8"?>
 <p:sld xmlns:a="http://schemas.openxmlformats.org/drawingml/2006/main" xmlns:r="http://schemas.openxmlformats.org/officeDocument/2006/relationships" xmlns:p="http://schemas.openxmlformats.org/presentationml/2006/main">
   <p:cSld>
     <p:spTree>
@@ -15699,6 +16186,158 @@
             <p:ph type="title"/>
           </p:nvPr>
         </p:nvSpPr>
+        <p:spPr/>
+        <p:txBody>
+          <a:bodyPr>
+            <a:normAutofit/>
+          </a:bodyPr>
+          <a:lstStyle/>
+          <a:p>
+            <a:r>
+              <a:rPr lang="en-US" dirty="0" smtClean="0"/>
+              <a:t>Background</a:t>
+            </a:r>
+            <a:endParaRPr lang="en-US" dirty="0"/>
+          </a:p>
+        </p:txBody>
+      </p:sp>
+      <p:sp>
+        <p:nvSpPr>
+          <p:cNvPr id="3" name="Content Placeholder 2"/>
+          <p:cNvSpPr>
+            <a:spLocks noGrp="1"/>
+          </p:cNvSpPr>
+          <p:nvPr>
+            <p:ph sz="quarter" idx="1"/>
+          </p:nvPr>
+        </p:nvSpPr>
+        <p:spPr/>
+        <p:txBody>
+          <a:bodyPr/>
+          <a:lstStyle/>
+          <a:p>
+            <a:r>
+              <a:rPr lang="en-US" dirty="0" smtClean="0"/>
+              <a:t>Over 1000 bioinformatics web services</a:t>
+            </a:r>
+          </a:p>
+          <a:p>
+            <a:r>
+              <a:rPr lang="en-US" dirty="0" smtClean="0"/>
+              <a:t>For biological data analysis, typically need more than a single web service</a:t>
+            </a:r>
+          </a:p>
+          <a:p>
+            <a:r>
+              <a:rPr lang="en-US" dirty="0" smtClean="0"/>
+              <a:t>Example:</a:t>
+            </a:r>
+          </a:p>
+          <a:p>
+            <a:pPr lvl="1"/>
+            <a:r>
+              <a:rPr lang="en-US" dirty="0" smtClean="0"/>
+              <a:t>With a given protein sequence, find its evolutionary relationship to other protein sequences</a:t>
+            </a:r>
+          </a:p>
+          <a:p>
+            <a:pPr lvl="1"/>
+            <a:r>
+              <a:rPr lang="en-US" dirty="0" smtClean="0"/>
+              <a:t>Bioinformatics programs that need to be used:</a:t>
+            </a:r>
+          </a:p>
+          <a:p>
+            <a:pPr lvl="2"/>
+            <a:r>
+              <a:rPr lang="en-US" dirty="0" smtClean="0"/>
+              <a:t>BLAST</a:t>
+            </a:r>
+          </a:p>
+          <a:p>
+            <a:pPr lvl="2"/>
+            <a:r>
+              <a:rPr lang="en-US" dirty="0" err="1" smtClean="0"/>
+              <a:t>ClustalW</a:t>
+            </a:r>
+            <a:endParaRPr lang="en-US" dirty="0" smtClean="0"/>
+          </a:p>
+          <a:p>
+            <a:pPr lvl="2"/>
+            <a:r>
+              <a:rPr lang="en-US" dirty="0" err="1" smtClean="0"/>
+              <a:t>Phylip</a:t>
+            </a:r>
+            <a:endParaRPr lang="en-US" dirty="0"/>
+          </a:p>
+        </p:txBody>
+      </p:sp>
+      <p:sp>
+        <p:nvSpPr>
+          <p:cNvPr id="4" name="Slide Number Placeholder 3"/>
+          <p:cNvSpPr>
+            <a:spLocks noGrp="1"/>
+          </p:cNvSpPr>
+          <p:nvPr>
+            <p:ph type="sldNum" sz="quarter" idx="15"/>
+          </p:nvPr>
+        </p:nvSpPr>
+        <p:spPr/>
+        <p:txBody>
+          <a:bodyPr/>
+          <a:lstStyle/>
+          <a:p>
+            <a:fld id="{7B4331BB-6433-41ED-874A-4DB7FFCBDAA2}" type="slidenum">
+              <a:rPr lang="en-US" smtClean="0"/>
+              <a:pPr/>
+              <a:t>2</a:t>
+            </a:fld>
+            <a:endParaRPr lang="en-US"/>
+          </a:p>
+        </p:txBody>
+      </p:sp>
+    </p:spTree>
+  </p:cSld>
+  <p:clrMapOvr>
+    <a:masterClrMapping/>
+  </p:clrMapOvr>
+  <p:timing>
+    <p:tnLst>
+      <p:par>
+        <p:cTn id="1" dur="indefinite" restart="never" nodeType="tmRoot"/>
+      </p:par>
+    </p:tnLst>
+  </p:timing>
+</p:sld>
+</file>
+
+<file path=ppt/slides/slide20.xml><?xml version="1.0" encoding="utf-8"?>
+<p:sld xmlns:a="http://schemas.openxmlformats.org/drawingml/2006/main" xmlns:r="http://schemas.openxmlformats.org/officeDocument/2006/relationships" xmlns:p="http://schemas.openxmlformats.org/presentationml/2006/main">
+  <p:cSld>
+    <p:spTree>
+      <p:nvGrpSpPr>
+        <p:cNvPr id="1" name=""/>
+        <p:cNvGrpSpPr/>
+        <p:nvPr/>
+      </p:nvGrpSpPr>
+      <p:grpSpPr>
+        <a:xfrm>
+          <a:off x="0" y="0"/>
+          <a:ext cx="0" cy="0"/>
+          <a:chOff x="0" y="0"/>
+          <a:chExt cx="0" cy="0"/>
+        </a:xfrm>
+      </p:grpSpPr>
+      <p:sp>
+        <p:nvSpPr>
+          <p:cNvPr id="2" name="Title 1"/>
+          <p:cNvSpPr>
+            <a:spLocks noGrp="1"/>
+          </p:cNvSpPr>
+          <p:nvPr>
+            <p:ph type="title"/>
+          </p:nvPr>
+        </p:nvSpPr>
         <p:spPr>
           <a:xfrm>
             <a:off x="457200" y="76200"/>
@@ -15735,7 +16374,7 @@
             <a:fld id="{7B4331BB-6433-41ED-874A-4DB7FFCBDAA2}" type="slidenum">
               <a:rPr lang="en-US" smtClean="0"/>
               <a:pPr/>
-              <a:t>16</a:t>
+              <a:t>20</a:t>
             </a:fld>
             <a:endParaRPr lang="en-US"/>
           </a:p>
@@ -15999,11 +16638,7 @@
           <a:p>
             <a:r>
               <a:rPr lang="en-US" dirty="0" smtClean="0"/>
-              <a:t>OBI: 28 terms, 25 new </a:t>
-            </a:r>
-            <a:r>
-              <a:rPr lang="en-US" dirty="0" smtClean="0"/>
-              <a:t>terms</a:t>
+              <a:t>OBI: 28 terms, 25 new terms</a:t>
             </a:r>
           </a:p>
           <a:p>
@@ -16012,158 +16647,6 @@
               <a:t>(36 operations, objectives or parameters)</a:t>
             </a:r>
             <a:endParaRPr lang="en-US" dirty="0"/>
-          </a:p>
-        </p:txBody>
-      </p:sp>
-    </p:spTree>
-  </p:cSld>
-  <p:clrMapOvr>
-    <a:masterClrMapping/>
-  </p:clrMapOvr>
-  <p:timing>
-    <p:tnLst>
-      <p:par>
-        <p:cTn id="1" dur="indefinite" restart="never" nodeType="tmRoot"/>
-      </p:par>
-    </p:tnLst>
-  </p:timing>
-</p:sld>
-</file>
-
-<file path=ppt/slides/slide2.xml><?xml version="1.0" encoding="utf-8"?>
-<p:sld xmlns:a="http://schemas.openxmlformats.org/drawingml/2006/main" xmlns:r="http://schemas.openxmlformats.org/officeDocument/2006/relationships" xmlns:p="http://schemas.openxmlformats.org/presentationml/2006/main">
-  <p:cSld>
-    <p:spTree>
-      <p:nvGrpSpPr>
-        <p:cNvPr id="1" name=""/>
-        <p:cNvGrpSpPr/>
-        <p:nvPr/>
-      </p:nvGrpSpPr>
-      <p:grpSpPr>
-        <a:xfrm>
-          <a:off x="0" y="0"/>
-          <a:ext cx="0" cy="0"/>
-          <a:chOff x="0" y="0"/>
-          <a:chExt cx="0" cy="0"/>
-        </a:xfrm>
-      </p:grpSpPr>
-      <p:sp>
-        <p:nvSpPr>
-          <p:cNvPr id="2" name="Title 1"/>
-          <p:cNvSpPr>
-            <a:spLocks noGrp="1"/>
-          </p:cNvSpPr>
-          <p:nvPr>
-            <p:ph type="title"/>
-          </p:nvPr>
-        </p:nvSpPr>
-        <p:spPr/>
-        <p:txBody>
-          <a:bodyPr>
-            <a:normAutofit/>
-          </a:bodyPr>
-          <a:lstStyle/>
-          <a:p>
-            <a:r>
-              <a:rPr lang="en-US" dirty="0" smtClean="0"/>
-              <a:t>Background</a:t>
-            </a:r>
-            <a:endParaRPr lang="en-US" dirty="0"/>
-          </a:p>
-        </p:txBody>
-      </p:sp>
-      <p:sp>
-        <p:nvSpPr>
-          <p:cNvPr id="3" name="Content Placeholder 2"/>
-          <p:cNvSpPr>
-            <a:spLocks noGrp="1"/>
-          </p:cNvSpPr>
-          <p:nvPr>
-            <p:ph sz="quarter" idx="1"/>
-          </p:nvPr>
-        </p:nvSpPr>
-        <p:spPr/>
-        <p:txBody>
-          <a:bodyPr/>
-          <a:lstStyle/>
-          <a:p>
-            <a:r>
-              <a:rPr lang="en-US" dirty="0" smtClean="0"/>
-              <a:t>Over 1000 bioinformatics web services</a:t>
-            </a:r>
-          </a:p>
-          <a:p>
-            <a:r>
-              <a:rPr lang="en-US" dirty="0" smtClean="0"/>
-              <a:t>For biological data analysis, typically need more than a single web service</a:t>
-            </a:r>
-          </a:p>
-          <a:p>
-            <a:r>
-              <a:rPr lang="en-US" dirty="0" smtClean="0"/>
-              <a:t>Example:</a:t>
-            </a:r>
-          </a:p>
-          <a:p>
-            <a:pPr lvl="1"/>
-            <a:r>
-              <a:rPr lang="en-US" dirty="0" smtClean="0"/>
-              <a:t>With a given protein sequence, find its evolutionary relationship to other protein sequences</a:t>
-            </a:r>
-          </a:p>
-          <a:p>
-            <a:pPr lvl="1"/>
-            <a:r>
-              <a:rPr lang="en-US" dirty="0" smtClean="0"/>
-              <a:t>Bioinformatics programs that need to be used:</a:t>
-            </a:r>
-          </a:p>
-          <a:p>
-            <a:pPr lvl="2"/>
-            <a:r>
-              <a:rPr lang="en-US" dirty="0" smtClean="0"/>
-              <a:t>BLAST</a:t>
-            </a:r>
-          </a:p>
-          <a:p>
-            <a:pPr lvl="2"/>
-            <a:r>
-              <a:rPr lang="en-US" dirty="0" err="1" smtClean="0"/>
-              <a:t>ClustalW</a:t>
-            </a:r>
-            <a:endParaRPr lang="en-US" dirty="0" smtClean="0"/>
-          </a:p>
-          <a:p>
-            <a:pPr lvl="2"/>
-            <a:r>
-              <a:rPr lang="en-US" dirty="0" err="1" smtClean="0"/>
-              <a:t>Phylip</a:t>
-            </a:r>
-            <a:endParaRPr lang="en-US" dirty="0"/>
-          </a:p>
-        </p:txBody>
-      </p:sp>
-      <p:sp>
-        <p:nvSpPr>
-          <p:cNvPr id="4" name="Slide Number Placeholder 3"/>
-          <p:cNvSpPr>
-            <a:spLocks noGrp="1"/>
-          </p:cNvSpPr>
-          <p:nvPr>
-            <p:ph type="sldNum" sz="quarter" idx="15"/>
-          </p:nvPr>
-        </p:nvSpPr>
-        <p:spPr/>
-        <p:txBody>
-          <a:bodyPr/>
-          <a:lstStyle/>
-          <a:p>
-            <a:fld id="{7B4331BB-6433-41ED-874A-4DB7FFCBDAA2}" type="slidenum">
-              <a:rPr lang="en-US" smtClean="0"/>
-              <a:pPr/>
-              <a:t>2</a:t>
-            </a:fld>
-            <a:endParaRPr lang="en-US"/>
           </a:p>
         </p:txBody>
       </p:sp>
@@ -17109,26 +17592,35 @@
       </p:sp>
       <p:pic>
         <p:nvPicPr>
-          <p:cNvPr id="5" name="Picture 4" descr="web service.jpg"/>
+          <p:cNvPr id="1026" name="Picture 2"/>
           <p:cNvPicPr>
-            <a:picLocks noChangeAspect="1"/>
+            <a:picLocks noChangeAspect="1" noChangeArrowheads="1"/>
           </p:cNvPicPr>
           <p:nvPr/>
         </p:nvPicPr>
         <p:blipFill>
           <a:blip r:embed="rId2" cstate="print"/>
+          <a:srcRect/>
           <a:stretch>
             <a:fillRect/>
           </a:stretch>
         </p:blipFill>
-        <p:spPr>
+        <p:spPr bwMode="auto">
           <a:xfrm>
-            <a:off x="533400" y="1676400"/>
-            <a:ext cx="7543800" cy="4572000"/>
+            <a:off x="243400" y="1676400"/>
+            <a:ext cx="8367200" cy="4495800"/>
           </a:xfrm>
           <a:prstGeom prst="rect">
             <a:avLst/>
           </a:prstGeom>
+          <a:noFill/>
+          <a:ln w="9525">
+            <a:noFill/>
+            <a:miter lim="800000"/>
+            <a:headEnd/>
+            <a:tailEnd/>
+          </a:ln>
+          <a:effectLst/>
         </p:spPr>
       </p:pic>
     </p:spTree>
@@ -17173,8 +17665,161 @@
           <a:p>
             <a:r>
               <a:rPr lang="en-US" dirty="0" smtClean="0"/>
-              <a:t>Ontology-based Representation of BLAST</a:t>
-            </a:r>
+              <a:t>Definitions of the Terms</a:t>
+            </a:r>
+            <a:endParaRPr lang="en-US" dirty="0"/>
+          </a:p>
+        </p:txBody>
+      </p:sp>
+      <p:sp>
+        <p:nvSpPr>
+          <p:cNvPr id="3" name="Content Placeholder 2"/>
+          <p:cNvSpPr>
+            <a:spLocks noGrp="1"/>
+          </p:cNvSpPr>
+          <p:nvPr>
+            <p:ph sz="quarter" idx="1"/>
+          </p:nvPr>
+        </p:nvSpPr>
+        <p:spPr>
+          <a:xfrm>
+            <a:off x="457200" y="1600200"/>
+            <a:ext cx="7848600" cy="5257800"/>
+          </a:xfrm>
+        </p:spPr>
+        <p:txBody>
+          <a:bodyPr>
+            <a:normAutofit lnSpcReduction="10000"/>
+          </a:bodyPr>
+          <a:lstStyle/>
+          <a:p>
+            <a:r>
+              <a:rPr lang="en-US" b="1" dirty="0" smtClean="0"/>
+              <a:t>Algorithm</a:t>
+            </a:r>
+            <a:r>
+              <a:rPr lang="en-US" dirty="0" smtClean="0"/>
+              <a:t>: a plan specification that contains a set of </a:t>
+            </a:r>
+            <a:r>
+              <a:rPr lang="en-US" dirty="0" smtClean="0"/>
+              <a:t>instructions, </a:t>
+            </a:r>
+            <a:r>
+              <a:rPr lang="en-US" dirty="0" smtClean="0"/>
+              <a:t>independent of implementation </a:t>
+            </a:r>
+            <a:r>
+              <a:rPr lang="en-US" dirty="0" smtClean="0"/>
+              <a:t>and </a:t>
+            </a:r>
+            <a:r>
+              <a:rPr lang="en-US" dirty="0" smtClean="0"/>
+              <a:t>programming </a:t>
+            </a:r>
+            <a:r>
+              <a:rPr lang="en-US" dirty="0" smtClean="0"/>
+              <a:t>languages.</a:t>
+            </a:r>
+          </a:p>
+          <a:p>
+            <a:pPr lvl="1"/>
+            <a:r>
+              <a:rPr lang="en-US" dirty="0" smtClean="0"/>
+              <a:t>Algorithm is encoded in software, like data item is encoded in data format specification</a:t>
+            </a:r>
+          </a:p>
+          <a:p>
+            <a:pPr lvl="1"/>
+            <a:r>
+              <a:rPr lang="en-US" dirty="0" smtClean="0"/>
+              <a:t>Relation: ‘is encoded in’, proposed by Software Ontology</a:t>
+            </a:r>
+          </a:p>
+          <a:p>
+            <a:pPr lvl="1">
+              <a:buNone/>
+            </a:pPr>
+            <a:r>
+              <a:rPr lang="en-US" dirty="0" smtClean="0"/>
+              <a:t>	We </a:t>
+            </a:r>
+            <a:r>
+              <a:rPr lang="en-US" dirty="0" smtClean="0"/>
+              <a:t>propose its reverse relation as ‘</a:t>
+            </a:r>
+            <a:r>
+              <a:rPr lang="en-US" dirty="0" smtClean="0"/>
+              <a:t>encodes</a:t>
+            </a:r>
+            <a:r>
+              <a:rPr lang="en-US" dirty="0" smtClean="0"/>
+              <a:t>’.</a:t>
+            </a:r>
+            <a:r>
+              <a:rPr lang="en-US" dirty="0" smtClean="0"/>
+              <a:t> </a:t>
+            </a:r>
+          </a:p>
+          <a:p>
+            <a:r>
+              <a:rPr lang="en-US" b="1" dirty="0" smtClean="0"/>
+              <a:t>Software</a:t>
+            </a:r>
+            <a:r>
+              <a:rPr lang="en-US" dirty="0" smtClean="0"/>
+              <a:t>: a </a:t>
+            </a:r>
+            <a:r>
+              <a:rPr lang="en-US" dirty="0" smtClean="0"/>
+              <a:t>plan specification that </a:t>
+            </a:r>
+            <a:r>
+              <a:rPr lang="en-US" dirty="0" smtClean="0"/>
+              <a:t>implements (encodes) </a:t>
+            </a:r>
+            <a:r>
+              <a:rPr lang="en-US" dirty="0" smtClean="0"/>
+              <a:t>one or more algorithms in one or more programming languages</a:t>
+            </a:r>
+            <a:r>
+              <a:rPr lang="en-US" dirty="0" smtClean="0"/>
+              <a:t>.</a:t>
+            </a:r>
+          </a:p>
+          <a:p>
+            <a:r>
+              <a:rPr lang="en-US" b="1" dirty="0" smtClean="0"/>
+              <a:t>Software execution</a:t>
+            </a:r>
+            <a:r>
+              <a:rPr lang="en-US" dirty="0" smtClean="0"/>
+              <a:t>: a planned process that executes software. </a:t>
+            </a:r>
+            <a:endParaRPr lang="en-US" dirty="0" smtClean="0"/>
+          </a:p>
+          <a:p>
+            <a:pPr lvl="1"/>
+            <a:r>
+              <a:rPr lang="en-US" dirty="0" smtClean="0"/>
+              <a:t>Relation: ‘is executed in’, proposed by Software Ontology</a:t>
+            </a:r>
+          </a:p>
+          <a:p>
+            <a:pPr lvl="1">
+              <a:buNone/>
+            </a:pPr>
+            <a:r>
+              <a:rPr lang="en-US" dirty="0" smtClean="0"/>
+              <a:t>    We propose its reverse relation as ‘executes’.</a:t>
+            </a:r>
+            <a:r>
+              <a:rPr lang="en-US" dirty="0" smtClean="0"/>
+              <a:t/>
+            </a:r>
+            <a:br>
+              <a:rPr lang="en-US" dirty="0" smtClean="0"/>
+            </a:br>
             <a:endParaRPr lang="en-US" dirty="0"/>
           </a:p>
         </p:txBody>
@@ -17203,42 +17848,11 @@
           </a:p>
         </p:txBody>
       </p:sp>
-      <p:pic>
-        <p:nvPicPr>
-          <p:cNvPr id="6" name="Picture 5" descr="Blast.jpg"/>
-          <p:cNvPicPr>
-            <a:picLocks noChangeAspect="1"/>
-          </p:cNvPicPr>
-          <p:nvPr/>
-        </p:nvPicPr>
-        <p:blipFill>
-          <a:blip r:embed="rId3"/>
-          <a:stretch>
-            <a:fillRect/>
-          </a:stretch>
-        </p:blipFill>
-        <p:spPr>
-          <a:xfrm>
-            <a:off x="609600" y="2095748"/>
-            <a:ext cx="7550366" cy="3619252"/>
-          </a:xfrm>
-          <a:prstGeom prst="rect">
-            <a:avLst/>
-          </a:prstGeom>
-        </p:spPr>
-      </p:pic>
     </p:spTree>
   </p:cSld>
   <p:clrMapOvr>
     <a:masterClrMapping/>
   </p:clrMapOvr>
-  <p:timing>
-    <p:tnLst>
-      <p:par>
-        <p:cTn id="1" dur="indefinite" restart="never" nodeType="tmRoot"/>
-      </p:par>
-    </p:tnLst>
-  </p:timing>
 </p:sld>
 </file>
 

--- a/trunk/docs/presentations/OBI workshop Oct 2011 Philly/WebService.pptx
+++ b/trunk/docs/presentations/OBI workshop Oct 2011 Philly/WebService.pptx
@@ -14130,7 +14130,7 @@
       </p:sp>
       <p:pic>
         <p:nvPicPr>
-          <p:cNvPr id="3076" name="Picture 4"/>
+          <p:cNvPr id="3077" name="Picture 5" descr="C:\Documents and Settings\Jie\My Documents\My Cmaps\runBlastExecution_20111004.jpg"/>
           <p:cNvPicPr>
             <a:picLocks noChangeAspect="1" noChangeArrowheads="1"/>
           </p:cNvPicPr>
@@ -14145,20 +14145,13 @@
         </p:blipFill>
         <p:spPr bwMode="auto">
           <a:xfrm>
-            <a:off x="998319" y="1524000"/>
-            <a:ext cx="7078881" cy="5181600"/>
+            <a:off x="762000" y="1447428"/>
+            <a:ext cx="7391400" cy="5410572"/>
           </a:xfrm>
           <a:prstGeom prst="rect">
             <a:avLst/>
           </a:prstGeom>
           <a:noFill/>
-          <a:ln w="9525">
-            <a:noFill/>
-            <a:miter lim="800000"/>
-            <a:headEnd/>
-            <a:tailEnd/>
-          </a:ln>
-          <a:effectLst/>
         </p:spPr>
       </p:pic>
     </p:spTree>

--- a/trunk/docs/presentations/OBI workshop Oct 2011 Philly/WebService.pptx
+++ b/trunk/docs/presentations/OBI workshop Oct 2011 Philly/WebService.pptx
@@ -245,11 +245,11 @@
           </c:val>
         </c:ser>
         <c:marker val="1"/>
-        <c:axId val="33441664"/>
-        <c:axId val="33443840"/>
+        <c:axId val="99944320"/>
+        <c:axId val="35828096"/>
       </c:lineChart>
       <c:catAx>
-        <c:axId val="33441664"/>
+        <c:axId val="99944320"/>
         <c:scaling>
           <c:orientation val="minMax"/>
         </c:scaling>
@@ -264,14 +264,14 @@
             <a:prstDash val="solid"/>
           </a:ln>
         </c:spPr>
-        <c:crossAx val="33443840"/>
+        <c:crossAx val="35828096"/>
         <c:crosses val="autoZero"/>
         <c:auto val="1"/>
         <c:lblAlgn val="ctr"/>
         <c:lblOffset val="100"/>
       </c:catAx>
       <c:valAx>
-        <c:axId val="33443840"/>
+        <c:axId val="35828096"/>
         <c:scaling>
           <c:orientation val="minMax"/>
         </c:scaling>
@@ -296,7 +296,7 @@
             <a:prstDash val="solid"/>
           </a:ln>
         </c:spPr>
-        <c:crossAx val="33441664"/>
+        <c:crossAx val="99944320"/>
         <c:crosses val="autoZero"/>
         <c:crossBetween val="between"/>
       </c:valAx>
@@ -315,10 +315,10 @@
         <c:manualLayout>
           <c:xMode val="edge"/>
           <c:yMode val="edge"/>
-          <c:x val="0.66593541558479885"/>
+          <c:x val="0.66593541558479907"/>
           <c:y val="0.56864616575898796"/>
-          <c:w val="0.32506677913291843"/>
-          <c:h val="7.8433953897791536E-2"/>
+          <c:w val="0.32506677913291859"/>
+          <c:h val="7.843395389779155E-2"/>
         </c:manualLayout>
       </c:layout>
       <c:spPr>
@@ -428,7 +428,7 @@
                 <c:formatCode>General</c:formatCode>
                 <c:ptCount val="4"/>
                 <c:pt idx="0">
-                  <c:v>0.33070000000000016</c:v>
+                  <c:v>0.33070000000000022</c:v>
                 </c:pt>
                 <c:pt idx="1">
                   <c:v>0.35770000000000002</c:v>
@@ -437,7 +437,7 @@
                   <c:v>0.11990000000000002</c:v>
                 </c:pt>
                 <c:pt idx="3">
-                  <c:v>0.33070000000000016</c:v>
+                  <c:v>0.33070000000000022</c:v>
                 </c:pt>
               </c:numCache>
             </c:numRef>
@@ -508,7 +508,7 @@
                   <c:v>0.2515</c:v>
                 </c:pt>
                 <c:pt idx="1">
-                  <c:v>0.18000000000000008</c:v>
+                  <c:v>0.1800000000000001</c:v>
                 </c:pt>
                 <c:pt idx="2">
                   <c:v>9.4100000000000045E-2</c:v>
@@ -521,11 +521,11 @@
           </c:val>
         </c:ser>
         <c:marker val="1"/>
-        <c:axId val="33632640"/>
-        <c:axId val="33634560"/>
+        <c:axId val="63848832"/>
+        <c:axId val="63850752"/>
       </c:lineChart>
       <c:catAx>
-        <c:axId val="33632640"/>
+        <c:axId val="63848832"/>
         <c:scaling>
           <c:orientation val="minMax"/>
         </c:scaling>
@@ -540,14 +540,14 @@
             <a:prstDash val="solid"/>
           </a:ln>
         </c:spPr>
-        <c:crossAx val="33634560"/>
+        <c:crossAx val="63850752"/>
         <c:crosses val="autoZero"/>
         <c:auto val="1"/>
         <c:lblAlgn val="ctr"/>
         <c:lblOffset val="100"/>
       </c:catAx>
       <c:valAx>
-        <c:axId val="33634560"/>
+        <c:axId val="63850752"/>
         <c:scaling>
           <c:orientation val="minMax"/>
         </c:scaling>
@@ -572,7 +572,7 @@
             <a:prstDash val="solid"/>
           </a:ln>
         </c:spPr>
-        <c:crossAx val="33632640"/>
+        <c:crossAx val="63848832"/>
         <c:crosses val="autoZero"/>
         <c:crossBetween val="between"/>
       </c:valAx>
@@ -591,9 +591,9 @@
         <c:manualLayout>
           <c:xMode val="edge"/>
           <c:yMode val="edge"/>
-          <c:x val="0.82061401883588103"/>
-          <c:y val="0.46570055581287645"/>
-          <c:w val="0.17381501345625508"/>
+          <c:x val="0.82061401883588114"/>
+          <c:y val="0.4657005558128765"/>
+          <c:w val="0.17381501345625511"/>
           <c:h val="0.15686790779558304"/>
         </c:manualLayout>
       </c:layout>
@@ -715,7 +715,7 @@
             <a:fld id="{7529D5DD-6BA8-4D5D-A14B-F8359733B242}" type="datetimeFigureOut">
               <a:rPr lang="en-US" smtClean="0"/>
               <a:pPr/>
-              <a:t>10/4/2011</a:t>
+              <a:t>10/5/2011</a:t>
             </a:fld>
             <a:endParaRPr lang="en-US"/>
           </a:p>
@@ -2698,7 +2698,7 @@
             <a:fld id="{45100C54-7F41-4D6B-9C82-1B119090B3F1}" type="datetime1">
               <a:rPr lang="en-US" smtClean="0"/>
               <a:pPr/>
-              <a:t>10/4/2011</a:t>
+              <a:t>10/5/2011</a:t>
             </a:fld>
             <a:endParaRPr lang="en-US"/>
           </a:p>
@@ -2897,7 +2897,7 @@
             <a:fld id="{DB592322-E853-4800-AFA6-346956673A1E}" type="datetime1">
               <a:rPr lang="en-US" smtClean="0"/>
               <a:pPr/>
-              <a:t>10/4/2011</a:t>
+              <a:t>10/5/2011</a:t>
             </a:fld>
             <a:endParaRPr lang="en-US"/>
           </a:p>
@@ -3102,7 +3102,7 @@
             <a:fld id="{D99839FB-91BA-424A-A786-539BBBA791AB}" type="datetime1">
               <a:rPr lang="en-US" smtClean="0"/>
               <a:pPr/>
-              <a:t>10/4/2011</a:t>
+              <a:t>10/5/2011</a:t>
             </a:fld>
             <a:endParaRPr lang="en-US"/>
           </a:p>
@@ -4042,7 +4042,7 @@
             <a:fld id="{CED5FBA7-D063-44C9-98F5-A809AFCF82B6}" type="datetime1">
               <a:rPr lang="en-US" smtClean="0"/>
               <a:pPr/>
-              <a:t>10/4/2011</a:t>
+              <a:t>10/5/2011</a:t>
             </a:fld>
             <a:endParaRPr lang="en-US"/>
           </a:p>
@@ -4297,7 +4297,7 @@
             <a:fld id="{1EF6B16D-0F85-4B82-BE37-4375490CF6D7}" type="datetime1">
               <a:rPr lang="en-US" smtClean="0"/>
               <a:pPr/>
-              <a:t>10/4/2011</a:t>
+              <a:t>10/5/2011</a:t>
             </a:fld>
             <a:endParaRPr lang="en-US"/>
           </a:p>
@@ -5120,7 +5120,7 @@
             <a:fld id="{3B8260AA-179E-4904-9260-BD701E7DDCED}" type="datetime1">
               <a:rPr lang="en-US" smtClean="0"/>
               <a:pPr/>
-              <a:t>10/4/2011</a:t>
+              <a:t>10/5/2011</a:t>
             </a:fld>
             <a:endParaRPr lang="en-US"/>
           </a:p>
@@ -5365,7 +5365,7 @@
             <a:fld id="{9461EBDC-2738-4CF1-9EB6-6C6C624FD79D}" type="datetime1">
               <a:rPr lang="en-US" smtClean="0"/>
               <a:pPr/>
-              <a:t>10/4/2011</a:t>
+              <a:t>10/5/2011</a:t>
             </a:fld>
             <a:endParaRPr lang="en-US"/>
           </a:p>
@@ -5711,7 +5711,7 @@
             <a:fld id="{CEB14723-D31B-4FFF-8BF6-DFD5AD4106D8}" type="datetime1">
               <a:rPr lang="en-US" smtClean="0"/>
               <a:pPr/>
-              <a:t>10/4/2011</a:t>
+              <a:t>10/5/2011</a:t>
             </a:fld>
             <a:endParaRPr lang="en-US" dirty="0"/>
           </a:p>
@@ -5810,7 +5810,7 @@
             <a:fld id="{D7BD04E7-DB2C-44E7-8401-7B2EF877F869}" type="datetime1">
               <a:rPr lang="en-US" smtClean="0"/>
               <a:pPr/>
-              <a:t>10/4/2011</a:t>
+              <a:t>10/5/2011</a:t>
             </a:fld>
             <a:endParaRPr lang="en-US"/>
           </a:p>
@@ -6336,7 +6336,7 @@
             <a:fld id="{E2F01EF0-FFD2-40E1-A32F-9B3627208AC4}" type="datetime1">
               <a:rPr lang="en-US" smtClean="0"/>
               <a:pPr/>
-              <a:t>10/4/2011</a:t>
+              <a:t>10/5/2011</a:t>
             </a:fld>
             <a:endParaRPr lang="en-US"/>
           </a:p>
@@ -6856,7 +6856,7 @@
             <a:fld id="{9F223E29-7B2A-4A6E-8B36-121182E850D1}" type="datetime1">
               <a:rPr lang="en-US" smtClean="0"/>
               <a:pPr/>
-              <a:t>10/4/2011</a:t>
+              <a:t>10/5/2011</a:t>
             </a:fld>
             <a:endParaRPr lang="en-US"/>
           </a:p>
@@ -7007,7 +7007,7 @@
             <a:fld id="{B872EAB8-2209-47FA-91CC-26FE4BDD9545}" type="datetime1">
               <a:rPr lang="en-US" smtClean="0"/>
               <a:pPr/>
-              <a:t>10/4/2011</a:t>
+              <a:t>10/5/2011</a:t>
             </a:fld>
             <a:endParaRPr lang="en-US"/>
           </a:p>
@@ -7204,7 +7204,7 @@
             <a:fld id="{86149588-4A1B-466E-9FB2-229BF8175FE7}" type="datetime1">
               <a:rPr lang="en-US" smtClean="0"/>
               <a:pPr/>
-              <a:t>10/4/2011</a:t>
+              <a:t>10/5/2011</a:t>
             </a:fld>
             <a:endParaRPr lang="en-US"/>
           </a:p>
@@ -7388,7 +7388,7 @@
             <a:fld id="{FC141B0C-D275-49C3-9D1B-58FCB6845F5B}" type="datetime1">
               <a:rPr lang="en-US" smtClean="0"/>
               <a:pPr/>
-              <a:t>10/4/2011</a:t>
+              <a:t>10/5/2011</a:t>
             </a:fld>
             <a:endParaRPr lang="en-US"/>
           </a:p>
@@ -7487,7 +7487,7 @@
             <a:fld id="{85DD8449-C5B7-4117-9FE2-2FE3D08E09ED}" type="datetime1">
               <a:rPr lang="en-US" smtClean="0"/>
               <a:pPr/>
-              <a:t>10/4/2011</a:t>
+              <a:t>10/5/2011</a:t>
             </a:fld>
             <a:endParaRPr lang="en-US"/>
           </a:p>
@@ -7659,7 +7659,7 @@
             <a:fld id="{9EB34B4D-D852-47BD-83B8-7C009639CBA3}" type="datetime1">
               <a:rPr lang="en-US" smtClean="0"/>
               <a:pPr/>
-              <a:t>10/4/2011</a:t>
+              <a:t>10/5/2011</a:t>
             </a:fld>
             <a:endParaRPr lang="en-US"/>
           </a:p>
@@ -8138,7 +8138,7 @@
             <a:fld id="{1C28D42E-A5BC-4278-B5EC-5262A60BD963}" type="datetime1">
               <a:rPr lang="en-US" smtClean="0"/>
               <a:pPr/>
-              <a:t>10/4/2011</a:t>
+              <a:t>10/5/2011</a:t>
             </a:fld>
             <a:endParaRPr lang="en-US"/>
           </a:p>
@@ -8747,7 +8747,7 @@
             <a:fld id="{67091ECE-7262-48AC-8C85-D7D9ECDA6C21}" type="datetime1">
               <a:rPr lang="en-US" smtClean="0"/>
               <a:pPr/>
-              <a:t>10/4/2011</a:t>
+              <a:t>10/5/2011</a:t>
             </a:fld>
             <a:endParaRPr lang="en-US"/>
           </a:p>
@@ -9130,7 +9130,7 @@
             <a:fld id="{7BFC9112-EE29-4F8D-AFF9-49DFC76E3425}" type="datetime1">
               <a:rPr lang="en-US" smtClean="0"/>
               <a:pPr/>
-              <a:t>10/4/2011</a:t>
+              <a:t>10/5/2011</a:t>
             </a:fld>
             <a:endParaRPr lang="en-US"/>
           </a:p>
@@ -9552,7 +9552,7 @@
             <a:fld id="{C572EC97-6D8B-4146-AB4C-B95B539EF4A9}" type="datetime1">
               <a:rPr lang="en-US" smtClean="0"/>
               <a:pPr/>
-              <a:t>10/4/2011</a:t>
+              <a:t>10/5/2011</a:t>
             </a:fld>
             <a:endParaRPr lang="en-US"/>
           </a:p>
@@ -10883,7 +10883,7 @@
             <a:fld id="{11E13247-250B-408B-B25F-68FDDD0AC0E6}" type="datetime1">
               <a:rPr lang="en-US" smtClean="0"/>
               <a:pPr/>
-              <a:t>10/4/2011</a:t>
+              <a:t>10/5/2011</a:t>
             </a:fld>
             <a:endParaRPr lang="en-US"/>
           </a:p>
@@ -11975,7 +11975,7 @@
             <a:fld id="{4372B5CF-8BC2-42B1-8441-5C29F094C339}" type="datetime1">
               <a:rPr lang="en-US" smtClean="0"/>
               <a:pPr/>
-              <a:t>10/4/2011</a:t>
+              <a:t>10/5/2011</a:t>
             </a:fld>
             <a:endParaRPr lang="en-US"/>
           </a:p>
@@ -13162,7 +13162,7 @@
             <a:fld id="{850CA24E-6482-40F0-8089-038E94AA59AB}" type="datetime1">
               <a:rPr lang="en-US" smtClean="0"/>
               <a:pPr/>
-              <a:t>10/4/2011</a:t>
+              <a:t>10/5/2011</a:t>
             </a:fld>
             <a:endParaRPr lang="en-US"/>
           </a:p>
@@ -13982,11 +13982,7 @@
           <a:p>
             <a:r>
               <a:rPr lang="en-US" dirty="0" smtClean="0"/>
-              <a:t>Ontology-based Representation of </a:t>
-            </a:r>
-            <a:r>
-              <a:rPr lang="en-US" dirty="0" smtClean="0"/>
-              <a:t>BLAST web service</a:t>
+              <a:t>Ontology-based Representation of BLAST web service</a:t>
             </a:r>
             <a:endParaRPr lang="en-US" dirty="0"/>
           </a:p>
@@ -14154,6 +14150,205 @@
           <a:noFill/>
         </p:spPr>
       </p:pic>
+      <p:sp>
+        <p:nvSpPr>
+          <p:cNvPr id="5" name="Rectangle 4"/>
+          <p:cNvSpPr/>
+          <p:nvPr/>
+        </p:nvSpPr>
+        <p:spPr>
+          <a:xfrm>
+            <a:off x="4343400" y="2057400"/>
+            <a:ext cx="2133600" cy="2590800"/>
+          </a:xfrm>
+          <a:prstGeom prst="rect">
+            <a:avLst/>
+          </a:prstGeom>
+          <a:noFill/>
+          <a:ln>
+            <a:solidFill>
+              <a:srgbClr val="FE7416"/>
+            </a:solidFill>
+          </a:ln>
+        </p:spPr>
+        <p:style>
+          <a:lnRef idx="2">
+            <a:schemeClr val="accent1">
+              <a:shade val="50000"/>
+            </a:schemeClr>
+          </a:lnRef>
+          <a:fillRef idx="1">
+            <a:schemeClr val="accent1"/>
+          </a:fillRef>
+          <a:effectRef idx="0">
+            <a:schemeClr val="accent1"/>
+          </a:effectRef>
+          <a:fontRef idx="minor">
+            <a:schemeClr val="lt1"/>
+          </a:fontRef>
+        </p:style>
+        <p:txBody>
+          <a:bodyPr rtlCol="0" anchor="ctr"/>
+          <a:lstStyle/>
+          <a:p>
+            <a:pPr algn="ctr"/>
+            <a:endParaRPr lang="en-US"/>
+          </a:p>
+        </p:txBody>
+      </p:sp>
+      <p:grpSp>
+        <p:nvGrpSpPr>
+          <p:cNvPr id="8" name="Group 7"/>
+          <p:cNvGrpSpPr/>
+          <p:nvPr/>
+        </p:nvGrpSpPr>
+        <p:grpSpPr>
+          <a:xfrm>
+            <a:off x="1143000" y="5105400"/>
+            <a:ext cx="4648200" cy="1219200"/>
+            <a:chOff x="1143000" y="5105400"/>
+            <a:chExt cx="4648200" cy="1219200"/>
+          </a:xfrm>
+        </p:grpSpPr>
+        <p:sp>
+          <p:nvSpPr>
+            <p:cNvPr id="6" name="Rectangle 5"/>
+            <p:cNvSpPr/>
+            <p:nvPr/>
+          </p:nvSpPr>
+          <p:spPr>
+            <a:xfrm>
+              <a:off x="4191000" y="5105400"/>
+              <a:ext cx="1600200" cy="838200"/>
+            </a:xfrm>
+            <a:prstGeom prst="rect">
+              <a:avLst/>
+            </a:prstGeom>
+            <a:noFill/>
+            <a:ln>
+              <a:solidFill>
+                <a:srgbClr val="00B050"/>
+              </a:solidFill>
+            </a:ln>
+          </p:spPr>
+          <p:style>
+            <a:lnRef idx="2">
+              <a:schemeClr val="accent1">
+                <a:shade val="50000"/>
+              </a:schemeClr>
+            </a:lnRef>
+            <a:fillRef idx="1">
+              <a:schemeClr val="accent1"/>
+            </a:fillRef>
+            <a:effectRef idx="0">
+              <a:schemeClr val="accent1"/>
+            </a:effectRef>
+            <a:fontRef idx="minor">
+              <a:schemeClr val="lt1"/>
+            </a:fontRef>
+          </p:style>
+          <p:txBody>
+            <a:bodyPr rtlCol="0" anchor="ctr"/>
+            <a:lstStyle/>
+            <a:p>
+              <a:pPr algn="ctr"/>
+              <a:endParaRPr lang="en-US"/>
+            </a:p>
+          </p:txBody>
+        </p:sp>
+        <p:sp>
+          <p:nvSpPr>
+            <p:cNvPr id="7" name="Rectangle 6"/>
+            <p:cNvSpPr/>
+            <p:nvPr/>
+          </p:nvSpPr>
+          <p:spPr>
+            <a:xfrm>
+              <a:off x="1143000" y="5791200"/>
+              <a:ext cx="990600" cy="533400"/>
+            </a:xfrm>
+            <a:prstGeom prst="rect">
+              <a:avLst/>
+            </a:prstGeom>
+            <a:noFill/>
+            <a:ln>
+              <a:solidFill>
+                <a:srgbClr val="00B050"/>
+              </a:solidFill>
+            </a:ln>
+          </p:spPr>
+          <p:style>
+            <a:lnRef idx="2">
+              <a:schemeClr val="accent1">
+                <a:shade val="50000"/>
+              </a:schemeClr>
+            </a:lnRef>
+            <a:fillRef idx="1">
+              <a:schemeClr val="accent1"/>
+            </a:fillRef>
+            <a:effectRef idx="0">
+              <a:schemeClr val="accent1"/>
+            </a:effectRef>
+            <a:fontRef idx="minor">
+              <a:schemeClr val="lt1"/>
+            </a:fontRef>
+          </p:style>
+          <p:txBody>
+            <a:bodyPr rtlCol="0" anchor="ctr"/>
+            <a:lstStyle/>
+            <a:p>
+              <a:pPr algn="ctr"/>
+              <a:endParaRPr lang="en-US"/>
+            </a:p>
+          </p:txBody>
+        </p:sp>
+      </p:grpSp>
+      <p:sp>
+        <p:nvSpPr>
+          <p:cNvPr id="9" name="Rectangle 8"/>
+          <p:cNvSpPr/>
+          <p:nvPr/>
+        </p:nvSpPr>
+        <p:spPr>
+          <a:xfrm>
+            <a:off x="6400800" y="5791200"/>
+            <a:ext cx="1447800" cy="533400"/>
+          </a:xfrm>
+          <a:prstGeom prst="rect">
+            <a:avLst/>
+          </a:prstGeom>
+          <a:noFill/>
+          <a:ln>
+            <a:solidFill>
+              <a:srgbClr val="C00000"/>
+            </a:solidFill>
+          </a:ln>
+        </p:spPr>
+        <p:style>
+          <a:lnRef idx="2">
+            <a:schemeClr val="accent1">
+              <a:shade val="50000"/>
+            </a:schemeClr>
+          </a:lnRef>
+          <a:fillRef idx="1">
+            <a:schemeClr val="accent1"/>
+          </a:fillRef>
+          <a:effectRef idx="0">
+            <a:schemeClr val="accent1"/>
+          </a:effectRef>
+          <a:fontRef idx="minor">
+            <a:schemeClr val="lt1"/>
+          </a:fontRef>
+        </p:style>
+        <p:txBody>
+          <a:bodyPr rtlCol="0" anchor="ctr"/>
+          <a:lstStyle/>
+          <a:p>
+            <a:pPr algn="ctr"/>
+            <a:endParaRPr lang="en-US"/>
+          </a:p>
+        </p:txBody>
+      </p:sp>
     </p:spTree>
   </p:cSld>
   <p:clrMapOvr>
@@ -14162,9 +14357,171 @@
   <p:timing>
     <p:tnLst>
       <p:par>
-        <p:cTn id="1" dur="indefinite" restart="never" nodeType="tmRoot"/>
+        <p:cTn id="1" dur="indefinite" restart="never" nodeType="tmRoot">
+          <p:childTnLst>
+            <p:seq concurrent="1" nextAc="seek">
+              <p:cTn id="2" dur="indefinite" nodeType="mainSeq">
+                <p:childTnLst>
+                  <p:par>
+                    <p:cTn id="3" fill="hold">
+                      <p:stCondLst>
+                        <p:cond delay="indefinite"/>
+                      </p:stCondLst>
+                      <p:childTnLst>
+                        <p:par>
+                          <p:cTn id="4" fill="hold">
+                            <p:stCondLst>
+                              <p:cond delay="0"/>
+                            </p:stCondLst>
+                            <p:childTnLst>
+                              <p:par>
+                                <p:cTn id="5" presetID="1" presetClass="entr" presetSubtype="0" fill="hold" grpId="0" nodeType="clickEffect">
+                                  <p:stCondLst>
+                                    <p:cond delay="0"/>
+                                  </p:stCondLst>
+                                  <p:childTnLst>
+                                    <p:set>
+                                      <p:cBhvr>
+                                        <p:cTn id="6" dur="1" fill="hold">
+                                          <p:stCondLst>
+                                            <p:cond delay="0"/>
+                                          </p:stCondLst>
+                                        </p:cTn>
+                                        <p:tgtEl>
+                                          <p:spTgt spid="5"/>
+                                        </p:tgtEl>
+                                        <p:attrNameLst>
+                                          <p:attrName>style.visibility</p:attrName>
+                                        </p:attrNameLst>
+                                      </p:cBhvr>
+                                      <p:to>
+                                        <p:strVal val="visible"/>
+                                      </p:to>
+                                    </p:set>
+                                  </p:childTnLst>
+                                </p:cTn>
+                              </p:par>
+                            </p:childTnLst>
+                          </p:cTn>
+                        </p:par>
+                      </p:childTnLst>
+                    </p:cTn>
+                  </p:par>
+                  <p:par>
+                    <p:cTn id="7" fill="hold">
+                      <p:stCondLst>
+                        <p:cond delay="indefinite"/>
+                      </p:stCondLst>
+                      <p:childTnLst>
+                        <p:par>
+                          <p:cTn id="8" fill="hold">
+                            <p:stCondLst>
+                              <p:cond delay="0"/>
+                            </p:stCondLst>
+                            <p:childTnLst>
+                              <p:par>
+                                <p:cTn id="9" presetID="1" presetClass="entr" presetSubtype="0" fill="hold" nodeType="clickEffect">
+                                  <p:stCondLst>
+                                    <p:cond delay="0"/>
+                                  </p:stCondLst>
+                                  <p:childTnLst>
+                                    <p:set>
+                                      <p:cBhvr>
+                                        <p:cTn id="10" dur="1" fill="hold">
+                                          <p:stCondLst>
+                                            <p:cond delay="0"/>
+                                          </p:stCondLst>
+                                        </p:cTn>
+                                        <p:tgtEl>
+                                          <p:spTgt spid="8"/>
+                                        </p:tgtEl>
+                                        <p:attrNameLst>
+                                          <p:attrName>style.visibility</p:attrName>
+                                        </p:attrNameLst>
+                                      </p:cBhvr>
+                                      <p:to>
+                                        <p:strVal val="visible"/>
+                                      </p:to>
+                                    </p:set>
+                                  </p:childTnLst>
+                                </p:cTn>
+                              </p:par>
+                            </p:childTnLst>
+                          </p:cTn>
+                        </p:par>
+                      </p:childTnLst>
+                    </p:cTn>
+                  </p:par>
+                  <p:par>
+                    <p:cTn id="11" fill="hold">
+                      <p:stCondLst>
+                        <p:cond delay="indefinite"/>
+                      </p:stCondLst>
+                      <p:childTnLst>
+                        <p:par>
+                          <p:cTn id="12" fill="hold">
+                            <p:stCondLst>
+                              <p:cond delay="0"/>
+                            </p:stCondLst>
+                            <p:childTnLst>
+                              <p:par>
+                                <p:cTn id="13" presetID="1" presetClass="entr" presetSubtype="0" fill="hold" grpId="0" nodeType="clickEffect">
+                                  <p:stCondLst>
+                                    <p:cond delay="0"/>
+                                  </p:stCondLst>
+                                  <p:childTnLst>
+                                    <p:set>
+                                      <p:cBhvr>
+                                        <p:cTn id="14" dur="1" fill="hold">
+                                          <p:stCondLst>
+                                            <p:cond delay="0"/>
+                                          </p:stCondLst>
+                                        </p:cTn>
+                                        <p:tgtEl>
+                                          <p:spTgt spid="9"/>
+                                        </p:tgtEl>
+                                        <p:attrNameLst>
+                                          <p:attrName>style.visibility</p:attrName>
+                                        </p:attrNameLst>
+                                      </p:cBhvr>
+                                      <p:to>
+                                        <p:strVal val="visible"/>
+                                      </p:to>
+                                    </p:set>
+                                  </p:childTnLst>
+                                </p:cTn>
+                              </p:par>
+                            </p:childTnLst>
+                          </p:cTn>
+                        </p:par>
+                      </p:childTnLst>
+                    </p:cTn>
+                  </p:par>
+                </p:childTnLst>
+              </p:cTn>
+              <p:prevCondLst>
+                <p:cond evt="onPrev" delay="0">
+                  <p:tgtEl>
+                    <p:sldTgt/>
+                  </p:tgtEl>
+                </p:cond>
+              </p:prevCondLst>
+              <p:nextCondLst>
+                <p:cond evt="onNext" delay="0">
+                  <p:tgtEl>
+                    <p:sldTgt/>
+                  </p:tgtEl>
+                </p:cond>
+              </p:nextCondLst>
+            </p:seq>
+          </p:childTnLst>
+        </p:cTn>
       </p:par>
     </p:tnLst>
+    <p:bldLst>
+      <p:bldP spid="5" grpId="0" animBg="1"/>
+      <p:bldP spid="9" grpId="0" animBg="1"/>
+    </p:bldLst>
   </p:timing>
 </p:sld>
 </file>
@@ -14203,11 +14560,7 @@
           <a:p>
             <a:r>
               <a:rPr lang="en-US" dirty="0" smtClean="0"/>
-              <a:t>Ontology-based Representation of </a:t>
-            </a:r>
-            <a:r>
-              <a:rPr lang="en-US" dirty="0" smtClean="0"/>
-              <a:t>‘BLAST analysis’</a:t>
+              <a:t>Ontology-based Representation of ‘BLAST analysis’</a:t>
             </a:r>
             <a:endParaRPr lang="en-US" dirty="0"/>
           </a:p>
@@ -17585,7 +17938,7 @@
       </p:sp>
       <p:pic>
         <p:nvPicPr>
-          <p:cNvPr id="1026" name="Picture 2"/>
+          <p:cNvPr id="5" name="Picture 2"/>
           <p:cNvPicPr>
             <a:picLocks noChangeAspect="1" noChangeArrowheads="1"/>
           </p:cNvPicPr>
@@ -17600,8 +17953,8 @@
         </p:blipFill>
         <p:spPr bwMode="auto">
           <a:xfrm>
-            <a:off x="243400" y="1676400"/>
-            <a:ext cx="8367200" cy="4495800"/>
+            <a:off x="319599" y="1600200"/>
+            <a:ext cx="8367201" cy="4495800"/>
           </a:xfrm>
           <a:prstGeom prst="rect">
             <a:avLst/>
@@ -17621,6 +17974,13 @@
   <p:clrMapOvr>
     <a:masterClrMapping/>
   </p:clrMapOvr>
+  <p:timing>
+    <p:tnLst>
+      <p:par>
+        <p:cTn id="1" dur="indefinite" restart="never" nodeType="tmRoot"/>
+      </p:par>
+    </p:tnLst>
+  </p:timing>
 </p:sld>
 </file>
 
@@ -17692,27 +18052,7 @@
             </a:r>
             <a:r>
               <a:rPr lang="en-US" dirty="0" smtClean="0"/>
-              <a:t>: a plan specification that contains a set of </a:t>
-            </a:r>
-            <a:r>
-              <a:rPr lang="en-US" dirty="0" smtClean="0"/>
-              <a:t>instructions, </a:t>
-            </a:r>
-            <a:r>
-              <a:rPr lang="en-US" dirty="0" smtClean="0"/>
-              <a:t>independent of implementation </a:t>
-            </a:r>
-            <a:r>
-              <a:rPr lang="en-US" dirty="0" smtClean="0"/>
-              <a:t>and </a:t>
-            </a:r>
-            <a:r>
-              <a:rPr lang="en-US" dirty="0" smtClean="0"/>
-              <a:t>programming </a:t>
-            </a:r>
-            <a:r>
-              <a:rPr lang="en-US" dirty="0" smtClean="0"/>
-              <a:t>languages.</a:t>
+              <a:t>: a plan specification that contains a set of instructions, independent of implementation and programming languages.</a:t>
             </a:r>
           </a:p>
           <a:p>
@@ -17735,23 +18075,7 @@
             </a:pPr>
             <a:r>
               <a:rPr lang="en-US" dirty="0" smtClean="0"/>
-              <a:t>	We </a:t>
-            </a:r>
-            <a:r>
-              <a:rPr lang="en-US" dirty="0" smtClean="0"/>
-              <a:t>propose its reverse relation as ‘</a:t>
-            </a:r>
-            <a:r>
-              <a:rPr lang="en-US" dirty="0" smtClean="0"/>
-              <a:t>encodes</a:t>
-            </a:r>
-            <a:r>
-              <a:rPr lang="en-US" dirty="0" smtClean="0"/>
-              <a:t>’.</a:t>
-            </a:r>
-            <a:r>
-              <a:rPr lang="en-US" dirty="0" smtClean="0"/>
-              <a:t> </a:t>
+              <a:t>	We propose its reverse relation as ‘encodes’. </a:t>
             </a:r>
           </a:p>
           <a:p>
@@ -17761,23 +18085,7 @@
             </a:r>
             <a:r>
               <a:rPr lang="en-US" dirty="0" smtClean="0"/>
-              <a:t>: a </a:t>
-            </a:r>
-            <a:r>
-              <a:rPr lang="en-US" dirty="0" smtClean="0"/>
-              <a:t>plan specification that </a:t>
-            </a:r>
-            <a:r>
-              <a:rPr lang="en-US" dirty="0" smtClean="0"/>
-              <a:t>implements (encodes) </a:t>
-            </a:r>
-            <a:r>
-              <a:rPr lang="en-US" dirty="0" smtClean="0"/>
-              <a:t>one or more algorithms in one or more programming languages</a:t>
-            </a:r>
-            <a:r>
-              <a:rPr lang="en-US" dirty="0" smtClean="0"/>
-              <a:t>.</a:t>
+              <a:t>: a plan specification that implements (encodes) one or more algorithms in one or more programming languages.</a:t>
             </a:r>
           </a:p>
           <a:p>
@@ -17789,7 +18097,6 @@
               <a:rPr lang="en-US" dirty="0" smtClean="0"/>
               <a:t>: a planned process that executes software. </a:t>
             </a:r>
-            <a:endParaRPr lang="en-US" dirty="0" smtClean="0"/>
           </a:p>
           <a:p>
             <a:pPr lvl="1"/>
@@ -17805,10 +18112,6 @@
             <a:r>
               <a:rPr lang="en-US" dirty="0" smtClean="0"/>
               <a:t>    We propose its reverse relation as ‘executes’.</a:t>
-            </a:r>
-            <a:r>
-              <a:rPr lang="en-US" dirty="0" smtClean="0"/>
-              <a:t/>
             </a:r>
             <a:br>
               <a:rPr lang="en-US" dirty="0" smtClean="0"/>

--- a/trunk/docs/presentations/OBI workshop Oct 2011 Philly/WebService.pptx
+++ b/trunk/docs/presentations/OBI workshop Oct 2011 Philly/WebService.pptx
@@ -1,6 +1,6 @@
 
 <file path=ppt/presentation.xml><?xml version="1.0" encoding="utf-8"?>
-<p:presentation xmlns:a="http://schemas.openxmlformats.org/drawingml/2006/main" xmlns:r="http://schemas.openxmlformats.org/officeDocument/2006/relationships" xmlns:p="http://schemas.openxmlformats.org/presentationml/2006/main" showSpecialPlsOnTitleSld="0" saveSubsetFonts="1">
+<p:presentation xmlns:a="http://schemas.openxmlformats.org/drawingml/2006/main" xmlns:r="http://schemas.openxmlformats.org/officeDocument/2006/relationships" xmlns:mc="http://schemas.openxmlformats.org/markup-compatibility/2006" xmlns:mv="urn:schemas-microsoft-com:mac:vml" xmlns:p="http://schemas.openxmlformats.org/presentationml/2006/main" mc:Ignorable="mv" mc:PreserveAttributes="mv:*" showSpecialPlsOnTitleSld="0" saveSubsetFonts="1">
   <p:sldMasterIdLst>
     <p:sldMasterId id="2147483709" r:id="rId1"/>
     <p:sldMasterId id="2147483948" r:id="rId2"/>
@@ -134,6 +134,7 @@
 <c:chartSpace xmlns:c="http://schemas.openxmlformats.org/drawingml/2006/chart" xmlns:a="http://schemas.openxmlformats.org/drawingml/2006/main" xmlns:r="http://schemas.openxmlformats.org/officeDocument/2006/relationships">
   <c:date1904 val="1"/>
   <c:lang val="en-US"/>
+  <c:style val="2"/>
   <c:clrMapOvr bg1="lt1" tx1="dk1" bg2="lt2" tx2="dk2" accent1="accent1" accent2="accent2" accent3="accent3" accent4="accent4" accent5="accent5" accent6="accent6" hlink="hlink" folHlink="folHlink"/>
   <c:chart>
     <c:title>
@@ -220,36 +221,36 @@
                 <c:formatCode>General</c:formatCode>
                 <c:ptCount val="7"/>
                 <c:pt idx="0">
-                  <c:v>61</c:v>
+                  <c:v>61.0</c:v>
                 </c:pt>
                 <c:pt idx="1">
-                  <c:v>25</c:v>
+                  <c:v>25.0</c:v>
                 </c:pt>
                 <c:pt idx="2">
-                  <c:v>1</c:v>
+                  <c:v>1.0</c:v>
                 </c:pt>
                 <c:pt idx="3">
-                  <c:v>10</c:v>
+                  <c:v>10.0</c:v>
                 </c:pt>
                 <c:pt idx="4">
-                  <c:v>7</c:v>
+                  <c:v>7.0</c:v>
                 </c:pt>
                 <c:pt idx="5">
-                  <c:v>5</c:v>
+                  <c:v>5.0</c:v>
                 </c:pt>
                 <c:pt idx="6">
-                  <c:v>3</c:v>
+                  <c:v>3.0</c:v>
                 </c:pt>
               </c:numCache>
             </c:numRef>
           </c:val>
         </c:ser>
         <c:marker val="1"/>
-        <c:axId val="99944320"/>
-        <c:axId val="35828096"/>
+        <c:axId val="70087144"/>
+        <c:axId val="70093224"/>
       </c:lineChart>
       <c:catAx>
-        <c:axId val="99944320"/>
+        <c:axId val="70087144"/>
         <c:scaling>
           <c:orientation val="minMax"/>
         </c:scaling>
@@ -264,14 +265,14 @@
             <a:prstDash val="solid"/>
           </a:ln>
         </c:spPr>
-        <c:crossAx val="35828096"/>
+        <c:crossAx val="70093224"/>
         <c:crosses val="autoZero"/>
         <c:auto val="1"/>
         <c:lblAlgn val="ctr"/>
         <c:lblOffset val="100"/>
       </c:catAx>
       <c:valAx>
-        <c:axId val="35828096"/>
+        <c:axId val="70093224"/>
         <c:scaling>
           <c:orientation val="minMax"/>
         </c:scaling>
@@ -296,7 +297,7 @@
             <a:prstDash val="solid"/>
           </a:ln>
         </c:spPr>
-        <c:crossAx val="99944320"/>
+        <c:crossAx val="70087144"/>
         <c:crosses val="autoZero"/>
         <c:crossBetween val="between"/>
       </c:valAx>
@@ -315,10 +316,10 @@
         <c:manualLayout>
           <c:xMode val="edge"/>
           <c:yMode val="edge"/>
-          <c:x val="0.66593541558479907"/>
-          <c:y val="0.56864616575898796"/>
-          <c:w val="0.32506677913291859"/>
-          <c:h val="7.843395389779155E-2"/>
+          <c:x val="0.665935415584799"/>
+          <c:y val="0.568646165758988"/>
+          <c:w val="0.325066779132919"/>
+          <c:h val="0.0784339538977916"/>
         </c:manualLayout>
       </c:layout>
       <c:spPr>
@@ -360,6 +361,7 @@
 <c:chartSpace xmlns:c="http://schemas.openxmlformats.org/drawingml/2006/chart" xmlns:a="http://schemas.openxmlformats.org/drawingml/2006/main" xmlns:r="http://schemas.openxmlformats.org/officeDocument/2006/relationships">
   <c:date1904 val="1"/>
   <c:lang val="en-US"/>
+  <c:style val="2"/>
   <c:clrMapOvr bg1="lt1" tx1="dk1" bg2="lt2" tx2="dk2" accent1="accent1" accent2="accent2" accent3="accent3" accent4="accent4" accent5="accent5" accent6="accent6" hlink="hlink" folHlink="folHlink"/>
   <c:chart>
     <c:plotArea>
@@ -428,16 +430,16 @@
                 <c:formatCode>General</c:formatCode>
                 <c:ptCount val="4"/>
                 <c:pt idx="0">
-                  <c:v>0.33070000000000022</c:v>
+                  <c:v>0.3307</c:v>
                 </c:pt>
                 <c:pt idx="1">
-                  <c:v>0.35770000000000002</c:v>
+                  <c:v>0.3577</c:v>
                 </c:pt>
                 <c:pt idx="2">
-                  <c:v>0.11990000000000002</c:v>
+                  <c:v>0.1199</c:v>
                 </c:pt>
                 <c:pt idx="3">
-                  <c:v>0.33070000000000022</c:v>
+                  <c:v>0.3307</c:v>
                 </c:pt>
               </c:numCache>
             </c:numRef>
@@ -508,10 +510,10 @@
                   <c:v>0.2515</c:v>
                 </c:pt>
                 <c:pt idx="1">
-                  <c:v>0.1800000000000001</c:v>
+                  <c:v>0.18</c:v>
                 </c:pt>
                 <c:pt idx="2">
-                  <c:v>9.4100000000000045E-2</c:v>
+                  <c:v>0.0941</c:v>
                 </c:pt>
                 <c:pt idx="3">
                   <c:v>0.2515</c:v>
@@ -521,11 +523,11 @@
           </c:val>
         </c:ser>
         <c:marker val="1"/>
-        <c:axId val="63848832"/>
-        <c:axId val="63850752"/>
+        <c:axId val="70216952"/>
+        <c:axId val="70222200"/>
       </c:lineChart>
       <c:catAx>
-        <c:axId val="63848832"/>
+        <c:axId val="70216952"/>
         <c:scaling>
           <c:orientation val="minMax"/>
         </c:scaling>
@@ -540,14 +542,14 @@
             <a:prstDash val="solid"/>
           </a:ln>
         </c:spPr>
-        <c:crossAx val="63850752"/>
+        <c:crossAx val="70222200"/>
         <c:crosses val="autoZero"/>
         <c:auto val="1"/>
         <c:lblAlgn val="ctr"/>
         <c:lblOffset val="100"/>
       </c:catAx>
       <c:valAx>
-        <c:axId val="63850752"/>
+        <c:axId val="70222200"/>
         <c:scaling>
           <c:orientation val="minMax"/>
         </c:scaling>
@@ -572,7 +574,7 @@
             <a:prstDash val="solid"/>
           </a:ln>
         </c:spPr>
-        <c:crossAx val="63848832"/>
+        <c:crossAx val="70216952"/>
         <c:crosses val="autoZero"/>
         <c:crossBetween val="between"/>
       </c:valAx>
@@ -591,10 +593,10 @@
         <c:manualLayout>
           <c:xMode val="edge"/>
           <c:yMode val="edge"/>
-          <c:x val="0.82061401883588114"/>
-          <c:y val="0.4657005558128765"/>
-          <c:w val="0.17381501345625511"/>
-          <c:h val="0.15686790779558304"/>
+          <c:x val="0.820614018835881"/>
+          <c:y val="0.465700555812877"/>
+          <c:w val="0.173815013456255"/>
+          <c:h val="0.156867907795583"/>
         </c:manualLayout>
       </c:layout>
       <c:spPr>
@@ -633,7 +635,7 @@
 </file>
 
 <file path=ppt/notesMasters/notesMaster1.xml><?xml version="1.0" encoding="utf-8"?>
-<p:notesMaster xmlns:a="http://schemas.openxmlformats.org/drawingml/2006/main" xmlns:r="http://schemas.openxmlformats.org/officeDocument/2006/relationships" xmlns:p="http://schemas.openxmlformats.org/presentationml/2006/main">
+<p:notesMaster xmlns:a="http://schemas.openxmlformats.org/drawingml/2006/main" xmlns:r="http://schemas.openxmlformats.org/officeDocument/2006/relationships" xmlns:mc="http://schemas.openxmlformats.org/markup-compatibility/2006" xmlns:mv="urn:schemas-microsoft-com:mac:vml" xmlns:p="http://schemas.openxmlformats.org/presentationml/2006/main" mc:Ignorable="mv" mc:PreserveAttributes="mv:*">
   <p:cSld>
     <p:bg>
       <p:bgRef idx="1001">
@@ -715,7 +717,7 @@
             <a:fld id="{7529D5DD-6BA8-4D5D-A14B-F8359733B242}" type="datetimeFigureOut">
               <a:rPr lang="en-US" smtClean="0"/>
               <a:pPr/>
-              <a:t>10/5/2011</a:t>
+              <a:t>10/7/11</a:t>
             </a:fld>
             <a:endParaRPr lang="en-US"/>
           </a:p>
@@ -982,7 +984,7 @@
 </file>
 
 <file path=ppt/notesSlides/notesSlide1.xml><?xml version="1.0" encoding="utf-8"?>
-<p:notes xmlns:a="http://schemas.openxmlformats.org/drawingml/2006/main" xmlns:r="http://schemas.openxmlformats.org/officeDocument/2006/relationships" xmlns:p="http://schemas.openxmlformats.org/presentationml/2006/main">
+<p:notes xmlns:a="http://schemas.openxmlformats.org/drawingml/2006/main" xmlns:r="http://schemas.openxmlformats.org/officeDocument/2006/relationships" xmlns:mc="http://schemas.openxmlformats.org/markup-compatibility/2006" xmlns:mv="urn:schemas-microsoft-com:mac:vml" xmlns:p="http://schemas.openxmlformats.org/presentationml/2006/main" mc:Ignorable="mv" mc:PreserveAttributes="mv:*">
   <p:cSld>
     <p:spTree>
       <p:nvGrpSpPr>
@@ -1072,7 +1074,7 @@
 </file>
 
 <file path=ppt/notesSlides/notesSlide2.xml><?xml version="1.0" encoding="utf-8"?>
-<p:notes xmlns:a="http://schemas.openxmlformats.org/drawingml/2006/main" xmlns:r="http://schemas.openxmlformats.org/officeDocument/2006/relationships" xmlns:p="http://schemas.openxmlformats.org/presentationml/2006/main">
+<p:notes xmlns:a="http://schemas.openxmlformats.org/drawingml/2006/main" xmlns:r="http://schemas.openxmlformats.org/officeDocument/2006/relationships" xmlns:mc="http://schemas.openxmlformats.org/markup-compatibility/2006" xmlns:mv="urn:schemas-microsoft-com:mac:vml" xmlns:p="http://schemas.openxmlformats.org/presentationml/2006/main" mc:Ignorable="mv" mc:PreserveAttributes="mv:*">
   <p:cSld>
     <p:spTree>
       <p:nvGrpSpPr>
@@ -1235,7 +1237,7 @@
 </file>
 
 <file path=ppt/notesSlides/notesSlide3.xml><?xml version="1.0" encoding="utf-8"?>
-<p:notes xmlns:a="http://schemas.openxmlformats.org/drawingml/2006/main" xmlns:r="http://schemas.openxmlformats.org/officeDocument/2006/relationships" xmlns:p="http://schemas.openxmlformats.org/presentationml/2006/main">
+<p:notes xmlns:a="http://schemas.openxmlformats.org/drawingml/2006/main" xmlns:r="http://schemas.openxmlformats.org/officeDocument/2006/relationships" xmlns:mc="http://schemas.openxmlformats.org/markup-compatibility/2006" xmlns:mv="urn:schemas-microsoft-com:mac:vml" xmlns:p="http://schemas.openxmlformats.org/presentationml/2006/main" mc:Ignorable="mv" mc:PreserveAttributes="mv:*">
   <p:cSld>
     <p:spTree>
       <p:nvGrpSpPr>
@@ -1325,7 +1327,7 @@
 </file>
 
 <file path=ppt/notesSlides/notesSlide4.xml><?xml version="1.0" encoding="utf-8"?>
-<p:notes xmlns:a="http://schemas.openxmlformats.org/drawingml/2006/main" xmlns:r="http://schemas.openxmlformats.org/officeDocument/2006/relationships" xmlns:p="http://schemas.openxmlformats.org/presentationml/2006/main">
+<p:notes xmlns:a="http://schemas.openxmlformats.org/drawingml/2006/main" xmlns:r="http://schemas.openxmlformats.org/officeDocument/2006/relationships" xmlns:mc="http://schemas.openxmlformats.org/markup-compatibility/2006" xmlns:mv="urn:schemas-microsoft-com:mac:vml" xmlns:p="http://schemas.openxmlformats.org/presentationml/2006/main" mc:Ignorable="mv" mc:PreserveAttributes="mv:*">
   <p:cSld>
     <p:spTree>
       <p:nvGrpSpPr>
@@ -1415,7 +1417,7 @@
 </file>
 
 <file path=ppt/notesSlides/notesSlide5.xml><?xml version="1.0" encoding="utf-8"?>
-<p:notes xmlns:a="http://schemas.openxmlformats.org/drawingml/2006/main" xmlns:r="http://schemas.openxmlformats.org/officeDocument/2006/relationships" xmlns:p="http://schemas.openxmlformats.org/presentationml/2006/main">
+<p:notes xmlns:a="http://schemas.openxmlformats.org/drawingml/2006/main" xmlns:r="http://schemas.openxmlformats.org/officeDocument/2006/relationships" xmlns:mc="http://schemas.openxmlformats.org/markup-compatibility/2006" xmlns:mv="urn:schemas-microsoft-com:mac:vml" xmlns:p="http://schemas.openxmlformats.org/presentationml/2006/main" mc:Ignorable="mv" mc:PreserveAttributes="mv:*">
   <p:cSld>
     <p:spTree>
       <p:nvGrpSpPr>
@@ -1709,7 +1711,7 @@
 </file>
 
 <file path=ppt/notesSlides/notesSlide6.xml><?xml version="1.0" encoding="utf-8"?>
-<p:notes xmlns:a="http://schemas.openxmlformats.org/drawingml/2006/main" xmlns:r="http://schemas.openxmlformats.org/officeDocument/2006/relationships" xmlns:p="http://schemas.openxmlformats.org/presentationml/2006/main">
+<p:notes xmlns:a="http://schemas.openxmlformats.org/drawingml/2006/main" xmlns:r="http://schemas.openxmlformats.org/officeDocument/2006/relationships" xmlns:mc="http://schemas.openxmlformats.org/markup-compatibility/2006" xmlns:mv="urn:schemas-microsoft-com:mac:vml" xmlns:p="http://schemas.openxmlformats.org/presentationml/2006/main" mc:Ignorable="mv" mc:PreserveAttributes="mv:*">
   <p:cSld>
     <p:spTree>
       <p:nvGrpSpPr>
@@ -1799,7 +1801,7 @@
 </file>
 
 <file path=ppt/notesSlides/notesSlide7.xml><?xml version="1.0" encoding="utf-8"?>
-<p:notes xmlns:a="http://schemas.openxmlformats.org/drawingml/2006/main" xmlns:r="http://schemas.openxmlformats.org/officeDocument/2006/relationships" xmlns:p="http://schemas.openxmlformats.org/presentationml/2006/main">
+<p:notes xmlns:a="http://schemas.openxmlformats.org/drawingml/2006/main" xmlns:r="http://schemas.openxmlformats.org/officeDocument/2006/relationships" xmlns:mc="http://schemas.openxmlformats.org/markup-compatibility/2006" xmlns:mv="urn:schemas-microsoft-com:mac:vml" xmlns:p="http://schemas.openxmlformats.org/presentationml/2006/main" mc:Ignorable="mv" mc:PreserveAttributes="mv:*">
   <p:cSld>
     <p:spTree>
       <p:nvGrpSpPr>
@@ -1889,7 +1891,7 @@
 </file>
 
 <file path=ppt/slideLayouts/slideLayout1.xml><?xml version="1.0" encoding="utf-8"?>
-<p:sldLayout xmlns:a="http://schemas.openxmlformats.org/drawingml/2006/main" xmlns:r="http://schemas.openxmlformats.org/officeDocument/2006/relationships" xmlns:p="http://schemas.openxmlformats.org/presentationml/2006/main" showMasterSp="0" preserve="1">
+<p:sldLayout xmlns:a="http://schemas.openxmlformats.org/drawingml/2006/main" xmlns:r="http://schemas.openxmlformats.org/officeDocument/2006/relationships" xmlns:mc="http://schemas.openxmlformats.org/markup-compatibility/2006" xmlns:mv="urn:schemas-microsoft-com:mac:vml" xmlns:p="http://schemas.openxmlformats.org/presentationml/2006/main" mc:Ignorable="mv" mc:PreserveAttributes="mv:*" showMasterSp="0" preserve="1">
   <p:cSld name="Title Slide">
     <p:spTree>
       <p:nvGrpSpPr>
@@ -2698,7 +2700,7 @@
             <a:fld id="{45100C54-7F41-4D6B-9C82-1B119090B3F1}" type="datetime1">
               <a:rPr lang="en-US" smtClean="0"/>
               <a:pPr/>
-              <a:t>10/5/2011</a:t>
+              <a:t>10/7/11</a:t>
             </a:fld>
             <a:endParaRPr lang="en-US"/>
           </a:p>
@@ -2840,7 +2842,7 @@
 </file>
 
 <file path=ppt/slideLayouts/slideLayout10.xml><?xml version="1.0" encoding="utf-8"?>
-<p:sldLayout xmlns:a="http://schemas.openxmlformats.org/drawingml/2006/main" xmlns:r="http://schemas.openxmlformats.org/officeDocument/2006/relationships" xmlns:p="http://schemas.openxmlformats.org/presentationml/2006/main" type="titleOnly">
+<p:sldLayout xmlns:a="http://schemas.openxmlformats.org/drawingml/2006/main" xmlns:r="http://schemas.openxmlformats.org/officeDocument/2006/relationships" xmlns:mc="http://schemas.openxmlformats.org/markup-compatibility/2006" xmlns:mv="urn:schemas-microsoft-com:mac:vml" xmlns:p="http://schemas.openxmlformats.org/presentationml/2006/main" mc:Ignorable="mv" mc:PreserveAttributes="mv:*" type="titleOnly">
   <p:cSld name="Title Only">
     <p:spTree>
       <p:nvGrpSpPr>
@@ -2897,7 +2899,7 @@
             <a:fld id="{DB592322-E853-4800-AFA6-346956673A1E}" type="datetime1">
               <a:rPr lang="en-US" smtClean="0"/>
               <a:pPr/>
-              <a:t>10/5/2011</a:t>
+              <a:t>10/7/11</a:t>
             </a:fld>
             <a:endParaRPr lang="en-US"/>
           </a:p>
@@ -2962,7 +2964,7 @@
 </file>
 
 <file path=ppt/slideLayouts/slideLayout11.xml><?xml version="1.0" encoding="utf-8"?>
-<p:sldLayout xmlns:a="http://schemas.openxmlformats.org/drawingml/2006/main" xmlns:r="http://schemas.openxmlformats.org/officeDocument/2006/relationships" xmlns:p="http://schemas.openxmlformats.org/presentationml/2006/main" showMasterSp="0" type="title" preserve="1">
+<p:sldLayout xmlns:a="http://schemas.openxmlformats.org/drawingml/2006/main" xmlns:r="http://schemas.openxmlformats.org/officeDocument/2006/relationships" xmlns:mc="http://schemas.openxmlformats.org/markup-compatibility/2006" xmlns:mv="urn:schemas-microsoft-com:mac:vml" xmlns:p="http://schemas.openxmlformats.org/presentationml/2006/main" mc:Ignorable="mv" mc:PreserveAttributes="mv:*" showMasterSp="0" type="title" preserve="1">
   <p:cSld name="Title Slide">
     <p:bg>
       <p:bgRef idx="1001">
@@ -3102,7 +3104,7 @@
             <a:fld id="{D99839FB-91BA-424A-A786-539BBBA791AB}" type="datetime1">
               <a:rPr lang="en-US" smtClean="0"/>
               <a:pPr/>
-              <a:t>10/5/2011</a:t>
+              <a:t>10/7/11</a:t>
             </a:fld>
             <a:endParaRPr lang="en-US"/>
           </a:p>
@@ -3914,7 +3916,7 @@
 </file>
 
 <file path=ppt/slideLayouts/slideLayout12.xml><?xml version="1.0" encoding="utf-8"?>
-<p:sldLayout xmlns:a="http://schemas.openxmlformats.org/drawingml/2006/main" xmlns:r="http://schemas.openxmlformats.org/officeDocument/2006/relationships" xmlns:p="http://schemas.openxmlformats.org/presentationml/2006/main" type="obj" preserve="1">
+<p:sldLayout xmlns:a="http://schemas.openxmlformats.org/drawingml/2006/main" xmlns:r="http://schemas.openxmlformats.org/officeDocument/2006/relationships" xmlns:mc="http://schemas.openxmlformats.org/markup-compatibility/2006" xmlns:mv="urn:schemas-microsoft-com:mac:vml" xmlns:p="http://schemas.openxmlformats.org/presentationml/2006/main" mc:Ignorable="mv" mc:PreserveAttributes="mv:*" type="obj" preserve="1">
   <p:cSld name="Title and Content">
     <p:spTree>
       <p:nvGrpSpPr>
@@ -4042,7 +4044,7 @@
             <a:fld id="{CED5FBA7-D063-44C9-98F5-A809AFCF82B6}" type="datetime1">
               <a:rPr lang="en-US" smtClean="0"/>
               <a:pPr/>
-              <a:t>10/5/2011</a:t>
+              <a:t>10/7/11</a:t>
             </a:fld>
             <a:endParaRPr lang="en-US"/>
           </a:p>
@@ -4143,7 +4145,7 @@
 </file>
 
 <file path=ppt/slideLayouts/slideLayout13.xml><?xml version="1.0" encoding="utf-8"?>
-<p:sldLayout xmlns:a="http://schemas.openxmlformats.org/drawingml/2006/main" xmlns:r="http://schemas.openxmlformats.org/officeDocument/2006/relationships" xmlns:p="http://schemas.openxmlformats.org/presentationml/2006/main" showMasterSp="0" type="secHead" preserve="1">
+<p:sldLayout xmlns:a="http://schemas.openxmlformats.org/drawingml/2006/main" xmlns:r="http://schemas.openxmlformats.org/officeDocument/2006/relationships" xmlns:mc="http://schemas.openxmlformats.org/markup-compatibility/2006" xmlns:mv="urn:schemas-microsoft-com:mac:vml" xmlns:p="http://schemas.openxmlformats.org/presentationml/2006/main" mc:Ignorable="mv" mc:PreserveAttributes="mv:*" showMasterSp="0" type="secHead" preserve="1">
   <p:cSld name="Section Header">
     <p:bg>
       <p:bgRef idx="1001">
@@ -4297,7 +4299,7 @@
             <a:fld id="{1EF6B16D-0F85-4B82-BE37-4375490CF6D7}" type="datetime1">
               <a:rPr lang="en-US" smtClean="0"/>
               <a:pPr/>
-              <a:t>10/5/2011</a:t>
+              <a:t>10/7/11</a:t>
             </a:fld>
             <a:endParaRPr lang="en-US"/>
           </a:p>
@@ -5063,7 +5065,7 @@
 </file>
 
 <file path=ppt/slideLayouts/slideLayout14.xml><?xml version="1.0" encoding="utf-8"?>
-<p:sldLayout xmlns:a="http://schemas.openxmlformats.org/drawingml/2006/main" xmlns:r="http://schemas.openxmlformats.org/officeDocument/2006/relationships" xmlns:p="http://schemas.openxmlformats.org/presentationml/2006/main" type="twoObj" preserve="1">
+<p:sldLayout xmlns:a="http://schemas.openxmlformats.org/drawingml/2006/main" xmlns:r="http://schemas.openxmlformats.org/officeDocument/2006/relationships" xmlns:mc="http://schemas.openxmlformats.org/markup-compatibility/2006" xmlns:mv="urn:schemas-microsoft-com:mac:vml" xmlns:p="http://schemas.openxmlformats.org/presentationml/2006/main" mc:Ignorable="mv" mc:PreserveAttributes="mv:*" type="twoObj" preserve="1">
   <p:cSld name="Two Content">
     <p:spTree>
       <p:nvGrpSpPr>
@@ -5120,7 +5122,7 @@
             <a:fld id="{3B8260AA-179E-4904-9260-BD701E7DDCED}" type="datetime1">
               <a:rPr lang="en-US" smtClean="0"/>
               <a:pPr/>
-              <a:t>10/5/2011</a:t>
+              <a:t>10/7/11</a:t>
             </a:fld>
             <a:endParaRPr lang="en-US"/>
           </a:p>
@@ -5299,7 +5301,7 @@
 </file>
 
 <file path=ppt/slideLayouts/slideLayout15.xml><?xml version="1.0" encoding="utf-8"?>
-<p:sldLayout xmlns:a="http://schemas.openxmlformats.org/drawingml/2006/main" xmlns:r="http://schemas.openxmlformats.org/officeDocument/2006/relationships" xmlns:p="http://schemas.openxmlformats.org/presentationml/2006/main" type="twoTxTwoObj" preserve="1">
+<p:sldLayout xmlns:a="http://schemas.openxmlformats.org/drawingml/2006/main" xmlns:r="http://schemas.openxmlformats.org/officeDocument/2006/relationships" xmlns:mc="http://schemas.openxmlformats.org/markup-compatibility/2006" xmlns:mv="urn:schemas-microsoft-com:mac:vml" xmlns:p="http://schemas.openxmlformats.org/presentationml/2006/main" mc:Ignorable="mv" mc:PreserveAttributes="mv:*" type="twoTxTwoObj" preserve="1">
   <p:cSld name="Comparison">
     <p:spTree>
       <p:nvGrpSpPr>
@@ -5365,7 +5367,7 @@
             <a:fld id="{9461EBDC-2738-4CF1-9EB6-6C6C624FD79D}" type="datetime1">
               <a:rPr lang="en-US" smtClean="0"/>
               <a:pPr/>
-              <a:t>10/5/2011</a:t>
+              <a:t>10/7/11</a:t>
             </a:fld>
             <a:endParaRPr lang="en-US"/>
           </a:p>
@@ -5640,7 +5642,7 @@
 </file>
 
 <file path=ppt/slideLayouts/slideLayout16.xml><?xml version="1.0" encoding="utf-8"?>
-<p:sldLayout xmlns:a="http://schemas.openxmlformats.org/drawingml/2006/main" xmlns:r="http://schemas.openxmlformats.org/officeDocument/2006/relationships" xmlns:p="http://schemas.openxmlformats.org/presentationml/2006/main" type="titleOnly" preserve="1">
+<p:sldLayout xmlns:a="http://schemas.openxmlformats.org/drawingml/2006/main" xmlns:r="http://schemas.openxmlformats.org/officeDocument/2006/relationships" xmlns:mc="http://schemas.openxmlformats.org/markup-compatibility/2006" xmlns:mv="urn:schemas-microsoft-com:mac:vml" xmlns:p="http://schemas.openxmlformats.org/presentationml/2006/main" mc:Ignorable="mv" mc:PreserveAttributes="mv:*" type="titleOnly" preserve="1">
   <p:cSld name="Title Only">
     <p:spTree>
       <p:nvGrpSpPr>
@@ -5711,7 +5713,7 @@
             <a:fld id="{CEB14723-D31B-4FFF-8BF6-DFD5AD4106D8}" type="datetime1">
               <a:rPr lang="en-US" smtClean="0"/>
               <a:pPr/>
-              <a:t>10/5/2011</a:t>
+              <a:t>10/7/11</a:t>
             </a:fld>
             <a:endParaRPr lang="en-US" dirty="0"/>
           </a:p>
@@ -5776,7 +5778,7 @@
 </file>
 
 <file path=ppt/slideLayouts/slideLayout17.xml><?xml version="1.0" encoding="utf-8"?>
-<p:sldLayout xmlns:a="http://schemas.openxmlformats.org/drawingml/2006/main" xmlns:r="http://schemas.openxmlformats.org/officeDocument/2006/relationships" xmlns:p="http://schemas.openxmlformats.org/presentationml/2006/main" type="blank" preserve="1">
+<p:sldLayout xmlns:a="http://schemas.openxmlformats.org/drawingml/2006/main" xmlns:r="http://schemas.openxmlformats.org/officeDocument/2006/relationships" xmlns:mc="http://schemas.openxmlformats.org/markup-compatibility/2006" xmlns:mv="urn:schemas-microsoft-com:mac:vml" xmlns:p="http://schemas.openxmlformats.org/presentationml/2006/main" mc:Ignorable="mv" mc:PreserveAttributes="mv:*" type="blank" preserve="1">
   <p:cSld name="Blank">
     <p:spTree>
       <p:nvGrpSpPr>
@@ -5810,7 +5812,7 @@
             <a:fld id="{D7BD04E7-DB2C-44E7-8401-7B2EF877F869}" type="datetime1">
               <a:rPr lang="en-US" smtClean="0"/>
               <a:pPr/>
-              <a:t>10/5/2011</a:t>
+              <a:t>10/7/11</a:t>
             </a:fld>
             <a:endParaRPr lang="en-US"/>
           </a:p>
@@ -5875,7 +5877,7 @@
 </file>
 
 <file path=ppt/slideLayouts/slideLayout18.xml><?xml version="1.0" encoding="utf-8"?>
-<p:sldLayout xmlns:a="http://schemas.openxmlformats.org/drawingml/2006/main" xmlns:r="http://schemas.openxmlformats.org/officeDocument/2006/relationships" xmlns:p="http://schemas.openxmlformats.org/presentationml/2006/main" showMasterSp="0" type="objTx" preserve="1">
+<p:sldLayout xmlns:a="http://schemas.openxmlformats.org/drawingml/2006/main" xmlns:r="http://schemas.openxmlformats.org/officeDocument/2006/relationships" xmlns:mc="http://schemas.openxmlformats.org/markup-compatibility/2006" xmlns:mv="urn:schemas-microsoft-com:mac:vml" xmlns:p="http://schemas.openxmlformats.org/presentationml/2006/main" mc:Ignorable="mv" mc:PreserveAttributes="mv:*" showMasterSp="0" type="objTx" preserve="1">
   <p:cSld name="Content with Caption">
     <p:bg>
       <p:bgRef idx="1001">
@@ -6336,7 +6338,7 @@
             <a:fld id="{E2F01EF0-FFD2-40E1-A32F-9B3627208AC4}" type="datetime1">
               <a:rPr lang="en-US" smtClean="0"/>
               <a:pPr/>
-              <a:t>10/5/2011</a:t>
+              <a:t>10/7/11</a:t>
             </a:fld>
             <a:endParaRPr lang="en-US"/>
           </a:p>
@@ -6401,7 +6403,7 @@
 </file>
 
 <file path=ppt/slideLayouts/slideLayout19.xml><?xml version="1.0" encoding="utf-8"?>
-<p:sldLayout xmlns:a="http://schemas.openxmlformats.org/drawingml/2006/main" xmlns:r="http://schemas.openxmlformats.org/officeDocument/2006/relationships" xmlns:p="http://schemas.openxmlformats.org/presentationml/2006/main" showMasterSp="0" type="picTx" preserve="1">
+<p:sldLayout xmlns:a="http://schemas.openxmlformats.org/drawingml/2006/main" xmlns:r="http://schemas.openxmlformats.org/officeDocument/2006/relationships" xmlns:mc="http://schemas.openxmlformats.org/markup-compatibility/2006" xmlns:mv="urn:schemas-microsoft-com:mac:vml" xmlns:p="http://schemas.openxmlformats.org/presentationml/2006/main" mc:Ignorable="mv" mc:PreserveAttributes="mv:*" showMasterSp="0" type="picTx" preserve="1">
   <p:cSld name="Picture with Caption">
     <p:spTree>
       <p:nvGrpSpPr>
@@ -6856,7 +6858,7 @@
             <a:fld id="{9F223E29-7B2A-4A6E-8B36-121182E850D1}" type="datetime1">
               <a:rPr lang="en-US" smtClean="0"/>
               <a:pPr/>
-              <a:t>10/5/2011</a:t>
+              <a:t>10/7/11</a:t>
             </a:fld>
             <a:endParaRPr lang="en-US"/>
           </a:p>
@@ -6921,7 +6923,7 @@
 </file>
 
 <file path=ppt/slideLayouts/slideLayout2.xml><?xml version="1.0" encoding="utf-8"?>
-<p:sldLayout xmlns:a="http://schemas.openxmlformats.org/drawingml/2006/main" xmlns:r="http://schemas.openxmlformats.org/officeDocument/2006/relationships" xmlns:p="http://schemas.openxmlformats.org/presentationml/2006/main" preserve="1">
+<p:sldLayout xmlns:a="http://schemas.openxmlformats.org/drawingml/2006/main" xmlns:r="http://schemas.openxmlformats.org/officeDocument/2006/relationships" xmlns:mc="http://schemas.openxmlformats.org/markup-compatibility/2006" xmlns:mv="urn:schemas-microsoft-com:mac:vml" xmlns:p="http://schemas.openxmlformats.org/presentationml/2006/main" mc:Ignorable="mv" mc:PreserveAttributes="mv:*" preserve="1">
   <p:cSld name="Title and Content">
     <p:spTree>
       <p:nvGrpSpPr>
@@ -7007,7 +7009,7 @@
             <a:fld id="{B872EAB8-2209-47FA-91CC-26FE4BDD9545}" type="datetime1">
               <a:rPr lang="en-US" smtClean="0"/>
               <a:pPr/>
-              <a:t>10/5/2011</a:t>
+              <a:t>10/7/11</a:t>
             </a:fld>
             <a:endParaRPr lang="en-US"/>
           </a:p>
@@ -7095,7 +7097,7 @@
 </file>
 
 <file path=ppt/slideLayouts/slideLayout20.xml><?xml version="1.0" encoding="utf-8"?>
-<p:sldLayout xmlns:a="http://schemas.openxmlformats.org/drawingml/2006/main" xmlns:r="http://schemas.openxmlformats.org/officeDocument/2006/relationships" xmlns:p="http://schemas.openxmlformats.org/presentationml/2006/main" type="vertTx" preserve="1">
+<p:sldLayout xmlns:a="http://schemas.openxmlformats.org/drawingml/2006/main" xmlns:r="http://schemas.openxmlformats.org/officeDocument/2006/relationships" xmlns:mc="http://schemas.openxmlformats.org/markup-compatibility/2006" xmlns:mv="urn:schemas-microsoft-com:mac:vml" xmlns:p="http://schemas.openxmlformats.org/presentationml/2006/main" mc:Ignorable="mv" mc:PreserveAttributes="mv:*" type="vertTx" preserve="1">
   <p:cSld name="Title and Vertical Text">
     <p:spTree>
       <p:nvGrpSpPr>
@@ -7204,7 +7206,7 @@
             <a:fld id="{86149588-4A1B-466E-9FB2-229BF8175FE7}" type="datetime1">
               <a:rPr lang="en-US" smtClean="0"/>
               <a:pPr/>
-              <a:t>10/5/2011</a:t>
+              <a:t>10/7/11</a:t>
             </a:fld>
             <a:endParaRPr lang="en-US"/>
           </a:p>
@@ -7269,7 +7271,7 @@
 </file>
 
 <file path=ppt/slideLayouts/slideLayout21.xml><?xml version="1.0" encoding="utf-8"?>
-<p:sldLayout xmlns:a="http://schemas.openxmlformats.org/drawingml/2006/main" xmlns:r="http://schemas.openxmlformats.org/officeDocument/2006/relationships" xmlns:p="http://schemas.openxmlformats.org/presentationml/2006/main" type="vertTitleAndTx" preserve="1">
+<p:sldLayout xmlns:a="http://schemas.openxmlformats.org/drawingml/2006/main" xmlns:r="http://schemas.openxmlformats.org/officeDocument/2006/relationships" xmlns:mc="http://schemas.openxmlformats.org/markup-compatibility/2006" xmlns:mv="urn:schemas-microsoft-com:mac:vml" xmlns:p="http://schemas.openxmlformats.org/presentationml/2006/main" mc:Ignorable="mv" mc:PreserveAttributes="mv:*" type="vertTitleAndTx" preserve="1">
   <p:cSld name="Vertical Title and Text">
     <p:spTree>
       <p:nvGrpSpPr>
@@ -7388,7 +7390,7 @@
             <a:fld id="{FC141B0C-D275-49C3-9D1B-58FCB6845F5B}" type="datetime1">
               <a:rPr lang="en-US" smtClean="0"/>
               <a:pPr/>
-              <a:t>10/5/2011</a:t>
+              <a:t>10/7/11</a:t>
             </a:fld>
             <a:endParaRPr lang="en-US"/>
           </a:p>
@@ -7453,7 +7455,7 @@
 </file>
 
 <file path=ppt/slideLayouts/slideLayout3.xml><?xml version="1.0" encoding="utf-8"?>
-<p:sldLayout xmlns:a="http://schemas.openxmlformats.org/drawingml/2006/main" xmlns:r="http://schemas.openxmlformats.org/officeDocument/2006/relationships" xmlns:p="http://schemas.openxmlformats.org/presentationml/2006/main" preserve="1">
+<p:sldLayout xmlns:a="http://schemas.openxmlformats.org/drawingml/2006/main" xmlns:r="http://schemas.openxmlformats.org/officeDocument/2006/relationships" xmlns:mc="http://schemas.openxmlformats.org/markup-compatibility/2006" xmlns:mv="urn:schemas-microsoft-com:mac:vml" xmlns:p="http://schemas.openxmlformats.org/presentationml/2006/main" mc:Ignorable="mv" mc:PreserveAttributes="mv:*" preserve="1">
   <p:cSld name="Section Header">
     <p:spTree>
       <p:nvGrpSpPr>
@@ -7487,7 +7489,7 @@
             <a:fld id="{85DD8449-C5B7-4117-9FE2-2FE3D08E09ED}" type="datetime1">
               <a:rPr lang="en-US" smtClean="0"/>
               <a:pPr/>
-              <a:t>10/5/2011</a:t>
+              <a:t>10/7/11</a:t>
             </a:fld>
             <a:endParaRPr lang="en-US"/>
           </a:p>
@@ -7621,7 +7623,7 @@
 </file>
 
 <file path=ppt/slideLayouts/slideLayout4.xml><?xml version="1.0" encoding="utf-8"?>
-<p:sldLayout xmlns:a="http://schemas.openxmlformats.org/drawingml/2006/main" xmlns:r="http://schemas.openxmlformats.org/officeDocument/2006/relationships" xmlns:p="http://schemas.openxmlformats.org/presentationml/2006/main" preserve="1">
+<p:sldLayout xmlns:a="http://schemas.openxmlformats.org/drawingml/2006/main" xmlns:r="http://schemas.openxmlformats.org/officeDocument/2006/relationships" xmlns:mc="http://schemas.openxmlformats.org/markup-compatibility/2006" xmlns:mv="urn:schemas-microsoft-com:mac:vml" xmlns:p="http://schemas.openxmlformats.org/presentationml/2006/main" mc:Ignorable="mv" mc:PreserveAttributes="mv:*" preserve="1">
   <p:cSld name="Simple Question &amp; Answer">
     <p:spTree>
       <p:nvGrpSpPr>
@@ -7659,7 +7661,7 @@
             <a:fld id="{9EB34B4D-D852-47BD-83B8-7C009639CBA3}" type="datetime1">
               <a:rPr lang="en-US" smtClean="0"/>
               <a:pPr/>
-              <a:t>10/5/2011</a:t>
+              <a:t>10/7/11</a:t>
             </a:fld>
             <a:endParaRPr lang="en-US"/>
           </a:p>
@@ -8100,7 +8102,7 @@
 </file>
 
 <file path=ppt/slideLayouts/slideLayout5.xml><?xml version="1.0" encoding="utf-8"?>
-<p:sldLayout xmlns:a="http://schemas.openxmlformats.org/drawingml/2006/main" xmlns:r="http://schemas.openxmlformats.org/officeDocument/2006/relationships" xmlns:p="http://schemas.openxmlformats.org/presentationml/2006/main" preserve="1">
+<p:sldLayout xmlns:a="http://schemas.openxmlformats.org/drawingml/2006/main" xmlns:r="http://schemas.openxmlformats.org/officeDocument/2006/relationships" xmlns:mc="http://schemas.openxmlformats.org/markup-compatibility/2006" xmlns:mv="urn:schemas-microsoft-com:mac:vml" xmlns:p="http://schemas.openxmlformats.org/presentationml/2006/main" mc:Ignorable="mv" mc:PreserveAttributes="mv:*" preserve="1">
   <p:cSld name="Detailed Question &amp; Answer">
     <p:spTree>
       <p:nvGrpSpPr>
@@ -8138,7 +8140,7 @@
             <a:fld id="{1C28D42E-A5BC-4278-B5EC-5262A60BD963}" type="datetime1">
               <a:rPr lang="en-US" smtClean="0"/>
               <a:pPr/>
-              <a:t>10/5/2011</a:t>
+              <a:t>10/7/11</a:t>
             </a:fld>
             <a:endParaRPr lang="en-US"/>
           </a:p>
@@ -8709,7 +8711,7 @@
 </file>
 
 <file path=ppt/slideLayouts/slideLayout6.xml><?xml version="1.0" encoding="utf-8"?>
-<p:sldLayout xmlns:a="http://schemas.openxmlformats.org/drawingml/2006/main" xmlns:r="http://schemas.openxmlformats.org/officeDocument/2006/relationships" xmlns:p="http://schemas.openxmlformats.org/presentationml/2006/main" preserve="1">
+<p:sldLayout xmlns:a="http://schemas.openxmlformats.org/drawingml/2006/main" xmlns:r="http://schemas.openxmlformats.org/officeDocument/2006/relationships" xmlns:mc="http://schemas.openxmlformats.org/markup-compatibility/2006" xmlns:mv="urn:schemas-microsoft-com:mac:vml" xmlns:p="http://schemas.openxmlformats.org/presentationml/2006/main" mc:Ignorable="mv" mc:PreserveAttributes="mv:*" preserve="1">
   <p:cSld name="True or False Question (Answer: True)">
     <p:spTree>
       <p:nvGrpSpPr>
@@ -8747,7 +8749,7 @@
             <a:fld id="{67091ECE-7262-48AC-8C85-D7D9ECDA6C21}" type="datetime1">
               <a:rPr lang="en-US" smtClean="0"/>
               <a:pPr/>
-              <a:t>10/5/2011</a:t>
+              <a:t>10/7/11</a:t>
             </a:fld>
             <a:endParaRPr lang="en-US"/>
           </a:p>
@@ -9092,7 +9094,7 @@
 </file>
 
 <file path=ppt/slideLayouts/slideLayout7.xml><?xml version="1.0" encoding="utf-8"?>
-<p:sldLayout xmlns:a="http://schemas.openxmlformats.org/drawingml/2006/main" xmlns:r="http://schemas.openxmlformats.org/officeDocument/2006/relationships" xmlns:p="http://schemas.openxmlformats.org/presentationml/2006/main" preserve="1">
+<p:sldLayout xmlns:a="http://schemas.openxmlformats.org/drawingml/2006/main" xmlns:r="http://schemas.openxmlformats.org/officeDocument/2006/relationships" xmlns:mc="http://schemas.openxmlformats.org/markup-compatibility/2006" xmlns:mv="urn:schemas-microsoft-com:mac:vml" xmlns:p="http://schemas.openxmlformats.org/presentationml/2006/main" mc:Ignorable="mv" mc:PreserveAttributes="mv:*" preserve="1">
   <p:cSld name="True or False Question (Answer: False)">
     <p:spTree>
       <p:nvGrpSpPr>
@@ -9130,7 +9132,7 @@
             <a:fld id="{7BFC9112-EE29-4F8D-AFF9-49DFC76E3425}" type="datetime1">
               <a:rPr lang="en-US" smtClean="0"/>
               <a:pPr/>
-              <a:t>10/5/2011</a:t>
+              <a:t>10/7/11</a:t>
             </a:fld>
             <a:endParaRPr lang="en-US"/>
           </a:p>
@@ -9482,7 +9484,7 @@
 </file>
 
 <file path=ppt/slideLayouts/slideLayout8.xml><?xml version="1.0" encoding="utf-8"?>
-<p:sldLayout xmlns:a="http://schemas.openxmlformats.org/drawingml/2006/main" xmlns:r="http://schemas.openxmlformats.org/officeDocument/2006/relationships" xmlns:p="http://schemas.openxmlformats.org/presentationml/2006/main">
+<p:sldLayout xmlns:a="http://schemas.openxmlformats.org/drawingml/2006/main" xmlns:r="http://schemas.openxmlformats.org/officeDocument/2006/relationships" xmlns:mc="http://schemas.openxmlformats.org/markup-compatibility/2006" xmlns:mv="urn:schemas-microsoft-com:mac:vml" xmlns:p="http://schemas.openxmlformats.org/presentationml/2006/main" mc:Ignorable="mv" mc:PreserveAttributes="mv:*">
   <p:cSld name="Multiple Choice">
     <p:spTree>
       <p:nvGrpSpPr>
@@ -9552,7 +9554,7 @@
             <a:fld id="{C572EC97-6D8B-4146-AB4C-B95B539EF4A9}" type="datetime1">
               <a:rPr lang="en-US" smtClean="0"/>
               <a:pPr/>
-              <a:t>10/5/2011</a:t>
+              <a:t>10/7/11</a:t>
             </a:fld>
             <a:endParaRPr lang="en-US"/>
           </a:p>
@@ -10456,7 +10458,7 @@
 </file>
 
 <file path=ppt/slideLayouts/slideLayout9.xml><?xml version="1.0" encoding="utf-8"?>
-<p:sldLayout xmlns:a="http://schemas.openxmlformats.org/drawingml/2006/main" xmlns:r="http://schemas.openxmlformats.org/officeDocument/2006/relationships" xmlns:p="http://schemas.openxmlformats.org/presentationml/2006/main" preserve="1">
+<p:sldLayout xmlns:a="http://schemas.openxmlformats.org/drawingml/2006/main" xmlns:r="http://schemas.openxmlformats.org/officeDocument/2006/relationships" xmlns:mc="http://schemas.openxmlformats.org/markup-compatibility/2006" xmlns:mv="urn:schemas-microsoft-com:mac:vml" xmlns:p="http://schemas.openxmlformats.org/presentationml/2006/main" mc:Ignorable="mv" mc:PreserveAttributes="mv:*" preserve="1">
   <p:cSld name="Item Match Up">
     <p:spTree>
       <p:nvGrpSpPr>
@@ -10883,7 +10885,7 @@
             <a:fld id="{11E13247-250B-408B-B25F-68FDDD0AC0E6}" type="datetime1">
               <a:rPr lang="en-US" smtClean="0"/>
               <a:pPr/>
-              <a:t>10/5/2011</a:t>
+              <a:t>10/7/11</a:t>
             </a:fld>
             <a:endParaRPr lang="en-US"/>
           </a:p>
@@ -11829,7 +11831,7 @@
 </file>
 
 <file path=ppt/slideMasters/slideMaster1.xml><?xml version="1.0" encoding="utf-8"?>
-<p:sldMaster xmlns:a="http://schemas.openxmlformats.org/drawingml/2006/main" xmlns:r="http://schemas.openxmlformats.org/officeDocument/2006/relationships" xmlns:p="http://schemas.openxmlformats.org/presentationml/2006/main" preserve="1">
+<p:sldMaster xmlns:a="http://schemas.openxmlformats.org/drawingml/2006/main" xmlns:r="http://schemas.openxmlformats.org/officeDocument/2006/relationships" xmlns:mc="http://schemas.openxmlformats.org/markup-compatibility/2006" xmlns:mv="urn:schemas-microsoft-com:mac:vml" xmlns:p="http://schemas.openxmlformats.org/presentationml/2006/main" mc:Ignorable="mv" mc:PreserveAttributes="mv:*" preserve="1">
   <p:cSld>
     <p:bg>
       <p:bgRef idx="1002">
@@ -11975,7 +11977,7 @@
             <a:fld id="{4372B5CF-8BC2-42B1-8441-5C29F094C339}" type="datetime1">
               <a:rPr lang="en-US" smtClean="0"/>
               <a:pPr/>
-              <a:t>10/5/2011</a:t>
+              <a:t>10/7/11</a:t>
             </a:fld>
             <a:endParaRPr lang="en-US"/>
           </a:p>
@@ -12973,7 +12975,7 @@
 </file>
 
 <file path=ppt/slideMasters/slideMaster2.xml><?xml version="1.0" encoding="utf-8"?>
-<p:sldMaster xmlns:a="http://schemas.openxmlformats.org/drawingml/2006/main" xmlns:r="http://schemas.openxmlformats.org/officeDocument/2006/relationships" xmlns:p="http://schemas.openxmlformats.org/presentationml/2006/main">
+<p:sldMaster xmlns:a="http://schemas.openxmlformats.org/drawingml/2006/main" xmlns:r="http://schemas.openxmlformats.org/officeDocument/2006/relationships" xmlns:mc="http://schemas.openxmlformats.org/markup-compatibility/2006" xmlns:mv="urn:schemas-microsoft-com:mac:vml" xmlns:p="http://schemas.openxmlformats.org/presentationml/2006/main" mc:Ignorable="mv" mc:PreserveAttributes="mv:*">
   <p:cSld>
     <p:bg>
       <p:bgRef idx="1001">
@@ -13162,7 +13164,7 @@
             <a:fld id="{850CA24E-6482-40F0-8089-038E94AA59AB}" type="datetime1">
               <a:rPr lang="en-US" smtClean="0"/>
               <a:pPr/>
-              <a:t>10/5/2011</a:t>
+              <a:t>10/7/11</a:t>
             </a:fld>
             <a:endParaRPr lang="en-US"/>
           </a:p>
@@ -13763,7 +13765,7 @@
 </file>
 
 <file path=ppt/slides/slide1.xml><?xml version="1.0" encoding="utf-8"?>
-<p:sld xmlns:a="http://schemas.openxmlformats.org/drawingml/2006/main" xmlns:r="http://schemas.openxmlformats.org/officeDocument/2006/relationships" xmlns:p="http://schemas.openxmlformats.org/presentationml/2006/main">
+<p:sld xmlns:a="http://schemas.openxmlformats.org/drawingml/2006/main" xmlns:r="http://schemas.openxmlformats.org/officeDocument/2006/relationships" xmlns:mc="http://schemas.openxmlformats.org/markup-compatibility/2006" xmlns:mv="urn:schemas-microsoft-com:mac:vml" xmlns:p="http://schemas.openxmlformats.org/presentationml/2006/main" mc:Ignorable="mv" mc:PreserveAttributes="mv:*">
   <p:cSld>
     <p:spTree>
       <p:nvGrpSpPr>
@@ -13852,7 +13854,7 @@
         </p:spPr>
         <p:txBody>
           <a:bodyPr>
-            <a:normAutofit/>
+            <a:normAutofit lnSpcReduction="10000"/>
           </a:bodyPr>
           <a:lstStyle/>
           <a:p>
@@ -13949,7 +13951,7 @@
 </file>
 
 <file path=ppt/slides/slide10.xml><?xml version="1.0" encoding="utf-8"?>
-<p:sld xmlns:a="http://schemas.openxmlformats.org/drawingml/2006/main" xmlns:r="http://schemas.openxmlformats.org/officeDocument/2006/relationships" xmlns:p="http://schemas.openxmlformats.org/presentationml/2006/main">
+<p:sld xmlns:a="http://schemas.openxmlformats.org/drawingml/2006/main" xmlns:r="http://schemas.openxmlformats.org/officeDocument/2006/relationships" xmlns:mc="http://schemas.openxmlformats.org/markup-compatibility/2006" xmlns:mv="urn:schemas-microsoft-com:mac:vml" xmlns:p="http://schemas.openxmlformats.org/presentationml/2006/main" mc:Ignorable="mv" mc:PreserveAttributes="mv:*">
   <p:cSld>
     <p:spTree>
       <p:nvGrpSpPr>
@@ -14061,7 +14063,7 @@
 </file>
 
 <file path=ppt/slides/slide11.xml><?xml version="1.0" encoding="utf-8"?>
-<p:sld xmlns:a="http://schemas.openxmlformats.org/drawingml/2006/main" xmlns:r="http://schemas.openxmlformats.org/officeDocument/2006/relationships" xmlns:p="http://schemas.openxmlformats.org/presentationml/2006/main">
+<p:sld xmlns:a="http://schemas.openxmlformats.org/drawingml/2006/main" xmlns:r="http://schemas.openxmlformats.org/officeDocument/2006/relationships" xmlns:mc="http://schemas.openxmlformats.org/markup-compatibility/2006" xmlns:mv="urn:schemas-microsoft-com:mac:vml" xmlns:p="http://schemas.openxmlformats.org/presentationml/2006/main" mc:Ignorable="mv" mc:PreserveAttributes="mv:*">
   <p:cSld>
     <p:spTree>
       <p:nvGrpSpPr>
@@ -14527,7 +14529,7 @@
 </file>
 
 <file path=ppt/slides/slide12.xml><?xml version="1.0" encoding="utf-8"?>
-<p:sld xmlns:a="http://schemas.openxmlformats.org/drawingml/2006/main" xmlns:r="http://schemas.openxmlformats.org/officeDocument/2006/relationships" xmlns:p="http://schemas.openxmlformats.org/presentationml/2006/main">
+<p:sld xmlns:a="http://schemas.openxmlformats.org/drawingml/2006/main" xmlns:r="http://schemas.openxmlformats.org/officeDocument/2006/relationships" xmlns:mc="http://schemas.openxmlformats.org/markup-compatibility/2006" xmlns:mv="urn:schemas-microsoft-com:mac:vml" xmlns:p="http://schemas.openxmlformats.org/presentationml/2006/main" mc:Ignorable="mv" mc:PreserveAttributes="mv:*">
   <p:cSld>
     <p:spTree>
       <p:nvGrpSpPr>
@@ -14632,7 +14634,7 @@
 </file>
 
 <file path=ppt/slides/slide13.xml><?xml version="1.0" encoding="utf-8"?>
-<p:sld xmlns:a="http://schemas.openxmlformats.org/drawingml/2006/main" xmlns:r="http://schemas.openxmlformats.org/officeDocument/2006/relationships" xmlns:p="http://schemas.openxmlformats.org/presentationml/2006/main">
+<p:sld xmlns:a="http://schemas.openxmlformats.org/drawingml/2006/main" xmlns:r="http://schemas.openxmlformats.org/officeDocument/2006/relationships" xmlns:mc="http://schemas.openxmlformats.org/markup-compatibility/2006" xmlns:mv="urn:schemas-microsoft-com:mac:vml" xmlns:p="http://schemas.openxmlformats.org/presentationml/2006/main" mc:Ignorable="mv" mc:PreserveAttributes="mv:*">
   <p:cSld>
     <p:spTree>
       <p:nvGrpSpPr>
@@ -14689,14 +14691,19 @@
         </p:spPr>
         <p:txBody>
           <a:bodyPr>
-            <a:normAutofit fontScale="92500" lnSpcReduction="20000"/>
+            <a:normAutofit fontScale="77500" lnSpcReduction="20000"/>
           </a:bodyPr>
           <a:lstStyle/>
           <a:p>
             <a:r>
               <a:rPr lang="en-US" dirty="0" smtClean="0"/>
-              <a:t>Can we define it as defined class? </a:t>
-            </a:r>
+              <a:t>Can we</a:t>
+            </a:r>
+            <a:r>
+              <a:rPr lang="en-US" dirty="0" smtClean="0"/>
+              <a:t> infer some software execution as data transformation? </a:t>
+            </a:r>
+            <a:endParaRPr lang="en-US" dirty="0" smtClean="0"/>
           </a:p>
           <a:p>
             <a:r>
@@ -14777,11 +14784,18 @@
   <p:clrMapOvr>
     <a:masterClrMapping/>
   </p:clrMapOvr>
+  <p:timing>
+    <p:tnLst>
+      <p:par>
+        <p:cTn id="1" dur="indefinite" restart="never" nodeType="tmRoot"/>
+      </p:par>
+    </p:tnLst>
+  </p:timing>
 </p:sld>
 </file>
 
 <file path=ppt/slides/slide14.xml><?xml version="1.0" encoding="utf-8"?>
-<p:sld xmlns:a="http://schemas.openxmlformats.org/drawingml/2006/main" xmlns:r="http://schemas.openxmlformats.org/officeDocument/2006/relationships" xmlns:p="http://schemas.openxmlformats.org/presentationml/2006/main">
+<p:sld xmlns:a="http://schemas.openxmlformats.org/drawingml/2006/main" xmlns:r="http://schemas.openxmlformats.org/officeDocument/2006/relationships" xmlns:mc="http://schemas.openxmlformats.org/markup-compatibility/2006" xmlns:mv="urn:schemas-microsoft-com:mac:vml" xmlns:p="http://schemas.openxmlformats.org/presentationml/2006/main" mc:Ignorable="mv" mc:PreserveAttributes="mv:*">
   <p:cSld>
     <p:spTree>
       <p:nvGrpSpPr>
@@ -14923,7 +14937,7 @@
 </file>
 
 <file path=ppt/slides/slide15.xml><?xml version="1.0" encoding="utf-8"?>
-<p:sld xmlns:a="http://schemas.openxmlformats.org/drawingml/2006/main" xmlns:r="http://schemas.openxmlformats.org/officeDocument/2006/relationships" xmlns:p="http://schemas.openxmlformats.org/presentationml/2006/main">
+<p:sld xmlns:a="http://schemas.openxmlformats.org/drawingml/2006/main" xmlns:r="http://schemas.openxmlformats.org/officeDocument/2006/relationships" xmlns:mc="http://schemas.openxmlformats.org/markup-compatibility/2006" xmlns:mv="urn:schemas-microsoft-com:mac:vml" xmlns:p="http://schemas.openxmlformats.org/presentationml/2006/main" mc:Ignorable="mv" mc:PreserveAttributes="mv:*">
   <p:cSld>
     <p:spTree>
       <p:nvGrpSpPr>
@@ -15099,7 +15113,7 @@
 </file>
 
 <file path=ppt/slides/slide16.xml><?xml version="1.0" encoding="utf-8"?>
-<p:sld xmlns:a="http://schemas.openxmlformats.org/drawingml/2006/main" xmlns:r="http://schemas.openxmlformats.org/officeDocument/2006/relationships" xmlns:p="http://schemas.openxmlformats.org/presentationml/2006/main">
+<p:sld xmlns:a="http://schemas.openxmlformats.org/drawingml/2006/main" xmlns:r="http://schemas.openxmlformats.org/officeDocument/2006/relationships" xmlns:mc="http://schemas.openxmlformats.org/markup-compatibility/2006" xmlns:mv="urn:schemas-microsoft-com:mac:vml" xmlns:p="http://schemas.openxmlformats.org/presentationml/2006/main" mc:Ignorable="mv" mc:PreserveAttributes="mv:*">
   <p:cSld>
     <p:spTree>
       <p:nvGrpSpPr>
@@ -15954,7 +15968,7 @@
 </file>
 
 <file path=ppt/slides/slide17.xml><?xml version="1.0" encoding="utf-8"?>
-<p:sld xmlns:a="http://schemas.openxmlformats.org/drawingml/2006/main" xmlns:r="http://schemas.openxmlformats.org/officeDocument/2006/relationships" xmlns:p="http://schemas.openxmlformats.org/presentationml/2006/main">
+<p:sld xmlns:a="http://schemas.openxmlformats.org/drawingml/2006/main" xmlns:r="http://schemas.openxmlformats.org/officeDocument/2006/relationships" xmlns:mc="http://schemas.openxmlformats.org/markup-compatibility/2006" xmlns:mv="urn:schemas-microsoft-com:mac:vml" xmlns:p="http://schemas.openxmlformats.org/presentationml/2006/main" mc:Ignorable="mv" mc:PreserveAttributes="mv:*">
   <p:cSld>
     <p:spTree>
       <p:nvGrpSpPr>
@@ -16035,7 +16049,7 @@
 </file>
 
 <file path=ppt/slides/slide18.xml><?xml version="1.0" encoding="utf-8"?>
-<p:sld xmlns:a="http://schemas.openxmlformats.org/drawingml/2006/main" xmlns:r="http://schemas.openxmlformats.org/officeDocument/2006/relationships" xmlns:p="http://schemas.openxmlformats.org/presentationml/2006/main">
+<p:sld xmlns:a="http://schemas.openxmlformats.org/drawingml/2006/main" xmlns:r="http://schemas.openxmlformats.org/officeDocument/2006/relationships" xmlns:mc="http://schemas.openxmlformats.org/markup-compatibility/2006" xmlns:mv="urn:schemas-microsoft-com:mac:vml" xmlns:p="http://schemas.openxmlformats.org/presentationml/2006/main" mc:Ignorable="mv" mc:PreserveAttributes="mv:*">
   <p:cSld>
     <p:spTree>
       <p:nvGrpSpPr>
@@ -16152,7 +16166,7 @@
 </file>
 
 <file path=ppt/slides/slide19.xml><?xml version="1.0" encoding="utf-8"?>
-<p:sld xmlns:a="http://schemas.openxmlformats.org/drawingml/2006/main" xmlns:r="http://schemas.openxmlformats.org/officeDocument/2006/relationships" xmlns:p="http://schemas.openxmlformats.org/presentationml/2006/main">
+<p:sld xmlns:a="http://schemas.openxmlformats.org/drawingml/2006/main" xmlns:r="http://schemas.openxmlformats.org/officeDocument/2006/relationships" xmlns:mc="http://schemas.openxmlformats.org/markup-compatibility/2006" xmlns:mv="urn:schemas-microsoft-com:mac:vml" xmlns:p="http://schemas.openxmlformats.org/presentationml/2006/main" mc:Ignorable="mv" mc:PreserveAttributes="mv:*">
   <p:cSld>
     <p:spTree>
       <p:nvGrpSpPr>
@@ -16506,7 +16520,7 @@
 </file>
 
 <file path=ppt/slides/slide2.xml><?xml version="1.0" encoding="utf-8"?>
-<p:sld xmlns:a="http://schemas.openxmlformats.org/drawingml/2006/main" xmlns:r="http://schemas.openxmlformats.org/officeDocument/2006/relationships" xmlns:p="http://schemas.openxmlformats.org/presentationml/2006/main">
+<p:sld xmlns:a="http://schemas.openxmlformats.org/drawingml/2006/main" xmlns:r="http://schemas.openxmlformats.org/officeDocument/2006/relationships" xmlns:mc="http://schemas.openxmlformats.org/markup-compatibility/2006" xmlns:mv="urn:schemas-microsoft-com:mac:vml" xmlns:p="http://schemas.openxmlformats.org/presentationml/2006/main" mc:Ignorable="mv" mc:PreserveAttributes="mv:*">
   <p:cSld>
     <p:spTree>
       <p:nvGrpSpPr>
@@ -16658,7 +16672,7 @@
 </file>
 
 <file path=ppt/slides/slide20.xml><?xml version="1.0" encoding="utf-8"?>
-<p:sld xmlns:a="http://schemas.openxmlformats.org/drawingml/2006/main" xmlns:r="http://schemas.openxmlformats.org/officeDocument/2006/relationships" xmlns:p="http://schemas.openxmlformats.org/presentationml/2006/main">
+<p:sld xmlns:a="http://schemas.openxmlformats.org/drawingml/2006/main" xmlns:r="http://schemas.openxmlformats.org/officeDocument/2006/relationships" xmlns:mc="http://schemas.openxmlformats.org/markup-compatibility/2006" xmlns:mv="urn:schemas-microsoft-com:mac:vml" xmlns:p="http://schemas.openxmlformats.org/presentationml/2006/main" mc:Ignorable="mv" mc:PreserveAttributes="mv:*">
   <p:cSld>
     <p:spTree>
       <p:nvGrpSpPr>
@@ -17012,7 +17026,7 @@
 </file>
 
 <file path=ppt/slides/slide3.xml><?xml version="1.0" encoding="utf-8"?>
-<p:sld xmlns:a="http://schemas.openxmlformats.org/drawingml/2006/main" xmlns:r="http://schemas.openxmlformats.org/officeDocument/2006/relationships" xmlns:p="http://schemas.openxmlformats.org/presentationml/2006/main">
+<p:sld xmlns:a="http://schemas.openxmlformats.org/drawingml/2006/main" xmlns:r="http://schemas.openxmlformats.org/officeDocument/2006/relationships" xmlns:mc="http://schemas.openxmlformats.org/markup-compatibility/2006" xmlns:mv="urn:schemas-microsoft-com:mac:vml" xmlns:p="http://schemas.openxmlformats.org/presentationml/2006/main" mc:Ignorable="mv" mc:PreserveAttributes="mv:*">
   <p:cSld>
     <p:spTree>
       <p:nvGrpSpPr>
@@ -17242,7 +17256,7 @@
 </file>
 
 <file path=ppt/slides/slide4.xml><?xml version="1.0" encoding="utf-8"?>
-<p:sld xmlns:a="http://schemas.openxmlformats.org/drawingml/2006/main" xmlns:r="http://schemas.openxmlformats.org/officeDocument/2006/relationships" xmlns:p="http://schemas.openxmlformats.org/presentationml/2006/main">
+<p:sld xmlns:a="http://schemas.openxmlformats.org/drawingml/2006/main" xmlns:r="http://schemas.openxmlformats.org/officeDocument/2006/relationships" xmlns:mc="http://schemas.openxmlformats.org/markup-compatibility/2006" xmlns:mv="urn:schemas-microsoft-com:mac:vml" xmlns:p="http://schemas.openxmlformats.org/presentationml/2006/main" mc:Ignorable="mv" mc:PreserveAttributes="mv:*">
   <p:cSld>
     <p:spTree>
       <p:nvGrpSpPr>
@@ -17381,7 +17395,7 @@
 </file>
 
 <file path=ppt/slides/slide5.xml><?xml version="1.0" encoding="utf-8"?>
-<p:sld xmlns:a="http://schemas.openxmlformats.org/drawingml/2006/main" xmlns:r="http://schemas.openxmlformats.org/officeDocument/2006/relationships" xmlns:p="http://schemas.openxmlformats.org/presentationml/2006/main">
+<p:sld xmlns:a="http://schemas.openxmlformats.org/drawingml/2006/main" xmlns:r="http://schemas.openxmlformats.org/officeDocument/2006/relationships" xmlns:mc="http://schemas.openxmlformats.org/markup-compatibility/2006" xmlns:mv="urn:schemas-microsoft-com:mac:vml" xmlns:p="http://schemas.openxmlformats.org/presentationml/2006/main" mc:Ignorable="mv" mc:PreserveAttributes="mv:*">
   <p:cSld>
     <p:spTree>
       <p:nvGrpSpPr>
@@ -17523,11 +17537,18 @@
   <p:clrMapOvr>
     <a:masterClrMapping/>
   </p:clrMapOvr>
+  <p:timing>
+    <p:tnLst>
+      <p:par>
+        <p:cTn id="1" dur="indefinite" restart="never" nodeType="tmRoot"/>
+      </p:par>
+    </p:tnLst>
+  </p:timing>
 </p:sld>
 </file>
 
 <file path=ppt/slides/slide6.xml><?xml version="1.0" encoding="utf-8"?>
-<p:sld xmlns:a="http://schemas.openxmlformats.org/drawingml/2006/main" xmlns:r="http://schemas.openxmlformats.org/officeDocument/2006/relationships" xmlns:p="http://schemas.openxmlformats.org/presentationml/2006/main">
+<p:sld xmlns:a="http://schemas.openxmlformats.org/drawingml/2006/main" xmlns:r="http://schemas.openxmlformats.org/officeDocument/2006/relationships" xmlns:mc="http://schemas.openxmlformats.org/markup-compatibility/2006" xmlns:mv="urn:schemas-microsoft-com:mac:vml" xmlns:p="http://schemas.openxmlformats.org/presentationml/2006/main" mc:Ignorable="mv" mc:PreserveAttributes="mv:*">
   <p:cSld>
     <p:spTree>
       <p:nvGrpSpPr>
@@ -17674,11 +17695,18 @@
   <p:clrMapOvr>
     <a:masterClrMapping/>
   </p:clrMapOvr>
+  <p:timing>
+    <p:tnLst>
+      <p:par>
+        <p:cTn id="1" dur="indefinite" restart="never" nodeType="tmRoot"/>
+      </p:par>
+    </p:tnLst>
+  </p:timing>
 </p:sld>
 </file>
 
 <file path=ppt/slides/slide7.xml><?xml version="1.0" encoding="utf-8"?>
-<p:sld xmlns:a="http://schemas.openxmlformats.org/drawingml/2006/main" xmlns:r="http://schemas.openxmlformats.org/officeDocument/2006/relationships" xmlns:p="http://schemas.openxmlformats.org/presentationml/2006/main">
+<p:sld xmlns:a="http://schemas.openxmlformats.org/drawingml/2006/main" xmlns:r="http://schemas.openxmlformats.org/officeDocument/2006/relationships" xmlns:mc="http://schemas.openxmlformats.org/markup-compatibility/2006" xmlns:mv="urn:schemas-microsoft-com:mac:vml" xmlns:p="http://schemas.openxmlformats.org/presentationml/2006/main" mc:Ignorable="mv" mc:PreserveAttributes="mv:*">
   <p:cSld>
     <p:spTree>
       <p:nvGrpSpPr>
@@ -17854,7 +17882,7 @@
 </file>
 
 <file path=ppt/slides/slide8.xml><?xml version="1.0" encoding="utf-8"?>
-<p:sld xmlns:a="http://schemas.openxmlformats.org/drawingml/2006/main" xmlns:r="http://schemas.openxmlformats.org/officeDocument/2006/relationships" xmlns:p="http://schemas.openxmlformats.org/presentationml/2006/main">
+<p:sld xmlns:a="http://schemas.openxmlformats.org/drawingml/2006/main" xmlns:r="http://schemas.openxmlformats.org/officeDocument/2006/relationships" xmlns:mc="http://schemas.openxmlformats.org/markup-compatibility/2006" xmlns:mv="urn:schemas-microsoft-com:mac:vml" xmlns:p="http://schemas.openxmlformats.org/presentationml/2006/main" mc:Ignorable="mv" mc:PreserveAttributes="mv:*">
   <p:cSld>
     <p:spTree>
       <p:nvGrpSpPr>
@@ -17985,7 +18013,7 @@
 </file>
 
 <file path=ppt/slides/slide9.xml><?xml version="1.0" encoding="utf-8"?>
-<p:sld xmlns:a="http://schemas.openxmlformats.org/drawingml/2006/main" xmlns:r="http://schemas.openxmlformats.org/officeDocument/2006/relationships" xmlns:p="http://schemas.openxmlformats.org/presentationml/2006/main">
+<p:sld xmlns:a="http://schemas.openxmlformats.org/drawingml/2006/main" xmlns:r="http://schemas.openxmlformats.org/officeDocument/2006/relationships" xmlns:mc="http://schemas.openxmlformats.org/markup-compatibility/2006" xmlns:mv="urn:schemas-microsoft-com:mac:vml" xmlns:p="http://schemas.openxmlformats.org/presentationml/2006/main" mc:Ignorable="mv" mc:PreserveAttributes="mv:*">
   <p:cSld>
     <p:spTree>
       <p:nvGrpSpPr>
@@ -18149,6 +18177,13 @@
   <p:clrMapOvr>
     <a:masterClrMapping/>
   </p:clrMapOvr>
+  <p:timing>
+    <p:tnLst>
+      <p:par>
+        <p:cTn id="1" dur="indefinite" restart="never" nodeType="tmRoot"/>
+      </p:par>
+    </p:tnLst>
+  </p:timing>
 </p:sld>
 </file>
 

--- a/trunk/docs/presentations/OBI workshop Oct 2011 Philly/WebService.pptx
+++ b/trunk/docs/presentations/OBI workshop Oct 2011 Philly/WebService.pptx
@@ -1,12 +1,12 @@
 
 <file path=ppt/presentation.xml><?xml version="1.0" encoding="utf-8"?>
-<p:presentation xmlns:a="http://schemas.openxmlformats.org/drawingml/2006/main" xmlns:r="http://schemas.openxmlformats.org/officeDocument/2006/relationships" xmlns:mc="http://schemas.openxmlformats.org/markup-compatibility/2006" xmlns:mv="urn:schemas-microsoft-com:mac:vml" xmlns:p="http://schemas.openxmlformats.org/presentationml/2006/main" mc:Ignorable="mv" mc:PreserveAttributes="mv:*" showSpecialPlsOnTitleSld="0" saveSubsetFonts="1">
+<p:presentation xmlns:a="http://schemas.openxmlformats.org/drawingml/2006/main" xmlns:r="http://schemas.openxmlformats.org/officeDocument/2006/relationships" xmlns:p="http://schemas.openxmlformats.org/presentationml/2006/main" showSpecialPlsOnTitleSld="0" saveSubsetFonts="1">
   <p:sldMasterIdLst>
     <p:sldMasterId id="2147483709" r:id="rId1"/>
     <p:sldMasterId id="2147483948" r:id="rId2"/>
   </p:sldMasterIdLst>
   <p:notesMasterIdLst>
-    <p:notesMasterId r:id="rId23"/>
+    <p:notesMasterId r:id="rId17"/>
   </p:notesMasterIdLst>
   <p:sldIdLst>
     <p:sldId id="256" r:id="rId3"/>
@@ -20,15 +20,9 @@
     <p:sldId id="292" r:id="rId11"/>
     <p:sldId id="270" r:id="rId12"/>
     <p:sldId id="290" r:id="rId13"/>
-    <p:sldId id="293" r:id="rId14"/>
+    <p:sldId id="295" r:id="rId14"/>
     <p:sldId id="294" r:id="rId15"/>
     <p:sldId id="271" r:id="rId16"/>
-    <p:sldId id="288" r:id="rId17"/>
-    <p:sldId id="272" r:id="rId18"/>
-    <p:sldId id="284" r:id="rId19"/>
-    <p:sldId id="291" r:id="rId20"/>
-    <p:sldId id="269" r:id="rId21"/>
-    <p:sldId id="289" r:id="rId22"/>
   </p:sldIdLst>
   <p:sldSz cx="9144000" cy="6858000" type="screen4x3"/>
   <p:notesSz cx="6858000" cy="9144000"/>
@@ -130,512 +124,8 @@
 </p:presentation>
 </file>
 
-<file path=ppt/charts/chart1.xml><?xml version="1.0" encoding="utf-8"?>
-<c:chartSpace xmlns:c="http://schemas.openxmlformats.org/drawingml/2006/chart" xmlns:a="http://schemas.openxmlformats.org/drawingml/2006/main" xmlns:r="http://schemas.openxmlformats.org/officeDocument/2006/relationships">
-  <c:date1904 val="1"/>
-  <c:lang val="en-US"/>
-  <c:style val="2"/>
-  <c:clrMapOvr bg1="lt1" tx1="dk1" bg2="lt2" tx2="dk2" accent1="accent1" accent2="accent2" accent3="accent3" accent4="accent4" accent5="accent5" accent6="accent6" hlink="hlink" folHlink="folHlink"/>
-  <c:chart>
-    <c:title>
-      <c:layout/>
-      <c:spPr>
-        <a:noFill/>
-        <a:ln w="25400">
-          <a:noFill/>
-        </a:ln>
-      </c:spPr>
-    </c:title>
-    <c:plotArea>
-      <c:layout/>
-      <c:lineChart>
-        <c:grouping val="standard"/>
-        <c:ser>
-          <c:idx val="0"/>
-          <c:order val="0"/>
-          <c:tx>
-            <c:strRef>
-              <c:f>Sheet2!$A$5</c:f>
-              <c:strCache>
-                <c:ptCount val="1"/>
-                <c:pt idx="0">
-                  <c:v>No. of terms added</c:v>
-                </c:pt>
-              </c:strCache>
-            </c:strRef>
-          </c:tx>
-          <c:spPr>
-            <a:ln w="25400">
-              <a:solidFill>
-                <a:srgbClr val="666699"/>
-              </a:solidFill>
-              <a:prstDash val="solid"/>
-            </a:ln>
-          </c:spPr>
-          <c:marker>
-            <c:spPr>
-              <a:solidFill>
-                <a:srgbClr val="4F81BD"/>
-              </a:solidFill>
-              <a:ln>
-                <a:solidFill>
-                  <a:srgbClr val="666699"/>
-                </a:solidFill>
-                <a:prstDash val="solid"/>
-              </a:ln>
-            </c:spPr>
-          </c:marker>
-          <c:cat>
-            <c:strRef>
-              <c:f>Sheet2!$B$4:$H$4</c:f>
-              <c:strCache>
-                <c:ptCount val="7"/>
-                <c:pt idx="0">
-                  <c:v>ClustalW</c:v>
-                </c:pt>
-                <c:pt idx="1">
-                  <c:v>WUBlast/NCBIBlast</c:v>
-                </c:pt>
-                <c:pt idx="2">
-                  <c:v>T-Coffee</c:v>
-                </c:pt>
-                <c:pt idx="3">
-                  <c:v>SingalPeptide</c:v>
-                </c:pt>
-                <c:pt idx="4">
-                  <c:v>FetchBatch</c:v>
-                </c:pt>
-                <c:pt idx="5">
-                  <c:v>GenesbyTextSearch</c:v>
-                </c:pt>
-                <c:pt idx="6">
-                  <c:v>GenesbyLocation</c:v>
-                </c:pt>
-              </c:strCache>
-            </c:strRef>
-          </c:cat>
-          <c:val>
-            <c:numRef>
-              <c:f>Sheet2!$B$5:$H$5</c:f>
-              <c:numCache>
-                <c:formatCode>General</c:formatCode>
-                <c:ptCount val="7"/>
-                <c:pt idx="0">
-                  <c:v>61.0</c:v>
-                </c:pt>
-                <c:pt idx="1">
-                  <c:v>25.0</c:v>
-                </c:pt>
-                <c:pt idx="2">
-                  <c:v>1.0</c:v>
-                </c:pt>
-                <c:pt idx="3">
-                  <c:v>10.0</c:v>
-                </c:pt>
-                <c:pt idx="4">
-                  <c:v>7.0</c:v>
-                </c:pt>
-                <c:pt idx="5">
-                  <c:v>5.0</c:v>
-                </c:pt>
-                <c:pt idx="6">
-                  <c:v>3.0</c:v>
-                </c:pt>
-              </c:numCache>
-            </c:numRef>
-          </c:val>
-        </c:ser>
-        <c:marker val="1"/>
-        <c:axId val="70087144"/>
-        <c:axId val="70093224"/>
-      </c:lineChart>
-      <c:catAx>
-        <c:axId val="70087144"/>
-        <c:scaling>
-          <c:orientation val="minMax"/>
-        </c:scaling>
-        <c:axPos val="b"/>
-        <c:numFmt formatCode="General" sourceLinked="1"/>
-        <c:tickLblPos val="nextTo"/>
-        <c:spPr>
-          <a:ln w="3175">
-            <a:solidFill>
-              <a:srgbClr val="808080"/>
-            </a:solidFill>
-            <a:prstDash val="solid"/>
-          </a:ln>
-        </c:spPr>
-        <c:crossAx val="70093224"/>
-        <c:crosses val="autoZero"/>
-        <c:auto val="1"/>
-        <c:lblAlgn val="ctr"/>
-        <c:lblOffset val="100"/>
-      </c:catAx>
-      <c:valAx>
-        <c:axId val="70093224"/>
-        <c:scaling>
-          <c:orientation val="minMax"/>
-        </c:scaling>
-        <c:axPos val="l"/>
-        <c:majorGridlines>
-          <c:spPr>
-            <a:ln w="3175">
-              <a:solidFill>
-                <a:srgbClr val="808080"/>
-              </a:solidFill>
-              <a:prstDash val="solid"/>
-            </a:ln>
-          </c:spPr>
-        </c:majorGridlines>
-        <c:numFmt formatCode="General" sourceLinked="1"/>
-        <c:tickLblPos val="nextTo"/>
-        <c:spPr>
-          <a:ln w="3175">
-            <a:solidFill>
-              <a:srgbClr val="808080"/>
-            </a:solidFill>
-            <a:prstDash val="solid"/>
-          </a:ln>
-        </c:spPr>
-        <c:crossAx val="70087144"/>
-        <c:crosses val="autoZero"/>
-        <c:crossBetween val="between"/>
-      </c:valAx>
-      <c:spPr>
-        <a:solidFill>
-          <a:srgbClr val="FFFFFF"/>
-        </a:solidFill>
-        <a:ln w="25400">
-          <a:noFill/>
-        </a:ln>
-      </c:spPr>
-    </c:plotArea>
-    <c:legend>
-      <c:legendPos val="r"/>
-      <c:layout>
-        <c:manualLayout>
-          <c:xMode val="edge"/>
-          <c:yMode val="edge"/>
-          <c:x val="0.665935415584799"/>
-          <c:y val="0.568646165758988"/>
-          <c:w val="0.325066779132919"/>
-          <c:h val="0.0784339538977916"/>
-        </c:manualLayout>
-      </c:layout>
-      <c:spPr>
-        <a:noFill/>
-        <a:ln w="25400">
-          <a:noFill/>
-        </a:ln>
-      </c:spPr>
-    </c:legend>
-    <c:plotVisOnly val="1"/>
-    <c:dispBlanksAs val="gap"/>
-  </c:chart>
-  <c:spPr>
-    <a:solidFill>
-      <a:srgbClr val="FFFFFF"/>
-    </a:solidFill>
-    <a:ln w="3175">
-      <a:solidFill>
-        <a:srgbClr val="808080"/>
-      </a:solidFill>
-      <a:prstDash val="solid"/>
-    </a:ln>
-  </c:spPr>
-  <c:txPr>
-    <a:bodyPr/>
-    <a:lstStyle/>
-    <a:p>
-      <a:pPr>
-        <a:defRPr sz="1600"/>
-      </a:pPr>
-      <a:endParaRPr lang="en-US"/>
-    </a:p>
-  </c:txPr>
-  <c:externalData r:id="rId2"/>
-</c:chartSpace>
-</file>
-
-<file path=ppt/charts/chart2.xml><?xml version="1.0" encoding="utf-8"?>
-<c:chartSpace xmlns:c="http://schemas.openxmlformats.org/drawingml/2006/chart" xmlns:a="http://schemas.openxmlformats.org/drawingml/2006/main" xmlns:r="http://schemas.openxmlformats.org/officeDocument/2006/relationships">
-  <c:date1904 val="1"/>
-  <c:lang val="en-US"/>
-  <c:style val="2"/>
-  <c:clrMapOvr bg1="lt1" tx1="dk1" bg2="lt2" tx2="dk2" accent1="accent1" accent2="accent2" accent3="accent3" accent4="accent4" accent5="accent5" accent6="accent6" hlink="hlink" folHlink="folHlink"/>
-  <c:chart>
-    <c:plotArea>
-      <c:layout/>
-      <c:lineChart>
-        <c:grouping val="standard"/>
-        <c:ser>
-          <c:idx val="0"/>
-          <c:order val="0"/>
-          <c:tx>
-            <c:strRef>
-              <c:f>Sheet1!$B$4</c:f>
-              <c:strCache>
-                <c:ptCount val="1"/>
-                <c:pt idx="0">
-                  <c:v>OBI</c:v>
-                </c:pt>
-              </c:strCache>
-            </c:strRef>
-          </c:tx>
-          <c:spPr>
-            <a:ln w="25400">
-              <a:solidFill>
-                <a:srgbClr val="666699"/>
-              </a:solidFill>
-              <a:prstDash val="solid"/>
-            </a:ln>
-          </c:spPr>
-          <c:marker>
-            <c:spPr>
-              <a:solidFill>
-                <a:srgbClr val="4F81BD"/>
-              </a:solidFill>
-              <a:ln>
-                <a:solidFill>
-                  <a:srgbClr val="666699"/>
-                </a:solidFill>
-                <a:prstDash val="solid"/>
-              </a:ln>
-            </c:spPr>
-          </c:marker>
-          <c:cat>
-            <c:strRef>
-              <c:f>Sheet1!$A$5:$A$8</c:f>
-              <c:strCache>
-                <c:ptCount val="4"/>
-                <c:pt idx="0">
-                  <c:v>CASE 1</c:v>
-                </c:pt>
-                <c:pt idx="1">
-                  <c:v>CASE 2</c:v>
-                </c:pt>
-                <c:pt idx="2">
-                  <c:v>CASE 3</c:v>
-                </c:pt>
-                <c:pt idx="3">
-                  <c:v>CASE 4</c:v>
-                </c:pt>
-              </c:strCache>
-            </c:strRef>
-          </c:cat>
-          <c:val>
-            <c:numRef>
-              <c:f>Sheet1!$B$5:$B$8</c:f>
-              <c:numCache>
-                <c:formatCode>General</c:formatCode>
-                <c:ptCount val="4"/>
-                <c:pt idx="0">
-                  <c:v>0.3307</c:v>
-                </c:pt>
-                <c:pt idx="1">
-                  <c:v>0.3577</c:v>
-                </c:pt>
-                <c:pt idx="2">
-                  <c:v>0.1199</c:v>
-                </c:pt>
-                <c:pt idx="3">
-                  <c:v>0.3307</c:v>
-                </c:pt>
-              </c:numCache>
-            </c:numRef>
-          </c:val>
-        </c:ser>
-        <c:ser>
-          <c:idx val="1"/>
-          <c:order val="1"/>
-          <c:tx>
-            <c:strRef>
-              <c:f>Sheet1!$C$4</c:f>
-              <c:strCache>
-                <c:ptCount val="1"/>
-                <c:pt idx="0">
-                  <c:v>EDAM</c:v>
-                </c:pt>
-              </c:strCache>
-            </c:strRef>
-          </c:tx>
-          <c:spPr>
-            <a:ln w="25400">
-              <a:solidFill>
-                <a:srgbClr val="993366"/>
-              </a:solidFill>
-              <a:prstDash val="solid"/>
-            </a:ln>
-          </c:spPr>
-          <c:marker>
-            <c:spPr>
-              <a:solidFill>
-                <a:srgbClr val="C0504D"/>
-              </a:solidFill>
-              <a:ln>
-                <a:solidFill>
-                  <a:srgbClr val="993366"/>
-                </a:solidFill>
-                <a:prstDash val="solid"/>
-              </a:ln>
-            </c:spPr>
-          </c:marker>
-          <c:cat>
-            <c:strRef>
-              <c:f>Sheet1!$A$5:$A$8</c:f>
-              <c:strCache>
-                <c:ptCount val="4"/>
-                <c:pt idx="0">
-                  <c:v>CASE 1</c:v>
-                </c:pt>
-                <c:pt idx="1">
-                  <c:v>CASE 2</c:v>
-                </c:pt>
-                <c:pt idx="2">
-                  <c:v>CASE 3</c:v>
-                </c:pt>
-                <c:pt idx="3">
-                  <c:v>CASE 4</c:v>
-                </c:pt>
-              </c:strCache>
-            </c:strRef>
-          </c:cat>
-          <c:val>
-            <c:numRef>
-              <c:f>Sheet1!$C$5:$C$8</c:f>
-              <c:numCache>
-                <c:formatCode>General</c:formatCode>
-                <c:ptCount val="4"/>
-                <c:pt idx="0">
-                  <c:v>0.2515</c:v>
-                </c:pt>
-                <c:pt idx="1">
-                  <c:v>0.18</c:v>
-                </c:pt>
-                <c:pt idx="2">
-                  <c:v>0.0941</c:v>
-                </c:pt>
-                <c:pt idx="3">
-                  <c:v>0.2515</c:v>
-                </c:pt>
-              </c:numCache>
-            </c:numRef>
-          </c:val>
-        </c:ser>
-        <c:marker val="1"/>
-        <c:axId val="70216952"/>
-        <c:axId val="70222200"/>
-      </c:lineChart>
-      <c:catAx>
-        <c:axId val="70216952"/>
-        <c:scaling>
-          <c:orientation val="minMax"/>
-        </c:scaling>
-        <c:axPos val="b"/>
-        <c:numFmt formatCode="General" sourceLinked="1"/>
-        <c:tickLblPos val="nextTo"/>
-        <c:spPr>
-          <a:ln w="3175">
-            <a:solidFill>
-              <a:srgbClr val="808080"/>
-            </a:solidFill>
-            <a:prstDash val="solid"/>
-          </a:ln>
-        </c:spPr>
-        <c:crossAx val="70222200"/>
-        <c:crosses val="autoZero"/>
-        <c:auto val="1"/>
-        <c:lblAlgn val="ctr"/>
-        <c:lblOffset val="100"/>
-      </c:catAx>
-      <c:valAx>
-        <c:axId val="70222200"/>
-        <c:scaling>
-          <c:orientation val="minMax"/>
-        </c:scaling>
-        <c:axPos val="l"/>
-        <c:majorGridlines>
-          <c:spPr>
-            <a:ln w="3175">
-              <a:solidFill>
-                <a:srgbClr val="808080"/>
-              </a:solidFill>
-              <a:prstDash val="solid"/>
-            </a:ln>
-          </c:spPr>
-        </c:majorGridlines>
-        <c:numFmt formatCode="General" sourceLinked="1"/>
-        <c:tickLblPos val="nextTo"/>
-        <c:spPr>
-          <a:ln w="3175">
-            <a:solidFill>
-              <a:srgbClr val="808080"/>
-            </a:solidFill>
-            <a:prstDash val="solid"/>
-          </a:ln>
-        </c:spPr>
-        <c:crossAx val="70216952"/>
-        <c:crosses val="autoZero"/>
-        <c:crossBetween val="between"/>
-      </c:valAx>
-      <c:spPr>
-        <a:solidFill>
-          <a:srgbClr val="FFFFFF"/>
-        </a:solidFill>
-        <a:ln w="25400">
-          <a:noFill/>
-        </a:ln>
-      </c:spPr>
-    </c:plotArea>
-    <c:legend>
-      <c:legendPos val="r"/>
-      <c:layout>
-        <c:manualLayout>
-          <c:xMode val="edge"/>
-          <c:yMode val="edge"/>
-          <c:x val="0.820614018835881"/>
-          <c:y val="0.465700555812877"/>
-          <c:w val="0.173815013456255"/>
-          <c:h val="0.156867907795583"/>
-        </c:manualLayout>
-      </c:layout>
-      <c:spPr>
-        <a:noFill/>
-        <a:ln w="25400">
-          <a:noFill/>
-        </a:ln>
-      </c:spPr>
-    </c:legend>
-    <c:plotVisOnly val="1"/>
-    <c:dispBlanksAs val="gap"/>
-  </c:chart>
-  <c:spPr>
-    <a:solidFill>
-      <a:srgbClr val="FFFFFF"/>
-    </a:solidFill>
-    <a:ln w="3175">
-      <a:solidFill>
-        <a:srgbClr val="808080"/>
-      </a:solidFill>
-      <a:prstDash val="solid"/>
-    </a:ln>
-  </c:spPr>
-  <c:txPr>
-    <a:bodyPr/>
-    <a:lstStyle/>
-    <a:p>
-      <a:pPr>
-        <a:defRPr sz="1400" b="1"/>
-      </a:pPr>
-      <a:endParaRPr lang="en-US"/>
-    </a:p>
-  </c:txPr>
-  <c:externalData r:id="rId2"/>
-</c:chartSpace>
-</file>
-
 <file path=ppt/notesMasters/notesMaster1.xml><?xml version="1.0" encoding="utf-8"?>
-<p:notesMaster xmlns:a="http://schemas.openxmlformats.org/drawingml/2006/main" xmlns:r="http://schemas.openxmlformats.org/officeDocument/2006/relationships" xmlns:mc="http://schemas.openxmlformats.org/markup-compatibility/2006" xmlns:mv="urn:schemas-microsoft-com:mac:vml" xmlns:p="http://schemas.openxmlformats.org/presentationml/2006/main" mc:Ignorable="mv" mc:PreserveAttributes="mv:*">
+<p:notesMaster xmlns:a="http://schemas.openxmlformats.org/drawingml/2006/main" xmlns:r="http://schemas.openxmlformats.org/officeDocument/2006/relationships" xmlns:p="http://schemas.openxmlformats.org/presentationml/2006/main">
   <p:cSld>
     <p:bg>
       <p:bgRef idx="1001">
@@ -717,7 +207,7 @@
             <a:fld id="{7529D5DD-6BA8-4D5D-A14B-F8359733B242}" type="datetimeFigureOut">
               <a:rPr lang="en-US" smtClean="0"/>
               <a:pPr/>
-              <a:t>10/7/11</a:t>
+              <a:t>10/7/2011</a:t>
             </a:fld>
             <a:endParaRPr lang="en-US"/>
           </a:p>
@@ -984,7 +474,7 @@
 </file>
 
 <file path=ppt/notesSlides/notesSlide1.xml><?xml version="1.0" encoding="utf-8"?>
-<p:notes xmlns:a="http://schemas.openxmlformats.org/drawingml/2006/main" xmlns:r="http://schemas.openxmlformats.org/officeDocument/2006/relationships" xmlns:mc="http://schemas.openxmlformats.org/markup-compatibility/2006" xmlns:mv="urn:schemas-microsoft-com:mac:vml" xmlns:p="http://schemas.openxmlformats.org/presentationml/2006/main" mc:Ignorable="mv" mc:PreserveAttributes="mv:*">
+<p:notes xmlns:a="http://schemas.openxmlformats.org/drawingml/2006/main" xmlns:r="http://schemas.openxmlformats.org/officeDocument/2006/relationships" xmlns:p="http://schemas.openxmlformats.org/presentationml/2006/main">
   <p:cSld>
     <p:spTree>
       <p:nvGrpSpPr>
@@ -1074,7 +564,7 @@
 </file>
 
 <file path=ppt/notesSlides/notesSlide2.xml><?xml version="1.0" encoding="utf-8"?>
-<p:notes xmlns:a="http://schemas.openxmlformats.org/drawingml/2006/main" xmlns:r="http://schemas.openxmlformats.org/officeDocument/2006/relationships" xmlns:mc="http://schemas.openxmlformats.org/markup-compatibility/2006" xmlns:mv="urn:schemas-microsoft-com:mac:vml" xmlns:p="http://schemas.openxmlformats.org/presentationml/2006/main" mc:Ignorable="mv" mc:PreserveAttributes="mv:*">
+<p:notes xmlns:a="http://schemas.openxmlformats.org/drawingml/2006/main" xmlns:r="http://schemas.openxmlformats.org/officeDocument/2006/relationships" xmlns:p="http://schemas.openxmlformats.org/presentationml/2006/main">
   <p:cSld>
     <p:spTree>
       <p:nvGrpSpPr>
@@ -1237,7 +727,7 @@
 </file>
 
 <file path=ppt/notesSlides/notesSlide3.xml><?xml version="1.0" encoding="utf-8"?>
-<p:notes xmlns:a="http://schemas.openxmlformats.org/drawingml/2006/main" xmlns:r="http://schemas.openxmlformats.org/officeDocument/2006/relationships" xmlns:mc="http://schemas.openxmlformats.org/markup-compatibility/2006" xmlns:mv="urn:schemas-microsoft-com:mac:vml" xmlns:p="http://schemas.openxmlformats.org/presentationml/2006/main" mc:Ignorable="mv" mc:PreserveAttributes="mv:*">
+<p:notes xmlns:a="http://schemas.openxmlformats.org/drawingml/2006/main" xmlns:r="http://schemas.openxmlformats.org/officeDocument/2006/relationships" xmlns:p="http://schemas.openxmlformats.org/presentationml/2006/main">
   <p:cSld>
     <p:spTree>
       <p:nvGrpSpPr>
@@ -1327,7 +817,7 @@
 </file>
 
 <file path=ppt/notesSlides/notesSlide4.xml><?xml version="1.0" encoding="utf-8"?>
-<p:notes xmlns:a="http://schemas.openxmlformats.org/drawingml/2006/main" xmlns:r="http://schemas.openxmlformats.org/officeDocument/2006/relationships" xmlns:mc="http://schemas.openxmlformats.org/markup-compatibility/2006" xmlns:mv="urn:schemas-microsoft-com:mac:vml" xmlns:p="http://schemas.openxmlformats.org/presentationml/2006/main" mc:Ignorable="mv" mc:PreserveAttributes="mv:*">
+<p:notes xmlns:a="http://schemas.openxmlformats.org/drawingml/2006/main" xmlns:r="http://schemas.openxmlformats.org/officeDocument/2006/relationships" xmlns:p="http://schemas.openxmlformats.org/presentationml/2006/main">
   <p:cSld>
     <p:spTree>
       <p:nvGrpSpPr>
@@ -1416,482 +906,8 @@
 </p:notes>
 </file>
 
-<file path=ppt/notesSlides/notesSlide5.xml><?xml version="1.0" encoding="utf-8"?>
-<p:notes xmlns:a="http://schemas.openxmlformats.org/drawingml/2006/main" xmlns:r="http://schemas.openxmlformats.org/officeDocument/2006/relationships" xmlns:mc="http://schemas.openxmlformats.org/markup-compatibility/2006" xmlns:mv="urn:schemas-microsoft-com:mac:vml" xmlns:p="http://schemas.openxmlformats.org/presentationml/2006/main" mc:Ignorable="mv" mc:PreserveAttributes="mv:*">
-  <p:cSld>
-    <p:spTree>
-      <p:nvGrpSpPr>
-        <p:cNvPr id="1" name=""/>
-        <p:cNvGrpSpPr/>
-        <p:nvPr/>
-      </p:nvGrpSpPr>
-      <p:grpSpPr>
-        <a:xfrm>
-          <a:off x="0" y="0"/>
-          <a:ext cx="0" cy="0"/>
-          <a:chOff x="0" y="0"/>
-          <a:chExt cx="0" cy="0"/>
-        </a:xfrm>
-      </p:grpSpPr>
-      <p:sp>
-        <p:nvSpPr>
-          <p:cNvPr id="2" name="Slide Image Placeholder 1"/>
-          <p:cNvSpPr>
-            <a:spLocks noGrp="1" noRot="1" noChangeAspect="1"/>
-          </p:cNvSpPr>
-          <p:nvPr>
-            <p:ph type="sldImg"/>
-          </p:nvPr>
-        </p:nvSpPr>
-        <p:spPr/>
-      </p:sp>
-      <p:sp>
-        <p:nvSpPr>
-          <p:cNvPr id="3" name="Notes Placeholder 2"/>
-          <p:cNvSpPr>
-            <a:spLocks noGrp="1"/>
-          </p:cNvSpPr>
-          <p:nvPr>
-            <p:ph type="body" idx="1"/>
-          </p:nvPr>
-        </p:nvSpPr>
-        <p:spPr/>
-        <p:txBody>
-          <a:bodyPr>
-            <a:normAutofit/>
-          </a:bodyPr>
-          <a:lstStyle/>
-          <a:p>
-            <a:pPr marL="228600" indent="-228600">
-              <a:buAutoNum type="arabicPeriod"/>
-            </a:pPr>
-            <a:r>
-              <a:rPr lang="en-US" dirty="0" smtClean="0"/>
-              <a:t>Suggest</a:t>
-            </a:r>
-            <a:r>
-              <a:rPr lang="en-US" baseline="0" dirty="0" smtClean="0"/>
-              <a:t> what?</a:t>
-            </a:r>
-          </a:p>
-          <a:p>
-            <a:pPr marL="228600" indent="-228600">
-              <a:buAutoNum type="arabicPeriod"/>
-            </a:pPr>
-            <a:r>
-              <a:rPr lang="en-US" baseline="0" dirty="0" smtClean="0"/>
-              <a:t>What case1-4 mean?</a:t>
-            </a:r>
-          </a:p>
-          <a:p>
-            <a:pPr marL="228600" indent="-228600">
-              <a:buAutoNum type="arabicPeriod"/>
-            </a:pPr>
-            <a:r>
-              <a:rPr lang="en-US" baseline="0" dirty="0" smtClean="0"/>
-              <a:t>What’s the score of no extra annotation</a:t>
-            </a:r>
-          </a:p>
-          <a:p>
-            <a:pPr marL="228600" indent="-228600">
-              <a:buAutoNum type="arabicPeriod"/>
-            </a:pPr>
-            <a:r>
-              <a:rPr lang="en-US" baseline="0" dirty="0" smtClean="0"/>
-              <a:t>What components are annotated?</a:t>
-            </a:r>
-          </a:p>
-          <a:p>
-            <a:pPr marL="228600" indent="-228600">
-              <a:buAutoNum type="arabicPeriod"/>
-            </a:pPr>
-            <a:r>
-              <a:rPr lang="en-US" dirty="0" smtClean="0"/>
-              <a:t>Case 1:</a:t>
-            </a:r>
-            <a:br>
-              <a:rPr lang="en-US" dirty="0" smtClean="0"/>
-            </a:br>
-            <a:r>
-              <a:rPr lang="en-US" dirty="0" smtClean="0"/>
-              <a:t>suggestion score for: </a:t>
-            </a:r>
-            <a:r>
-              <a:rPr lang="en-US" dirty="0" err="1" smtClean="0"/>
-              <a:t>getResult</a:t>
-            </a:r>
-            <a:r>
-              <a:rPr lang="en-US" dirty="0" smtClean="0"/>
-              <a:t> operation of WUBLAST Web Service</a:t>
-            </a:r>
-            <a:br>
-              <a:rPr lang="en-US" dirty="0" smtClean="0"/>
-            </a:br>
-            <a:r>
-              <a:rPr lang="en-US" dirty="0" smtClean="0"/>
-              <a:t>Previous Operation: run </a:t>
-            </a:r>
-            <a:r>
-              <a:rPr lang="en-US" dirty="0" err="1" smtClean="0"/>
-              <a:t>WUblast</a:t>
-            </a:r>
-            <a:r>
-              <a:rPr lang="en-US" dirty="0" smtClean="0"/>
-              <a:t>() operation WUBLAST Web Service</a:t>
-            </a:r>
-            <a:br>
-              <a:rPr lang="en-US" dirty="0" smtClean="0"/>
-            </a:br>
-            <a:r>
-              <a:rPr lang="en-US" dirty="0" smtClean="0"/>
-              <a:t>Case 2:</a:t>
-            </a:r>
-            <a:br>
-              <a:rPr lang="en-US" dirty="0" smtClean="0"/>
-            </a:br>
-            <a:r>
-              <a:rPr lang="en-US" dirty="0" smtClean="0"/>
-              <a:t>Suggestion score for operation: </a:t>
-            </a:r>
-            <a:r>
-              <a:rPr lang="en-US" dirty="0" err="1" smtClean="0"/>
-              <a:t>fetchBatch</a:t>
-            </a:r>
-            <a:r>
-              <a:rPr lang="en-US" dirty="0" smtClean="0"/>
-              <a:t>() of web service </a:t>
-            </a:r>
-            <a:r>
-              <a:rPr lang="en-US" dirty="0" err="1" smtClean="0"/>
-              <a:t>WSDBFetch</a:t>
-            </a:r>
-            <a:r>
-              <a:rPr lang="en-US" dirty="0" smtClean="0"/>
-              <a:t/>
-            </a:r>
-            <a:br>
-              <a:rPr lang="en-US" dirty="0" smtClean="0"/>
-            </a:br>
-            <a:r>
-              <a:rPr lang="en-US" dirty="0" smtClean="0"/>
-              <a:t>Previous Operation: </a:t>
-            </a:r>
-            <a:r>
-              <a:rPr lang="en-US" dirty="0" err="1" smtClean="0"/>
-              <a:t>GetResult</a:t>
-            </a:r>
-            <a:r>
-              <a:rPr lang="en-US" dirty="0" smtClean="0"/>
-              <a:t> of </a:t>
-            </a:r>
-            <a:r>
-              <a:rPr lang="en-US" dirty="0" err="1" smtClean="0"/>
-              <a:t>WUBlast</a:t>
-            </a:r>
-            <a:r>
-              <a:rPr lang="en-US" dirty="0" smtClean="0"/>
-              <a:t> Web Service</a:t>
-            </a:r>
-            <a:br>
-              <a:rPr lang="en-US" dirty="0" smtClean="0"/>
-            </a:br>
-            <a:r>
-              <a:rPr lang="en-US" dirty="0" smtClean="0"/>
-              <a:t>Case 3:</a:t>
-            </a:r>
-            <a:br>
-              <a:rPr lang="en-US" dirty="0" smtClean="0"/>
-            </a:br>
-            <a:r>
-              <a:rPr lang="en-US" dirty="0" smtClean="0"/>
-              <a:t>Suggestion score for operation run </a:t>
-            </a:r>
-            <a:r>
-              <a:rPr lang="en-US" dirty="0" err="1" smtClean="0"/>
-              <a:t>ClustalW</a:t>
-            </a:r>
-            <a:r>
-              <a:rPr lang="en-US" dirty="0" smtClean="0"/>
-              <a:t>() of ClustalW2 Web service</a:t>
-            </a:r>
-            <a:br>
-              <a:rPr lang="en-US" dirty="0" smtClean="0"/>
-            </a:br>
-            <a:r>
-              <a:rPr lang="en-US" dirty="0" smtClean="0"/>
-              <a:t>Previous operation: </a:t>
-            </a:r>
-            <a:r>
-              <a:rPr lang="en-US" dirty="0" err="1" smtClean="0"/>
-              <a:t>fetchBatch</a:t>
-            </a:r>
-            <a:r>
-              <a:rPr lang="en-US" dirty="0" smtClean="0"/>
-              <a:t>() of </a:t>
-            </a:r>
-            <a:r>
-              <a:rPr lang="en-US" dirty="0" err="1" smtClean="0"/>
-              <a:t>WSDBFetch</a:t>
-            </a:r>
-            <a:r>
-              <a:rPr lang="en-US" dirty="0" smtClean="0"/>
-              <a:t> web service</a:t>
-            </a:r>
-            <a:br>
-              <a:rPr lang="en-US" dirty="0" smtClean="0"/>
-            </a:br>
-            <a:r>
-              <a:rPr lang="en-US" dirty="0" smtClean="0"/>
-              <a:t>case 4:</a:t>
-            </a:r>
-            <a:br>
-              <a:rPr lang="en-US" dirty="0" smtClean="0"/>
-            </a:br>
-            <a:r>
-              <a:rPr lang="en-US" dirty="0" smtClean="0"/>
-              <a:t>Suggestion Score for operation: </a:t>
-            </a:r>
-            <a:r>
-              <a:rPr lang="en-US" dirty="0" err="1" smtClean="0"/>
-              <a:t>getResult</a:t>
-            </a:r>
-            <a:r>
-              <a:rPr lang="en-US" dirty="0" smtClean="0"/>
-              <a:t>() of ClustalW2 Web Service</a:t>
-            </a:r>
-            <a:br>
-              <a:rPr lang="en-US" dirty="0" smtClean="0"/>
-            </a:br>
-            <a:r>
-              <a:rPr lang="en-US" dirty="0" smtClean="0"/>
-              <a:t>Previous operation : run </a:t>
-            </a:r>
-            <a:r>
-              <a:rPr lang="en-US" dirty="0" err="1" smtClean="0"/>
-              <a:t>ClustalW</a:t>
-            </a:r>
-            <a:r>
-              <a:rPr lang="en-US" dirty="0" smtClean="0"/>
-              <a:t>() of ClustalW2 Web service</a:t>
-            </a:r>
-            <a:endParaRPr lang="en-US" baseline="0" dirty="0" smtClean="0"/>
-          </a:p>
-        </p:txBody>
-      </p:sp>
-      <p:sp>
-        <p:nvSpPr>
-          <p:cNvPr id="4" name="Slide Number Placeholder 3"/>
-          <p:cNvSpPr>
-            <a:spLocks noGrp="1"/>
-          </p:cNvSpPr>
-          <p:nvPr>
-            <p:ph type="sldNum" sz="quarter" idx="10"/>
-          </p:nvPr>
-        </p:nvSpPr>
-        <p:spPr/>
-        <p:txBody>
-          <a:bodyPr/>
-          <a:lstStyle/>
-          <a:p>
-            <a:fld id="{408AD87C-5D51-439C-AA56-8571DE7E0252}" type="slidenum">
-              <a:rPr lang="en-US" smtClean="0"/>
-              <a:pPr/>
-              <a:t>16</a:t>
-            </a:fld>
-            <a:endParaRPr lang="en-US"/>
-          </a:p>
-        </p:txBody>
-      </p:sp>
-    </p:spTree>
-  </p:cSld>
-  <p:clrMapOvr>
-    <a:masterClrMapping/>
-  </p:clrMapOvr>
-</p:notes>
-</file>
-
-<file path=ppt/notesSlides/notesSlide6.xml><?xml version="1.0" encoding="utf-8"?>
-<p:notes xmlns:a="http://schemas.openxmlformats.org/drawingml/2006/main" xmlns:r="http://schemas.openxmlformats.org/officeDocument/2006/relationships" xmlns:mc="http://schemas.openxmlformats.org/markup-compatibility/2006" xmlns:mv="urn:schemas-microsoft-com:mac:vml" xmlns:p="http://schemas.openxmlformats.org/presentationml/2006/main" mc:Ignorable="mv" mc:PreserveAttributes="mv:*">
-  <p:cSld>
-    <p:spTree>
-      <p:nvGrpSpPr>
-        <p:cNvPr id="1" name=""/>
-        <p:cNvGrpSpPr/>
-        <p:nvPr/>
-      </p:nvGrpSpPr>
-      <p:grpSpPr>
-        <a:xfrm>
-          <a:off x="0" y="0"/>
-          <a:ext cx="0" cy="0"/>
-          <a:chOff x="0" y="0"/>
-          <a:chExt cx="0" cy="0"/>
-        </a:xfrm>
-      </p:grpSpPr>
-      <p:sp>
-        <p:nvSpPr>
-          <p:cNvPr id="2" name="Slide Image Placeholder 1"/>
-          <p:cNvSpPr>
-            <a:spLocks noGrp="1" noRot="1" noChangeAspect="1"/>
-          </p:cNvSpPr>
-          <p:nvPr>
-            <p:ph type="sldImg"/>
-          </p:nvPr>
-        </p:nvSpPr>
-        <p:spPr/>
-      </p:sp>
-      <p:sp>
-        <p:nvSpPr>
-          <p:cNvPr id="3" name="Notes Placeholder 2"/>
-          <p:cNvSpPr>
-            <a:spLocks noGrp="1"/>
-          </p:cNvSpPr>
-          <p:nvPr>
-            <p:ph type="body" idx="1"/>
-          </p:nvPr>
-        </p:nvSpPr>
-        <p:spPr/>
-        <p:txBody>
-          <a:bodyPr>
-            <a:normAutofit/>
-          </a:bodyPr>
-          <a:lstStyle/>
-          <a:p>
-            <a:r>
-              <a:rPr lang="en-US" dirty="0" smtClean="0"/>
-              <a:t>Validate</a:t>
-            </a:r>
-            <a:r>
-              <a:rPr lang="en-US" baseline="0" dirty="0" smtClean="0"/>
-              <a:t> whether annotations using OBI terms help in workflow creation (discovery + suggestion)</a:t>
-            </a:r>
-            <a:endParaRPr lang="en-US" dirty="0"/>
-          </a:p>
-        </p:txBody>
-      </p:sp>
-      <p:sp>
-        <p:nvSpPr>
-          <p:cNvPr id="4" name="Slide Number Placeholder 3"/>
-          <p:cNvSpPr>
-            <a:spLocks noGrp="1"/>
-          </p:cNvSpPr>
-          <p:nvPr>
-            <p:ph type="sldNum" sz="quarter" idx="10"/>
-          </p:nvPr>
-        </p:nvSpPr>
-        <p:spPr/>
-        <p:txBody>
-          <a:bodyPr/>
-          <a:lstStyle/>
-          <a:p>
-            <a:fld id="{408AD87C-5D51-439C-AA56-8571DE7E0252}" type="slidenum">
-              <a:rPr lang="en-US" smtClean="0"/>
-              <a:pPr/>
-              <a:t>19</a:t>
-            </a:fld>
-            <a:endParaRPr lang="en-US"/>
-          </a:p>
-        </p:txBody>
-      </p:sp>
-    </p:spTree>
-  </p:cSld>
-  <p:clrMapOvr>
-    <a:masterClrMapping/>
-  </p:clrMapOvr>
-</p:notes>
-</file>
-
-<file path=ppt/notesSlides/notesSlide7.xml><?xml version="1.0" encoding="utf-8"?>
-<p:notes xmlns:a="http://schemas.openxmlformats.org/drawingml/2006/main" xmlns:r="http://schemas.openxmlformats.org/officeDocument/2006/relationships" xmlns:mc="http://schemas.openxmlformats.org/markup-compatibility/2006" xmlns:mv="urn:schemas-microsoft-com:mac:vml" xmlns:p="http://schemas.openxmlformats.org/presentationml/2006/main" mc:Ignorable="mv" mc:PreserveAttributes="mv:*">
-  <p:cSld>
-    <p:spTree>
-      <p:nvGrpSpPr>
-        <p:cNvPr id="1" name=""/>
-        <p:cNvGrpSpPr/>
-        <p:nvPr/>
-      </p:nvGrpSpPr>
-      <p:grpSpPr>
-        <a:xfrm>
-          <a:off x="0" y="0"/>
-          <a:ext cx="0" cy="0"/>
-          <a:chOff x="0" y="0"/>
-          <a:chExt cx="0" cy="0"/>
-        </a:xfrm>
-      </p:grpSpPr>
-      <p:sp>
-        <p:nvSpPr>
-          <p:cNvPr id="2" name="Slide Image Placeholder 1"/>
-          <p:cNvSpPr>
-            <a:spLocks noGrp="1" noRot="1" noChangeAspect="1"/>
-          </p:cNvSpPr>
-          <p:nvPr>
-            <p:ph type="sldImg"/>
-          </p:nvPr>
-        </p:nvSpPr>
-        <p:spPr/>
-      </p:sp>
-      <p:sp>
-        <p:nvSpPr>
-          <p:cNvPr id="3" name="Notes Placeholder 2"/>
-          <p:cNvSpPr>
-            <a:spLocks noGrp="1"/>
-          </p:cNvSpPr>
-          <p:nvPr>
-            <p:ph type="body" idx="1"/>
-          </p:nvPr>
-        </p:nvSpPr>
-        <p:spPr/>
-        <p:txBody>
-          <a:bodyPr>
-            <a:normAutofit/>
-          </a:bodyPr>
-          <a:lstStyle/>
-          <a:p>
-            <a:r>
-              <a:rPr lang="en-US" dirty="0" smtClean="0"/>
-              <a:t>Validate</a:t>
-            </a:r>
-            <a:r>
-              <a:rPr lang="en-US" baseline="0" dirty="0" smtClean="0"/>
-              <a:t> whether annotations using OBI terms help in workflow creation (discovery + suggestion)</a:t>
-            </a:r>
-            <a:endParaRPr lang="en-US" dirty="0"/>
-          </a:p>
-        </p:txBody>
-      </p:sp>
-      <p:sp>
-        <p:nvSpPr>
-          <p:cNvPr id="4" name="Slide Number Placeholder 3"/>
-          <p:cNvSpPr>
-            <a:spLocks noGrp="1"/>
-          </p:cNvSpPr>
-          <p:nvPr>
-            <p:ph type="sldNum" sz="quarter" idx="10"/>
-          </p:nvPr>
-        </p:nvSpPr>
-        <p:spPr/>
-        <p:txBody>
-          <a:bodyPr/>
-          <a:lstStyle/>
-          <a:p>
-            <a:fld id="{408AD87C-5D51-439C-AA56-8571DE7E0252}" type="slidenum">
-              <a:rPr lang="en-US" smtClean="0"/>
-              <a:pPr/>
-              <a:t>20</a:t>
-            </a:fld>
-            <a:endParaRPr lang="en-US"/>
-          </a:p>
-        </p:txBody>
-      </p:sp>
-    </p:spTree>
-  </p:cSld>
-  <p:clrMapOvr>
-    <a:masterClrMapping/>
-  </p:clrMapOvr>
-</p:notes>
-</file>
-
 <file path=ppt/slideLayouts/slideLayout1.xml><?xml version="1.0" encoding="utf-8"?>
-<p:sldLayout xmlns:a="http://schemas.openxmlformats.org/drawingml/2006/main" xmlns:r="http://schemas.openxmlformats.org/officeDocument/2006/relationships" xmlns:mc="http://schemas.openxmlformats.org/markup-compatibility/2006" xmlns:mv="urn:schemas-microsoft-com:mac:vml" xmlns:p="http://schemas.openxmlformats.org/presentationml/2006/main" mc:Ignorable="mv" mc:PreserveAttributes="mv:*" showMasterSp="0" preserve="1">
+<p:sldLayout xmlns:a="http://schemas.openxmlformats.org/drawingml/2006/main" xmlns:r="http://schemas.openxmlformats.org/officeDocument/2006/relationships" xmlns:p="http://schemas.openxmlformats.org/presentationml/2006/main" showMasterSp="0" preserve="1">
   <p:cSld name="Title Slide">
     <p:spTree>
       <p:nvGrpSpPr>
@@ -2700,7 +1716,7 @@
             <a:fld id="{45100C54-7F41-4D6B-9C82-1B119090B3F1}" type="datetime1">
               <a:rPr lang="en-US" smtClean="0"/>
               <a:pPr/>
-              <a:t>10/7/11</a:t>
+              <a:t>10/7/2011</a:t>
             </a:fld>
             <a:endParaRPr lang="en-US"/>
           </a:p>
@@ -2842,7 +1858,7 @@
 </file>
 
 <file path=ppt/slideLayouts/slideLayout10.xml><?xml version="1.0" encoding="utf-8"?>
-<p:sldLayout xmlns:a="http://schemas.openxmlformats.org/drawingml/2006/main" xmlns:r="http://schemas.openxmlformats.org/officeDocument/2006/relationships" xmlns:mc="http://schemas.openxmlformats.org/markup-compatibility/2006" xmlns:mv="urn:schemas-microsoft-com:mac:vml" xmlns:p="http://schemas.openxmlformats.org/presentationml/2006/main" mc:Ignorable="mv" mc:PreserveAttributes="mv:*" type="titleOnly">
+<p:sldLayout xmlns:a="http://schemas.openxmlformats.org/drawingml/2006/main" xmlns:r="http://schemas.openxmlformats.org/officeDocument/2006/relationships" xmlns:p="http://schemas.openxmlformats.org/presentationml/2006/main" type="titleOnly">
   <p:cSld name="Title Only">
     <p:spTree>
       <p:nvGrpSpPr>
@@ -2899,7 +1915,7 @@
             <a:fld id="{DB592322-E853-4800-AFA6-346956673A1E}" type="datetime1">
               <a:rPr lang="en-US" smtClean="0"/>
               <a:pPr/>
-              <a:t>10/7/11</a:t>
+              <a:t>10/7/2011</a:t>
             </a:fld>
             <a:endParaRPr lang="en-US"/>
           </a:p>
@@ -2964,7 +1980,7 @@
 </file>
 
 <file path=ppt/slideLayouts/slideLayout11.xml><?xml version="1.0" encoding="utf-8"?>
-<p:sldLayout xmlns:a="http://schemas.openxmlformats.org/drawingml/2006/main" xmlns:r="http://schemas.openxmlformats.org/officeDocument/2006/relationships" xmlns:mc="http://schemas.openxmlformats.org/markup-compatibility/2006" xmlns:mv="urn:schemas-microsoft-com:mac:vml" xmlns:p="http://schemas.openxmlformats.org/presentationml/2006/main" mc:Ignorable="mv" mc:PreserveAttributes="mv:*" showMasterSp="0" type="title" preserve="1">
+<p:sldLayout xmlns:a="http://schemas.openxmlformats.org/drawingml/2006/main" xmlns:r="http://schemas.openxmlformats.org/officeDocument/2006/relationships" xmlns:p="http://schemas.openxmlformats.org/presentationml/2006/main" showMasterSp="0" type="title" preserve="1">
   <p:cSld name="Title Slide">
     <p:bg>
       <p:bgRef idx="1001">
@@ -3104,7 +2120,7 @@
             <a:fld id="{D99839FB-91BA-424A-A786-539BBBA791AB}" type="datetime1">
               <a:rPr lang="en-US" smtClean="0"/>
               <a:pPr/>
-              <a:t>10/7/11</a:t>
+              <a:t>10/7/2011</a:t>
             </a:fld>
             <a:endParaRPr lang="en-US"/>
           </a:p>
@@ -3916,7 +2932,7 @@
 </file>
 
 <file path=ppt/slideLayouts/slideLayout12.xml><?xml version="1.0" encoding="utf-8"?>
-<p:sldLayout xmlns:a="http://schemas.openxmlformats.org/drawingml/2006/main" xmlns:r="http://schemas.openxmlformats.org/officeDocument/2006/relationships" xmlns:mc="http://schemas.openxmlformats.org/markup-compatibility/2006" xmlns:mv="urn:schemas-microsoft-com:mac:vml" xmlns:p="http://schemas.openxmlformats.org/presentationml/2006/main" mc:Ignorable="mv" mc:PreserveAttributes="mv:*" type="obj" preserve="1">
+<p:sldLayout xmlns:a="http://schemas.openxmlformats.org/drawingml/2006/main" xmlns:r="http://schemas.openxmlformats.org/officeDocument/2006/relationships" xmlns:p="http://schemas.openxmlformats.org/presentationml/2006/main" type="obj" preserve="1">
   <p:cSld name="Title and Content">
     <p:spTree>
       <p:nvGrpSpPr>
@@ -4044,7 +3060,7 @@
             <a:fld id="{CED5FBA7-D063-44C9-98F5-A809AFCF82B6}" type="datetime1">
               <a:rPr lang="en-US" smtClean="0"/>
               <a:pPr/>
-              <a:t>10/7/11</a:t>
+              <a:t>10/7/2011</a:t>
             </a:fld>
             <a:endParaRPr lang="en-US"/>
           </a:p>
@@ -4145,7 +3161,7 @@
 </file>
 
 <file path=ppt/slideLayouts/slideLayout13.xml><?xml version="1.0" encoding="utf-8"?>
-<p:sldLayout xmlns:a="http://schemas.openxmlformats.org/drawingml/2006/main" xmlns:r="http://schemas.openxmlformats.org/officeDocument/2006/relationships" xmlns:mc="http://schemas.openxmlformats.org/markup-compatibility/2006" xmlns:mv="urn:schemas-microsoft-com:mac:vml" xmlns:p="http://schemas.openxmlformats.org/presentationml/2006/main" mc:Ignorable="mv" mc:PreserveAttributes="mv:*" showMasterSp="0" type="secHead" preserve="1">
+<p:sldLayout xmlns:a="http://schemas.openxmlformats.org/drawingml/2006/main" xmlns:r="http://schemas.openxmlformats.org/officeDocument/2006/relationships" xmlns:p="http://schemas.openxmlformats.org/presentationml/2006/main" showMasterSp="0" type="secHead" preserve="1">
   <p:cSld name="Section Header">
     <p:bg>
       <p:bgRef idx="1001">
@@ -4299,7 +3315,7 @@
             <a:fld id="{1EF6B16D-0F85-4B82-BE37-4375490CF6D7}" type="datetime1">
               <a:rPr lang="en-US" smtClean="0"/>
               <a:pPr/>
-              <a:t>10/7/11</a:t>
+              <a:t>10/7/2011</a:t>
             </a:fld>
             <a:endParaRPr lang="en-US"/>
           </a:p>
@@ -5065,7 +4081,7 @@
 </file>
 
 <file path=ppt/slideLayouts/slideLayout14.xml><?xml version="1.0" encoding="utf-8"?>
-<p:sldLayout xmlns:a="http://schemas.openxmlformats.org/drawingml/2006/main" xmlns:r="http://schemas.openxmlformats.org/officeDocument/2006/relationships" xmlns:mc="http://schemas.openxmlformats.org/markup-compatibility/2006" xmlns:mv="urn:schemas-microsoft-com:mac:vml" xmlns:p="http://schemas.openxmlformats.org/presentationml/2006/main" mc:Ignorable="mv" mc:PreserveAttributes="mv:*" type="twoObj" preserve="1">
+<p:sldLayout xmlns:a="http://schemas.openxmlformats.org/drawingml/2006/main" xmlns:r="http://schemas.openxmlformats.org/officeDocument/2006/relationships" xmlns:p="http://schemas.openxmlformats.org/presentationml/2006/main" type="twoObj" preserve="1">
   <p:cSld name="Two Content">
     <p:spTree>
       <p:nvGrpSpPr>
@@ -5122,7 +4138,7 @@
             <a:fld id="{3B8260AA-179E-4904-9260-BD701E7DDCED}" type="datetime1">
               <a:rPr lang="en-US" smtClean="0"/>
               <a:pPr/>
-              <a:t>10/7/11</a:t>
+              <a:t>10/7/2011</a:t>
             </a:fld>
             <a:endParaRPr lang="en-US"/>
           </a:p>
@@ -5301,7 +4317,7 @@
 </file>
 
 <file path=ppt/slideLayouts/slideLayout15.xml><?xml version="1.0" encoding="utf-8"?>
-<p:sldLayout xmlns:a="http://schemas.openxmlformats.org/drawingml/2006/main" xmlns:r="http://schemas.openxmlformats.org/officeDocument/2006/relationships" xmlns:mc="http://schemas.openxmlformats.org/markup-compatibility/2006" xmlns:mv="urn:schemas-microsoft-com:mac:vml" xmlns:p="http://schemas.openxmlformats.org/presentationml/2006/main" mc:Ignorable="mv" mc:PreserveAttributes="mv:*" type="twoTxTwoObj" preserve="1">
+<p:sldLayout xmlns:a="http://schemas.openxmlformats.org/drawingml/2006/main" xmlns:r="http://schemas.openxmlformats.org/officeDocument/2006/relationships" xmlns:p="http://schemas.openxmlformats.org/presentationml/2006/main" type="twoTxTwoObj" preserve="1">
   <p:cSld name="Comparison">
     <p:spTree>
       <p:nvGrpSpPr>
@@ -5367,7 +4383,7 @@
             <a:fld id="{9461EBDC-2738-4CF1-9EB6-6C6C624FD79D}" type="datetime1">
               <a:rPr lang="en-US" smtClean="0"/>
               <a:pPr/>
-              <a:t>10/7/11</a:t>
+              <a:t>10/7/2011</a:t>
             </a:fld>
             <a:endParaRPr lang="en-US"/>
           </a:p>
@@ -5642,7 +4658,7 @@
 </file>
 
 <file path=ppt/slideLayouts/slideLayout16.xml><?xml version="1.0" encoding="utf-8"?>
-<p:sldLayout xmlns:a="http://schemas.openxmlformats.org/drawingml/2006/main" xmlns:r="http://schemas.openxmlformats.org/officeDocument/2006/relationships" xmlns:mc="http://schemas.openxmlformats.org/markup-compatibility/2006" xmlns:mv="urn:schemas-microsoft-com:mac:vml" xmlns:p="http://schemas.openxmlformats.org/presentationml/2006/main" mc:Ignorable="mv" mc:PreserveAttributes="mv:*" type="titleOnly" preserve="1">
+<p:sldLayout xmlns:a="http://schemas.openxmlformats.org/drawingml/2006/main" xmlns:r="http://schemas.openxmlformats.org/officeDocument/2006/relationships" xmlns:p="http://schemas.openxmlformats.org/presentationml/2006/main" type="titleOnly" preserve="1">
   <p:cSld name="Title Only">
     <p:spTree>
       <p:nvGrpSpPr>
@@ -5713,7 +4729,7 @@
             <a:fld id="{CEB14723-D31B-4FFF-8BF6-DFD5AD4106D8}" type="datetime1">
               <a:rPr lang="en-US" smtClean="0"/>
               <a:pPr/>
-              <a:t>10/7/11</a:t>
+              <a:t>10/7/2011</a:t>
             </a:fld>
             <a:endParaRPr lang="en-US" dirty="0"/>
           </a:p>
@@ -5778,7 +4794,7 @@
 </file>
 
 <file path=ppt/slideLayouts/slideLayout17.xml><?xml version="1.0" encoding="utf-8"?>
-<p:sldLayout xmlns:a="http://schemas.openxmlformats.org/drawingml/2006/main" xmlns:r="http://schemas.openxmlformats.org/officeDocument/2006/relationships" xmlns:mc="http://schemas.openxmlformats.org/markup-compatibility/2006" xmlns:mv="urn:schemas-microsoft-com:mac:vml" xmlns:p="http://schemas.openxmlformats.org/presentationml/2006/main" mc:Ignorable="mv" mc:PreserveAttributes="mv:*" type="blank" preserve="1">
+<p:sldLayout xmlns:a="http://schemas.openxmlformats.org/drawingml/2006/main" xmlns:r="http://schemas.openxmlformats.org/officeDocument/2006/relationships" xmlns:p="http://schemas.openxmlformats.org/presentationml/2006/main" type="blank" preserve="1">
   <p:cSld name="Blank">
     <p:spTree>
       <p:nvGrpSpPr>
@@ -5812,7 +4828,7 @@
             <a:fld id="{D7BD04E7-DB2C-44E7-8401-7B2EF877F869}" type="datetime1">
               <a:rPr lang="en-US" smtClean="0"/>
               <a:pPr/>
-              <a:t>10/7/11</a:t>
+              <a:t>10/7/2011</a:t>
             </a:fld>
             <a:endParaRPr lang="en-US"/>
           </a:p>
@@ -5877,7 +4893,7 @@
 </file>
 
 <file path=ppt/slideLayouts/slideLayout18.xml><?xml version="1.0" encoding="utf-8"?>
-<p:sldLayout xmlns:a="http://schemas.openxmlformats.org/drawingml/2006/main" xmlns:r="http://schemas.openxmlformats.org/officeDocument/2006/relationships" xmlns:mc="http://schemas.openxmlformats.org/markup-compatibility/2006" xmlns:mv="urn:schemas-microsoft-com:mac:vml" xmlns:p="http://schemas.openxmlformats.org/presentationml/2006/main" mc:Ignorable="mv" mc:PreserveAttributes="mv:*" showMasterSp="0" type="objTx" preserve="1">
+<p:sldLayout xmlns:a="http://schemas.openxmlformats.org/drawingml/2006/main" xmlns:r="http://schemas.openxmlformats.org/officeDocument/2006/relationships" xmlns:p="http://schemas.openxmlformats.org/presentationml/2006/main" showMasterSp="0" type="objTx" preserve="1">
   <p:cSld name="Content with Caption">
     <p:bg>
       <p:bgRef idx="1001">
@@ -6338,7 +5354,7 @@
             <a:fld id="{E2F01EF0-FFD2-40E1-A32F-9B3627208AC4}" type="datetime1">
               <a:rPr lang="en-US" smtClean="0"/>
               <a:pPr/>
-              <a:t>10/7/11</a:t>
+              <a:t>10/7/2011</a:t>
             </a:fld>
             <a:endParaRPr lang="en-US"/>
           </a:p>
@@ -6403,7 +5419,7 @@
 </file>
 
 <file path=ppt/slideLayouts/slideLayout19.xml><?xml version="1.0" encoding="utf-8"?>
-<p:sldLayout xmlns:a="http://schemas.openxmlformats.org/drawingml/2006/main" xmlns:r="http://schemas.openxmlformats.org/officeDocument/2006/relationships" xmlns:mc="http://schemas.openxmlformats.org/markup-compatibility/2006" xmlns:mv="urn:schemas-microsoft-com:mac:vml" xmlns:p="http://schemas.openxmlformats.org/presentationml/2006/main" mc:Ignorable="mv" mc:PreserveAttributes="mv:*" showMasterSp="0" type="picTx" preserve="1">
+<p:sldLayout xmlns:a="http://schemas.openxmlformats.org/drawingml/2006/main" xmlns:r="http://schemas.openxmlformats.org/officeDocument/2006/relationships" xmlns:p="http://schemas.openxmlformats.org/presentationml/2006/main" showMasterSp="0" type="picTx" preserve="1">
   <p:cSld name="Picture with Caption">
     <p:spTree>
       <p:nvGrpSpPr>
@@ -6858,7 +5874,7 @@
             <a:fld id="{9F223E29-7B2A-4A6E-8B36-121182E850D1}" type="datetime1">
               <a:rPr lang="en-US" smtClean="0"/>
               <a:pPr/>
-              <a:t>10/7/11</a:t>
+              <a:t>10/7/2011</a:t>
             </a:fld>
             <a:endParaRPr lang="en-US"/>
           </a:p>
@@ -6923,7 +5939,7 @@
 </file>
 
 <file path=ppt/slideLayouts/slideLayout2.xml><?xml version="1.0" encoding="utf-8"?>
-<p:sldLayout xmlns:a="http://schemas.openxmlformats.org/drawingml/2006/main" xmlns:r="http://schemas.openxmlformats.org/officeDocument/2006/relationships" xmlns:mc="http://schemas.openxmlformats.org/markup-compatibility/2006" xmlns:mv="urn:schemas-microsoft-com:mac:vml" xmlns:p="http://schemas.openxmlformats.org/presentationml/2006/main" mc:Ignorable="mv" mc:PreserveAttributes="mv:*" preserve="1">
+<p:sldLayout xmlns:a="http://schemas.openxmlformats.org/drawingml/2006/main" xmlns:r="http://schemas.openxmlformats.org/officeDocument/2006/relationships" xmlns:p="http://schemas.openxmlformats.org/presentationml/2006/main" preserve="1">
   <p:cSld name="Title and Content">
     <p:spTree>
       <p:nvGrpSpPr>
@@ -7009,7 +6025,7 @@
             <a:fld id="{B872EAB8-2209-47FA-91CC-26FE4BDD9545}" type="datetime1">
               <a:rPr lang="en-US" smtClean="0"/>
               <a:pPr/>
-              <a:t>10/7/11</a:t>
+              <a:t>10/7/2011</a:t>
             </a:fld>
             <a:endParaRPr lang="en-US"/>
           </a:p>
@@ -7097,7 +6113,7 @@
 </file>
 
 <file path=ppt/slideLayouts/slideLayout20.xml><?xml version="1.0" encoding="utf-8"?>
-<p:sldLayout xmlns:a="http://schemas.openxmlformats.org/drawingml/2006/main" xmlns:r="http://schemas.openxmlformats.org/officeDocument/2006/relationships" xmlns:mc="http://schemas.openxmlformats.org/markup-compatibility/2006" xmlns:mv="urn:schemas-microsoft-com:mac:vml" xmlns:p="http://schemas.openxmlformats.org/presentationml/2006/main" mc:Ignorable="mv" mc:PreserveAttributes="mv:*" type="vertTx" preserve="1">
+<p:sldLayout xmlns:a="http://schemas.openxmlformats.org/drawingml/2006/main" xmlns:r="http://schemas.openxmlformats.org/officeDocument/2006/relationships" xmlns:p="http://schemas.openxmlformats.org/presentationml/2006/main" type="vertTx" preserve="1">
   <p:cSld name="Title and Vertical Text">
     <p:spTree>
       <p:nvGrpSpPr>
@@ -7206,7 +6222,7 @@
             <a:fld id="{86149588-4A1B-466E-9FB2-229BF8175FE7}" type="datetime1">
               <a:rPr lang="en-US" smtClean="0"/>
               <a:pPr/>
-              <a:t>10/7/11</a:t>
+              <a:t>10/7/2011</a:t>
             </a:fld>
             <a:endParaRPr lang="en-US"/>
           </a:p>
@@ -7271,7 +6287,7 @@
 </file>
 
 <file path=ppt/slideLayouts/slideLayout21.xml><?xml version="1.0" encoding="utf-8"?>
-<p:sldLayout xmlns:a="http://schemas.openxmlformats.org/drawingml/2006/main" xmlns:r="http://schemas.openxmlformats.org/officeDocument/2006/relationships" xmlns:mc="http://schemas.openxmlformats.org/markup-compatibility/2006" xmlns:mv="urn:schemas-microsoft-com:mac:vml" xmlns:p="http://schemas.openxmlformats.org/presentationml/2006/main" mc:Ignorable="mv" mc:PreserveAttributes="mv:*" type="vertTitleAndTx" preserve="1">
+<p:sldLayout xmlns:a="http://schemas.openxmlformats.org/drawingml/2006/main" xmlns:r="http://schemas.openxmlformats.org/officeDocument/2006/relationships" xmlns:p="http://schemas.openxmlformats.org/presentationml/2006/main" type="vertTitleAndTx" preserve="1">
   <p:cSld name="Vertical Title and Text">
     <p:spTree>
       <p:nvGrpSpPr>
@@ -7390,7 +6406,7 @@
             <a:fld id="{FC141B0C-D275-49C3-9D1B-58FCB6845F5B}" type="datetime1">
               <a:rPr lang="en-US" smtClean="0"/>
               <a:pPr/>
-              <a:t>10/7/11</a:t>
+              <a:t>10/7/2011</a:t>
             </a:fld>
             <a:endParaRPr lang="en-US"/>
           </a:p>
@@ -7455,7 +6471,7 @@
 </file>
 
 <file path=ppt/slideLayouts/slideLayout3.xml><?xml version="1.0" encoding="utf-8"?>
-<p:sldLayout xmlns:a="http://schemas.openxmlformats.org/drawingml/2006/main" xmlns:r="http://schemas.openxmlformats.org/officeDocument/2006/relationships" xmlns:mc="http://schemas.openxmlformats.org/markup-compatibility/2006" xmlns:mv="urn:schemas-microsoft-com:mac:vml" xmlns:p="http://schemas.openxmlformats.org/presentationml/2006/main" mc:Ignorable="mv" mc:PreserveAttributes="mv:*" preserve="1">
+<p:sldLayout xmlns:a="http://schemas.openxmlformats.org/drawingml/2006/main" xmlns:r="http://schemas.openxmlformats.org/officeDocument/2006/relationships" xmlns:p="http://schemas.openxmlformats.org/presentationml/2006/main" preserve="1">
   <p:cSld name="Section Header">
     <p:spTree>
       <p:nvGrpSpPr>
@@ -7489,7 +6505,7 @@
             <a:fld id="{85DD8449-C5B7-4117-9FE2-2FE3D08E09ED}" type="datetime1">
               <a:rPr lang="en-US" smtClean="0"/>
               <a:pPr/>
-              <a:t>10/7/11</a:t>
+              <a:t>10/7/2011</a:t>
             </a:fld>
             <a:endParaRPr lang="en-US"/>
           </a:p>
@@ -7623,7 +6639,7 @@
 </file>
 
 <file path=ppt/slideLayouts/slideLayout4.xml><?xml version="1.0" encoding="utf-8"?>
-<p:sldLayout xmlns:a="http://schemas.openxmlformats.org/drawingml/2006/main" xmlns:r="http://schemas.openxmlformats.org/officeDocument/2006/relationships" xmlns:mc="http://schemas.openxmlformats.org/markup-compatibility/2006" xmlns:mv="urn:schemas-microsoft-com:mac:vml" xmlns:p="http://schemas.openxmlformats.org/presentationml/2006/main" mc:Ignorable="mv" mc:PreserveAttributes="mv:*" preserve="1">
+<p:sldLayout xmlns:a="http://schemas.openxmlformats.org/drawingml/2006/main" xmlns:r="http://schemas.openxmlformats.org/officeDocument/2006/relationships" xmlns:p="http://schemas.openxmlformats.org/presentationml/2006/main" preserve="1">
   <p:cSld name="Simple Question &amp; Answer">
     <p:spTree>
       <p:nvGrpSpPr>
@@ -7661,7 +6677,7 @@
             <a:fld id="{9EB34B4D-D852-47BD-83B8-7C009639CBA3}" type="datetime1">
               <a:rPr lang="en-US" smtClean="0"/>
               <a:pPr/>
-              <a:t>10/7/11</a:t>
+              <a:t>10/7/2011</a:t>
             </a:fld>
             <a:endParaRPr lang="en-US"/>
           </a:p>
@@ -8102,7 +7118,7 @@
 </file>
 
 <file path=ppt/slideLayouts/slideLayout5.xml><?xml version="1.0" encoding="utf-8"?>
-<p:sldLayout xmlns:a="http://schemas.openxmlformats.org/drawingml/2006/main" xmlns:r="http://schemas.openxmlformats.org/officeDocument/2006/relationships" xmlns:mc="http://schemas.openxmlformats.org/markup-compatibility/2006" xmlns:mv="urn:schemas-microsoft-com:mac:vml" xmlns:p="http://schemas.openxmlformats.org/presentationml/2006/main" mc:Ignorable="mv" mc:PreserveAttributes="mv:*" preserve="1">
+<p:sldLayout xmlns:a="http://schemas.openxmlformats.org/drawingml/2006/main" xmlns:r="http://schemas.openxmlformats.org/officeDocument/2006/relationships" xmlns:p="http://schemas.openxmlformats.org/presentationml/2006/main" preserve="1">
   <p:cSld name="Detailed Question &amp; Answer">
     <p:spTree>
       <p:nvGrpSpPr>
@@ -8140,7 +7156,7 @@
             <a:fld id="{1C28D42E-A5BC-4278-B5EC-5262A60BD963}" type="datetime1">
               <a:rPr lang="en-US" smtClean="0"/>
               <a:pPr/>
-              <a:t>10/7/11</a:t>
+              <a:t>10/7/2011</a:t>
             </a:fld>
             <a:endParaRPr lang="en-US"/>
           </a:p>
@@ -8711,7 +7727,7 @@
 </file>
 
 <file path=ppt/slideLayouts/slideLayout6.xml><?xml version="1.0" encoding="utf-8"?>
-<p:sldLayout xmlns:a="http://schemas.openxmlformats.org/drawingml/2006/main" xmlns:r="http://schemas.openxmlformats.org/officeDocument/2006/relationships" xmlns:mc="http://schemas.openxmlformats.org/markup-compatibility/2006" xmlns:mv="urn:schemas-microsoft-com:mac:vml" xmlns:p="http://schemas.openxmlformats.org/presentationml/2006/main" mc:Ignorable="mv" mc:PreserveAttributes="mv:*" preserve="1">
+<p:sldLayout xmlns:a="http://schemas.openxmlformats.org/drawingml/2006/main" xmlns:r="http://schemas.openxmlformats.org/officeDocument/2006/relationships" xmlns:p="http://schemas.openxmlformats.org/presentationml/2006/main" preserve="1">
   <p:cSld name="True or False Question (Answer: True)">
     <p:spTree>
       <p:nvGrpSpPr>
@@ -8749,7 +7765,7 @@
             <a:fld id="{67091ECE-7262-48AC-8C85-D7D9ECDA6C21}" type="datetime1">
               <a:rPr lang="en-US" smtClean="0"/>
               <a:pPr/>
-              <a:t>10/7/11</a:t>
+              <a:t>10/7/2011</a:t>
             </a:fld>
             <a:endParaRPr lang="en-US"/>
           </a:p>
@@ -9094,7 +8110,7 @@
 </file>
 
 <file path=ppt/slideLayouts/slideLayout7.xml><?xml version="1.0" encoding="utf-8"?>
-<p:sldLayout xmlns:a="http://schemas.openxmlformats.org/drawingml/2006/main" xmlns:r="http://schemas.openxmlformats.org/officeDocument/2006/relationships" xmlns:mc="http://schemas.openxmlformats.org/markup-compatibility/2006" xmlns:mv="urn:schemas-microsoft-com:mac:vml" xmlns:p="http://schemas.openxmlformats.org/presentationml/2006/main" mc:Ignorable="mv" mc:PreserveAttributes="mv:*" preserve="1">
+<p:sldLayout xmlns:a="http://schemas.openxmlformats.org/drawingml/2006/main" xmlns:r="http://schemas.openxmlformats.org/officeDocument/2006/relationships" xmlns:p="http://schemas.openxmlformats.org/presentationml/2006/main" preserve="1">
   <p:cSld name="True or False Question (Answer: False)">
     <p:spTree>
       <p:nvGrpSpPr>
@@ -9132,7 +8148,7 @@
             <a:fld id="{7BFC9112-EE29-4F8D-AFF9-49DFC76E3425}" type="datetime1">
               <a:rPr lang="en-US" smtClean="0"/>
               <a:pPr/>
-              <a:t>10/7/11</a:t>
+              <a:t>10/7/2011</a:t>
             </a:fld>
             <a:endParaRPr lang="en-US"/>
           </a:p>
@@ -9484,7 +8500,7 @@
 </file>
 
 <file path=ppt/slideLayouts/slideLayout8.xml><?xml version="1.0" encoding="utf-8"?>
-<p:sldLayout xmlns:a="http://schemas.openxmlformats.org/drawingml/2006/main" xmlns:r="http://schemas.openxmlformats.org/officeDocument/2006/relationships" xmlns:mc="http://schemas.openxmlformats.org/markup-compatibility/2006" xmlns:mv="urn:schemas-microsoft-com:mac:vml" xmlns:p="http://schemas.openxmlformats.org/presentationml/2006/main" mc:Ignorable="mv" mc:PreserveAttributes="mv:*">
+<p:sldLayout xmlns:a="http://schemas.openxmlformats.org/drawingml/2006/main" xmlns:r="http://schemas.openxmlformats.org/officeDocument/2006/relationships" xmlns:p="http://schemas.openxmlformats.org/presentationml/2006/main">
   <p:cSld name="Multiple Choice">
     <p:spTree>
       <p:nvGrpSpPr>
@@ -9554,7 +8570,7 @@
             <a:fld id="{C572EC97-6D8B-4146-AB4C-B95B539EF4A9}" type="datetime1">
               <a:rPr lang="en-US" smtClean="0"/>
               <a:pPr/>
-              <a:t>10/7/11</a:t>
+              <a:t>10/7/2011</a:t>
             </a:fld>
             <a:endParaRPr lang="en-US"/>
           </a:p>
@@ -10458,7 +9474,7 @@
 </file>
 
 <file path=ppt/slideLayouts/slideLayout9.xml><?xml version="1.0" encoding="utf-8"?>
-<p:sldLayout xmlns:a="http://schemas.openxmlformats.org/drawingml/2006/main" xmlns:r="http://schemas.openxmlformats.org/officeDocument/2006/relationships" xmlns:mc="http://schemas.openxmlformats.org/markup-compatibility/2006" xmlns:mv="urn:schemas-microsoft-com:mac:vml" xmlns:p="http://schemas.openxmlformats.org/presentationml/2006/main" mc:Ignorable="mv" mc:PreserveAttributes="mv:*" preserve="1">
+<p:sldLayout xmlns:a="http://schemas.openxmlformats.org/drawingml/2006/main" xmlns:r="http://schemas.openxmlformats.org/officeDocument/2006/relationships" xmlns:p="http://schemas.openxmlformats.org/presentationml/2006/main" preserve="1">
   <p:cSld name="Item Match Up">
     <p:spTree>
       <p:nvGrpSpPr>
@@ -10885,7 +9901,7 @@
             <a:fld id="{11E13247-250B-408B-B25F-68FDDD0AC0E6}" type="datetime1">
               <a:rPr lang="en-US" smtClean="0"/>
               <a:pPr/>
-              <a:t>10/7/11</a:t>
+              <a:t>10/7/2011</a:t>
             </a:fld>
             <a:endParaRPr lang="en-US"/>
           </a:p>
@@ -11831,7 +10847,7 @@
 </file>
 
 <file path=ppt/slideMasters/slideMaster1.xml><?xml version="1.0" encoding="utf-8"?>
-<p:sldMaster xmlns:a="http://schemas.openxmlformats.org/drawingml/2006/main" xmlns:r="http://schemas.openxmlformats.org/officeDocument/2006/relationships" xmlns:mc="http://schemas.openxmlformats.org/markup-compatibility/2006" xmlns:mv="urn:schemas-microsoft-com:mac:vml" xmlns:p="http://schemas.openxmlformats.org/presentationml/2006/main" mc:Ignorable="mv" mc:PreserveAttributes="mv:*" preserve="1">
+<p:sldMaster xmlns:a="http://schemas.openxmlformats.org/drawingml/2006/main" xmlns:r="http://schemas.openxmlformats.org/officeDocument/2006/relationships" xmlns:p="http://schemas.openxmlformats.org/presentationml/2006/main" preserve="1">
   <p:cSld>
     <p:bg>
       <p:bgRef idx="1002">
@@ -11977,7 +10993,7 @@
             <a:fld id="{4372B5CF-8BC2-42B1-8441-5C29F094C339}" type="datetime1">
               <a:rPr lang="en-US" smtClean="0"/>
               <a:pPr/>
-              <a:t>10/7/11</a:t>
+              <a:t>10/7/2011</a:t>
             </a:fld>
             <a:endParaRPr lang="en-US"/>
           </a:p>
@@ -12975,7 +11991,7 @@
 </file>
 
 <file path=ppt/slideMasters/slideMaster2.xml><?xml version="1.0" encoding="utf-8"?>
-<p:sldMaster xmlns:a="http://schemas.openxmlformats.org/drawingml/2006/main" xmlns:r="http://schemas.openxmlformats.org/officeDocument/2006/relationships" xmlns:mc="http://schemas.openxmlformats.org/markup-compatibility/2006" xmlns:mv="urn:schemas-microsoft-com:mac:vml" xmlns:p="http://schemas.openxmlformats.org/presentationml/2006/main" mc:Ignorable="mv" mc:PreserveAttributes="mv:*">
+<p:sldMaster xmlns:a="http://schemas.openxmlformats.org/drawingml/2006/main" xmlns:r="http://schemas.openxmlformats.org/officeDocument/2006/relationships" xmlns:p="http://schemas.openxmlformats.org/presentationml/2006/main">
   <p:cSld>
     <p:bg>
       <p:bgRef idx="1001">
@@ -13164,7 +12180,7 @@
             <a:fld id="{850CA24E-6482-40F0-8089-038E94AA59AB}" type="datetime1">
               <a:rPr lang="en-US" smtClean="0"/>
               <a:pPr/>
-              <a:t>10/7/11</a:t>
+              <a:t>10/7/2011</a:t>
             </a:fld>
             <a:endParaRPr lang="en-US"/>
           </a:p>
@@ -13765,7 +12781,7 @@
 </file>
 
 <file path=ppt/slides/slide1.xml><?xml version="1.0" encoding="utf-8"?>
-<p:sld xmlns:a="http://schemas.openxmlformats.org/drawingml/2006/main" xmlns:r="http://schemas.openxmlformats.org/officeDocument/2006/relationships" xmlns:mc="http://schemas.openxmlformats.org/markup-compatibility/2006" xmlns:mv="urn:schemas-microsoft-com:mac:vml" xmlns:p="http://schemas.openxmlformats.org/presentationml/2006/main" mc:Ignorable="mv" mc:PreserveAttributes="mv:*">
+<p:sld xmlns:a="http://schemas.openxmlformats.org/drawingml/2006/main" xmlns:r="http://schemas.openxmlformats.org/officeDocument/2006/relationships" xmlns:p="http://schemas.openxmlformats.org/presentationml/2006/main">
   <p:cSld>
     <p:spTree>
       <p:nvGrpSpPr>
@@ -13854,7 +12870,7 @@
         </p:spPr>
         <p:txBody>
           <a:bodyPr>
-            <a:normAutofit lnSpcReduction="10000"/>
+            <a:normAutofit/>
           </a:bodyPr>
           <a:lstStyle/>
           <a:p>
@@ -13951,7 +12967,7 @@
 </file>
 
 <file path=ppt/slides/slide10.xml><?xml version="1.0" encoding="utf-8"?>
-<p:sld xmlns:a="http://schemas.openxmlformats.org/drawingml/2006/main" xmlns:r="http://schemas.openxmlformats.org/officeDocument/2006/relationships" xmlns:mc="http://schemas.openxmlformats.org/markup-compatibility/2006" xmlns:mv="urn:schemas-microsoft-com:mac:vml" xmlns:p="http://schemas.openxmlformats.org/presentationml/2006/main" mc:Ignorable="mv" mc:PreserveAttributes="mv:*">
+<p:sld xmlns:a="http://schemas.openxmlformats.org/drawingml/2006/main" xmlns:r="http://schemas.openxmlformats.org/officeDocument/2006/relationships" xmlns:p="http://schemas.openxmlformats.org/presentationml/2006/main">
   <p:cSld>
     <p:spTree>
       <p:nvGrpSpPr>
@@ -14063,7 +13079,7 @@
 </file>
 
 <file path=ppt/slides/slide11.xml><?xml version="1.0" encoding="utf-8"?>
-<p:sld xmlns:a="http://schemas.openxmlformats.org/drawingml/2006/main" xmlns:r="http://schemas.openxmlformats.org/officeDocument/2006/relationships" xmlns:mc="http://schemas.openxmlformats.org/markup-compatibility/2006" xmlns:mv="urn:schemas-microsoft-com:mac:vml" xmlns:p="http://schemas.openxmlformats.org/presentationml/2006/main" mc:Ignorable="mv" mc:PreserveAttributes="mv:*">
+<p:sld xmlns:a="http://schemas.openxmlformats.org/drawingml/2006/main" xmlns:r="http://schemas.openxmlformats.org/officeDocument/2006/relationships" xmlns:p="http://schemas.openxmlformats.org/presentationml/2006/main">
   <p:cSld>
     <p:spTree>
       <p:nvGrpSpPr>
@@ -14529,7 +13545,7 @@
 </file>
 
 <file path=ppt/slides/slide12.xml><?xml version="1.0" encoding="utf-8"?>
-<p:sld xmlns:a="http://schemas.openxmlformats.org/drawingml/2006/main" xmlns:r="http://schemas.openxmlformats.org/officeDocument/2006/relationships" xmlns:mc="http://schemas.openxmlformats.org/markup-compatibility/2006" xmlns:mv="urn:schemas-microsoft-com:mac:vml" xmlns:p="http://schemas.openxmlformats.org/presentationml/2006/main" mc:Ignorable="mv" mc:PreserveAttributes="mv:*">
+<p:sld xmlns:a="http://schemas.openxmlformats.org/drawingml/2006/main" xmlns:r="http://schemas.openxmlformats.org/officeDocument/2006/relationships" xmlns:p="http://schemas.openxmlformats.org/presentationml/2006/main">
   <p:cSld>
     <p:spTree>
       <p:nvGrpSpPr>
@@ -14562,8 +13578,83 @@
           <a:p>
             <a:r>
               <a:rPr lang="en-US" dirty="0" smtClean="0"/>
-              <a:t>Ontology-based Representation of ‘BLAST analysis’</a:t>
-            </a:r>
+              <a:t>Software Execution &amp; Data Transformation</a:t>
+            </a:r>
+            <a:endParaRPr lang="en-US" dirty="0"/>
+          </a:p>
+        </p:txBody>
+      </p:sp>
+      <p:sp>
+        <p:nvSpPr>
+          <p:cNvPr id="3" name="Content Placeholder 2"/>
+          <p:cNvSpPr>
+            <a:spLocks noGrp="1"/>
+          </p:cNvSpPr>
+          <p:nvPr>
+            <p:ph sz="quarter" idx="1"/>
+          </p:nvPr>
+        </p:nvSpPr>
+        <p:spPr/>
+        <p:txBody>
+          <a:bodyPr/>
+          <a:lstStyle/>
+          <a:p>
+            <a:r>
+              <a:rPr lang="en-US" dirty="0" smtClean="0"/>
+              <a:t>Some software execution is data transformation</a:t>
+            </a:r>
+          </a:p>
+          <a:p>
+            <a:pPr lvl="1"/>
+            <a:r>
+              <a:rPr lang="en-US" dirty="0" err="1" smtClean="0"/>
+              <a:t>e</a:t>
+            </a:r>
+            <a:r>
+              <a:rPr lang="en-US" dirty="0" err="1" smtClean="0"/>
+              <a:t>g</a:t>
+            </a:r>
+            <a:r>
+              <a:rPr lang="en-US" dirty="0" smtClean="0"/>
+              <a:t>. BLAST analysis</a:t>
+            </a:r>
+          </a:p>
+          <a:p>
+            <a:pPr lvl="1"/>
+            <a:endParaRPr lang="en-US" dirty="0" smtClean="0"/>
+          </a:p>
+          <a:p>
+            <a:r>
+              <a:rPr lang="en-US" dirty="0" smtClean="0"/>
+              <a:t>Can we </a:t>
+            </a:r>
+            <a:r>
+              <a:rPr lang="en-US" dirty="0" smtClean="0"/>
+              <a:t>redefine </a:t>
+            </a:r>
+            <a:r>
+              <a:rPr lang="en-US" dirty="0" smtClean="0"/>
+              <a:t>data </a:t>
+            </a:r>
+            <a:r>
+              <a:rPr lang="en-US" dirty="0" smtClean="0"/>
+              <a:t>transformation and infer </a:t>
+            </a:r>
+            <a:r>
+              <a:rPr lang="en-US" dirty="0" smtClean="0"/>
+              <a:t>some software execution as data transformation? </a:t>
+            </a:r>
+          </a:p>
+          <a:p>
+            <a:pPr lvl="1"/>
+            <a:endParaRPr lang="en-US" dirty="0" smtClean="0"/>
+          </a:p>
+          <a:p>
+            <a:pPr lvl="1"/>
+            <a:endParaRPr lang="en-US" dirty="0" smtClean="0"/>
+          </a:p>
+          <a:p>
+            <a:pPr lvl="1"/>
             <a:endParaRPr lang="en-US" dirty="0"/>
           </a:p>
         </p:txBody>
@@ -14592,49 +13683,16 @@
           </a:p>
         </p:txBody>
       </p:sp>
-      <p:pic>
-        <p:nvPicPr>
-          <p:cNvPr id="4098" name="Picture 2" descr="C:\Documents and Settings\Jie\My Documents\My Cmaps\BlastAnalysis_20111004.jpg"/>
-          <p:cNvPicPr>
-            <a:picLocks noChangeAspect="1" noChangeArrowheads="1"/>
-          </p:cNvPicPr>
-          <p:nvPr/>
-        </p:nvPicPr>
-        <p:blipFill>
-          <a:blip r:embed="rId2" cstate="print"/>
-          <a:srcRect/>
-          <a:stretch>
-            <a:fillRect/>
-          </a:stretch>
-        </p:blipFill>
-        <p:spPr bwMode="auto">
-          <a:xfrm>
-            <a:off x="0" y="1676400"/>
-            <a:ext cx="9124992" cy="4495800"/>
-          </a:xfrm>
-          <a:prstGeom prst="rect">
-            <a:avLst/>
-          </a:prstGeom>
-          <a:noFill/>
-        </p:spPr>
-      </p:pic>
     </p:spTree>
   </p:cSld>
   <p:clrMapOvr>
     <a:masterClrMapping/>
   </p:clrMapOvr>
-  <p:timing>
-    <p:tnLst>
-      <p:par>
-        <p:cTn id="1" dur="indefinite" restart="never" nodeType="tmRoot"/>
-      </p:par>
-    </p:tnLst>
-  </p:timing>
 </p:sld>
 </file>
 
 <file path=ppt/slides/slide13.xml><?xml version="1.0" encoding="utf-8"?>
-<p:sld xmlns:a="http://schemas.openxmlformats.org/drawingml/2006/main" xmlns:r="http://schemas.openxmlformats.org/officeDocument/2006/relationships" xmlns:mc="http://schemas.openxmlformats.org/markup-compatibility/2006" xmlns:mv="urn:schemas-microsoft-com:mac:vml" xmlns:p="http://schemas.openxmlformats.org/presentationml/2006/main" mc:Ignorable="mv" mc:PreserveAttributes="mv:*">
+<p:sld xmlns:a="http://schemas.openxmlformats.org/drawingml/2006/main" xmlns:r="http://schemas.openxmlformats.org/officeDocument/2006/relationships" xmlns:p="http://schemas.openxmlformats.org/presentationml/2006/main">
   <p:cSld>
     <p:spTree>
       <p:nvGrpSpPr>
@@ -14686,7 +13744,7 @@
         <p:spPr>
           <a:xfrm>
             <a:off x="457200" y="5867400"/>
-            <a:ext cx="7467600" cy="990600"/>
+            <a:ext cx="7467600" cy="762000"/>
           </a:xfrm>
         </p:spPr>
         <p:txBody>
@@ -14697,13 +13755,8 @@
           <a:p>
             <a:r>
               <a:rPr lang="en-US" dirty="0" smtClean="0"/>
-              <a:t>Can we</a:t>
-            </a:r>
-            <a:r>
-              <a:rPr lang="en-US" dirty="0" smtClean="0"/>
-              <a:t> infer some software execution as data transformation? </a:t>
-            </a:r>
-            <a:endParaRPr lang="en-US" dirty="0" smtClean="0"/>
+              <a:t>Can we infer some software execution as data transformation? </a:t>
+            </a:r>
           </a:p>
           <a:p>
             <a:r>
@@ -14795,7 +13848,7 @@
 </file>
 
 <file path=ppt/slides/slide14.xml><?xml version="1.0" encoding="utf-8"?>
-<p:sld xmlns:a="http://schemas.openxmlformats.org/drawingml/2006/main" xmlns:r="http://schemas.openxmlformats.org/officeDocument/2006/relationships" xmlns:mc="http://schemas.openxmlformats.org/markup-compatibility/2006" xmlns:mv="urn:schemas-microsoft-com:mac:vml" xmlns:p="http://schemas.openxmlformats.org/presentationml/2006/main" mc:Ignorable="mv" mc:PreserveAttributes="mv:*">
+<p:sld xmlns:a="http://schemas.openxmlformats.org/drawingml/2006/main" xmlns:r="http://schemas.openxmlformats.org/officeDocument/2006/relationships" xmlns:p="http://schemas.openxmlformats.org/presentationml/2006/main">
   <p:cSld>
     <p:spTree>
       <p:nvGrpSpPr>
@@ -14918,1589 +13971,6 @@
               <a:t>14</a:t>
             </a:fld>
             <a:endParaRPr lang="en-US"/>
-          </a:p>
-        </p:txBody>
-      </p:sp>
-    </p:spTree>
-  </p:cSld>
-  <p:clrMapOvr>
-    <a:masterClrMapping/>
-  </p:clrMapOvr>
-  <p:timing>
-    <p:tnLst>
-      <p:par>
-        <p:cTn id="1" dur="indefinite" restart="never" nodeType="tmRoot"/>
-      </p:par>
-    </p:tnLst>
-  </p:timing>
-</p:sld>
-</file>
-
-<file path=ppt/slides/slide15.xml><?xml version="1.0" encoding="utf-8"?>
-<p:sld xmlns:a="http://schemas.openxmlformats.org/drawingml/2006/main" xmlns:r="http://schemas.openxmlformats.org/officeDocument/2006/relationships" xmlns:mc="http://schemas.openxmlformats.org/markup-compatibility/2006" xmlns:mv="urn:schemas-microsoft-com:mac:vml" xmlns:p="http://schemas.openxmlformats.org/presentationml/2006/main" mc:Ignorable="mv" mc:PreserveAttributes="mv:*">
-  <p:cSld>
-    <p:spTree>
-      <p:nvGrpSpPr>
-        <p:cNvPr id="1" name=""/>
-        <p:cNvGrpSpPr/>
-        <p:nvPr/>
-      </p:nvGrpSpPr>
-      <p:grpSpPr>
-        <a:xfrm>
-          <a:off x="0" y="0"/>
-          <a:ext cx="0" cy="0"/>
-          <a:chOff x="0" y="0"/>
-          <a:chExt cx="0" cy="0"/>
-        </a:xfrm>
-      </p:grpSpPr>
-      <p:sp>
-        <p:nvSpPr>
-          <p:cNvPr id="2" name="Title 1"/>
-          <p:cNvSpPr>
-            <a:spLocks noGrp="1"/>
-          </p:cNvSpPr>
-          <p:nvPr>
-            <p:ph type="title"/>
-          </p:nvPr>
-        </p:nvSpPr>
-        <p:spPr/>
-        <p:txBody>
-          <a:bodyPr/>
-          <a:lstStyle/>
-          <a:p>
-            <a:r>
-              <a:rPr lang="en-US" dirty="0" smtClean="0"/>
-              <a:t>Current Progress</a:t>
-            </a:r>
-            <a:endParaRPr lang="en-US" dirty="0"/>
-          </a:p>
-        </p:txBody>
-      </p:sp>
-      <p:sp>
-        <p:nvSpPr>
-          <p:cNvPr id="3" name="Content Placeholder 2"/>
-          <p:cNvSpPr>
-            <a:spLocks noGrp="1"/>
-          </p:cNvSpPr>
-          <p:nvPr>
-            <p:ph sz="quarter" idx="1"/>
-          </p:nvPr>
-        </p:nvSpPr>
-        <p:spPr/>
-        <p:txBody>
-          <a:bodyPr/>
-          <a:lstStyle/>
-          <a:p>
-            <a:r>
-              <a:rPr lang="en-US" dirty="0" smtClean="0"/>
-              <a:t>Have~ 100 terms ready to add</a:t>
-            </a:r>
-          </a:p>
-          <a:p>
-            <a:r>
-              <a:rPr lang="en-US" dirty="0" smtClean="0"/>
-              <a:t>Covering annotation of </a:t>
-            </a:r>
-          </a:p>
-          <a:p>
-            <a:pPr lvl="1"/>
-            <a:r>
-              <a:rPr lang="en-US" dirty="0" smtClean="0"/>
-              <a:t>BLAST (</a:t>
-            </a:r>
-            <a:r>
-              <a:rPr lang="en-US" dirty="0" err="1" smtClean="0"/>
-              <a:t>NCBIBlast</a:t>
-            </a:r>
-            <a:r>
-              <a:rPr lang="en-US" dirty="0" smtClean="0"/>
-              <a:t>, </a:t>
-            </a:r>
-            <a:r>
-              <a:rPr lang="en-US" dirty="0" err="1" smtClean="0"/>
-              <a:t>WUBlast</a:t>
-            </a:r>
-            <a:r>
-              <a:rPr lang="en-US" dirty="0" smtClean="0"/>
-              <a:t> , PSI Blast)</a:t>
-            </a:r>
-          </a:p>
-          <a:p>
-            <a:pPr lvl="1"/>
-            <a:r>
-              <a:rPr lang="en-US" dirty="0" err="1" smtClean="0"/>
-              <a:t>Clustal</a:t>
-            </a:r>
-            <a:r>
-              <a:rPr lang="en-US" dirty="0" smtClean="0"/>
-              <a:t> W, T-Coffee</a:t>
-            </a:r>
-          </a:p>
-          <a:p>
-            <a:pPr lvl="1"/>
-            <a:r>
-              <a:rPr lang="en-US" dirty="0" smtClean="0"/>
-              <a:t>Signal P</a:t>
-            </a:r>
-          </a:p>
-          <a:p>
-            <a:pPr lvl="1"/>
-            <a:r>
-              <a:rPr lang="en-US" dirty="0" smtClean="0"/>
-              <a:t>Fetch Batch</a:t>
-            </a:r>
-          </a:p>
-          <a:p>
-            <a:endParaRPr lang="en-US" dirty="0"/>
-          </a:p>
-        </p:txBody>
-      </p:sp>
-      <p:sp>
-        <p:nvSpPr>
-          <p:cNvPr id="4" name="Slide Number Placeholder 3"/>
-          <p:cNvSpPr>
-            <a:spLocks noGrp="1"/>
-          </p:cNvSpPr>
-          <p:nvPr>
-            <p:ph type="sldNum" sz="quarter" idx="15"/>
-          </p:nvPr>
-        </p:nvSpPr>
-        <p:spPr/>
-        <p:txBody>
-          <a:bodyPr/>
-          <a:lstStyle/>
-          <a:p>
-            <a:fld id="{7B4331BB-6433-41ED-874A-4DB7FFCBDAA2}" type="slidenum">
-              <a:rPr lang="en-US" smtClean="0"/>
-              <a:pPr/>
-              <a:t>15</a:t>
-            </a:fld>
-            <a:endParaRPr lang="en-US"/>
-          </a:p>
-        </p:txBody>
-      </p:sp>
-      <p:graphicFrame>
-        <p:nvGraphicFramePr>
-          <p:cNvPr id="5" name="Chart 4"/>
-          <p:cNvGraphicFramePr>
-            <a:graphicFrameLocks/>
-          </p:cNvGraphicFramePr>
-          <p:nvPr/>
-        </p:nvGraphicFramePr>
-        <p:xfrm>
-          <a:off x="2819400" y="3505200"/>
-          <a:ext cx="5257800" cy="3148012"/>
-        </p:xfrm>
-        <a:graphic>
-          <a:graphicData uri="http://schemas.openxmlformats.org/drawingml/2006/chart">
-            <c:chart xmlns:c="http://schemas.openxmlformats.org/drawingml/2006/chart" xmlns:r="http://schemas.openxmlformats.org/officeDocument/2006/relationships" r:id="rId2"/>
-          </a:graphicData>
-        </a:graphic>
-      </p:graphicFrame>
-    </p:spTree>
-  </p:cSld>
-  <p:clrMapOvr>
-    <a:masterClrMapping/>
-  </p:clrMapOvr>
-  <p:timing>
-    <p:tnLst>
-      <p:par>
-        <p:cTn id="1" dur="indefinite" restart="never" nodeType="tmRoot"/>
-      </p:par>
-    </p:tnLst>
-  </p:timing>
-</p:sld>
-</file>
-
-<file path=ppt/slides/slide16.xml><?xml version="1.0" encoding="utf-8"?>
-<p:sld xmlns:a="http://schemas.openxmlformats.org/drawingml/2006/main" xmlns:r="http://schemas.openxmlformats.org/officeDocument/2006/relationships" xmlns:mc="http://schemas.openxmlformats.org/markup-compatibility/2006" xmlns:mv="urn:schemas-microsoft-com:mac:vml" xmlns:p="http://schemas.openxmlformats.org/presentationml/2006/main" mc:Ignorable="mv" mc:PreserveAttributes="mv:*">
-  <p:cSld>
-    <p:spTree>
-      <p:nvGrpSpPr>
-        <p:cNvPr id="1" name=""/>
-        <p:cNvGrpSpPr/>
-        <p:nvPr/>
-      </p:nvGrpSpPr>
-      <p:grpSpPr>
-        <a:xfrm>
-          <a:off x="0" y="0"/>
-          <a:ext cx="0" cy="0"/>
-          <a:chOff x="0" y="0"/>
-          <a:chExt cx="0" cy="0"/>
-        </a:xfrm>
-      </p:grpSpPr>
-      <p:sp>
-        <p:nvSpPr>
-          <p:cNvPr id="2" name="Title 1"/>
-          <p:cNvSpPr>
-            <a:spLocks noGrp="1"/>
-          </p:cNvSpPr>
-          <p:nvPr>
-            <p:ph type="title"/>
-          </p:nvPr>
-        </p:nvSpPr>
-        <p:spPr/>
-        <p:txBody>
-          <a:bodyPr/>
-          <a:lstStyle/>
-          <a:p>
-            <a:r>
-              <a:rPr lang="en-US" dirty="0" smtClean="0"/>
-              <a:t>Compare OBI and EDAM in Web Services Suggestion (example: BLAST to </a:t>
-            </a:r>
-            <a:r>
-              <a:rPr lang="en-US" dirty="0" err="1" smtClean="0"/>
-              <a:t>ClustalW</a:t>
-            </a:r>
-            <a:r>
-              <a:rPr lang="en-US" dirty="0" smtClean="0"/>
-              <a:t>)</a:t>
-            </a:r>
-            <a:endParaRPr lang="en-US" dirty="0"/>
-          </a:p>
-        </p:txBody>
-      </p:sp>
-      <p:sp>
-        <p:nvSpPr>
-          <p:cNvPr id="4" name="Slide Number Placeholder 3"/>
-          <p:cNvSpPr>
-            <a:spLocks noGrp="1"/>
-          </p:cNvSpPr>
-          <p:nvPr>
-            <p:ph type="sldNum" sz="quarter" idx="15"/>
-          </p:nvPr>
-        </p:nvSpPr>
-        <p:spPr/>
-        <p:txBody>
-          <a:bodyPr/>
-          <a:lstStyle/>
-          <a:p>
-            <a:fld id="{7B4331BB-6433-41ED-874A-4DB7FFCBDAA2}" type="slidenum">
-              <a:rPr lang="en-US" smtClean="0"/>
-              <a:pPr/>
-              <a:t>16</a:t>
-            </a:fld>
-            <a:endParaRPr lang="en-US" dirty="0"/>
-          </a:p>
-        </p:txBody>
-      </p:sp>
-      <p:sp>
-        <p:nvSpPr>
-          <p:cNvPr id="7" name="Rectangle 6"/>
-          <p:cNvSpPr/>
-          <p:nvPr/>
-        </p:nvSpPr>
-        <p:spPr>
-          <a:xfrm>
-            <a:off x="6172200" y="5334000"/>
-            <a:ext cx="990600" cy="533400"/>
-          </a:xfrm>
-          <a:prstGeom prst="rect">
-            <a:avLst/>
-          </a:prstGeom>
-          <a:solidFill>
-            <a:schemeClr val="bg1"/>
-          </a:solidFill>
-          <a:ln>
-            <a:solidFill>
-              <a:schemeClr val="bg1"/>
-            </a:solidFill>
-          </a:ln>
-        </p:spPr>
-        <p:style>
-          <a:lnRef idx="2">
-            <a:schemeClr val="accent1">
-              <a:shade val="50000"/>
-            </a:schemeClr>
-          </a:lnRef>
-          <a:fillRef idx="1">
-            <a:schemeClr val="accent1"/>
-          </a:fillRef>
-          <a:effectRef idx="0">
-            <a:schemeClr val="accent1"/>
-          </a:effectRef>
-          <a:fontRef idx="minor">
-            <a:schemeClr val="lt1"/>
-          </a:fontRef>
-        </p:style>
-        <p:txBody>
-          <a:bodyPr rtlCol="0" anchor="ctr"/>
-          <a:lstStyle/>
-          <a:p>
-            <a:pPr algn="ctr"/>
-            <a:endParaRPr lang="en-US"/>
-          </a:p>
-        </p:txBody>
-      </p:sp>
-      <p:graphicFrame>
-        <p:nvGraphicFramePr>
-          <p:cNvPr id="9" name="Content Placeholder 8"/>
-          <p:cNvGraphicFramePr>
-            <a:graphicFrameLocks noGrp="1"/>
-          </p:cNvGraphicFramePr>
-          <p:nvPr>
-            <p:ph sz="quarter" idx="1"/>
-          </p:nvPr>
-        </p:nvGraphicFramePr>
-        <p:xfrm>
-          <a:off x="1066800" y="3048000"/>
-          <a:ext cx="6477000" cy="3276600"/>
-        </p:xfrm>
-        <a:graphic>
-          <a:graphicData uri="http://schemas.openxmlformats.org/drawingml/2006/chart">
-            <c:chart xmlns:c="http://schemas.openxmlformats.org/drawingml/2006/chart" xmlns:r="http://schemas.openxmlformats.org/officeDocument/2006/relationships" r:id="rId3"/>
-          </a:graphicData>
-        </a:graphic>
-      </p:graphicFrame>
-      <p:sp>
-        <p:nvSpPr>
-          <p:cNvPr id="10" name="TextBox 9"/>
-          <p:cNvSpPr txBox="1"/>
-          <p:nvPr/>
-        </p:nvSpPr>
-        <p:spPr>
-          <a:xfrm>
-            <a:off x="1066800" y="6400800"/>
-            <a:ext cx="4822154" cy="338554"/>
-          </a:xfrm>
-          <a:prstGeom prst="rect">
-            <a:avLst/>
-          </a:prstGeom>
-          <a:noFill/>
-        </p:spPr>
-        <p:txBody>
-          <a:bodyPr wrap="none" rtlCol="0">
-            <a:spAutoFit/>
-          </a:bodyPr>
-          <a:lstStyle/>
-          <a:p>
-            <a:r>
-              <a:rPr lang="en-US" sz="1600" dirty="0" smtClean="0"/>
-              <a:t>Scores from Suggestion Engine : OBI and EDAM</a:t>
-            </a:r>
-            <a:endParaRPr lang="en-US" sz="1600" dirty="0"/>
-          </a:p>
-        </p:txBody>
-      </p:sp>
-      <p:sp>
-        <p:nvSpPr>
-          <p:cNvPr id="16" name="TextBox 15"/>
-          <p:cNvSpPr txBox="1"/>
-          <p:nvPr/>
-        </p:nvSpPr>
-        <p:spPr>
-          <a:xfrm>
-            <a:off x="609600" y="2012722"/>
-            <a:ext cx="1263487" cy="307777"/>
-          </a:xfrm>
-          <a:prstGeom prst="rect">
-            <a:avLst/>
-          </a:prstGeom>
-          <a:noFill/>
-          <a:ln>
-            <a:solidFill>
-              <a:srgbClr val="0070C0"/>
-            </a:solidFill>
-          </a:ln>
-        </p:spPr>
-        <p:txBody>
-          <a:bodyPr wrap="none" rtlCol="0">
-            <a:spAutoFit/>
-          </a:bodyPr>
-          <a:lstStyle/>
-          <a:p>
-            <a:pPr algn="ctr"/>
-            <a:r>
-              <a:rPr lang="en-US" sz="1400" dirty="0" smtClean="0"/>
-              <a:t>run </a:t>
-            </a:r>
-            <a:r>
-              <a:rPr lang="en-US" sz="1400" dirty="0" err="1" smtClean="0"/>
-              <a:t>WUblast</a:t>
-            </a:r>
-            <a:endParaRPr lang="en-US" sz="1400" dirty="0" smtClean="0"/>
-          </a:p>
-        </p:txBody>
-      </p:sp>
-      <p:sp>
-        <p:nvSpPr>
-          <p:cNvPr id="17" name="TextBox 16"/>
-          <p:cNvSpPr txBox="1"/>
-          <p:nvPr/>
-        </p:nvSpPr>
-        <p:spPr>
-          <a:xfrm>
-            <a:off x="2374843" y="2012722"/>
-            <a:ext cx="1029449" cy="307777"/>
-          </a:xfrm>
-          <a:prstGeom prst="rect">
-            <a:avLst/>
-          </a:prstGeom>
-          <a:noFill/>
-          <a:ln>
-            <a:solidFill>
-              <a:srgbClr val="0070C0"/>
-            </a:solidFill>
-          </a:ln>
-        </p:spPr>
-        <p:txBody>
-          <a:bodyPr wrap="none" rtlCol="0">
-            <a:spAutoFit/>
-          </a:bodyPr>
-          <a:lstStyle/>
-          <a:p>
-            <a:pPr algn="ctr"/>
-            <a:r>
-              <a:rPr lang="en-US" sz="1400" dirty="0" smtClean="0"/>
-              <a:t>get Result</a:t>
-            </a:r>
-            <a:endParaRPr lang="en-US" sz="1400" dirty="0"/>
-          </a:p>
-        </p:txBody>
-      </p:sp>
-      <p:sp>
-        <p:nvSpPr>
-          <p:cNvPr id="18" name="TextBox 17"/>
-          <p:cNvSpPr txBox="1"/>
-          <p:nvPr/>
-        </p:nvSpPr>
-        <p:spPr>
-          <a:xfrm>
-            <a:off x="3906048" y="2012722"/>
-            <a:ext cx="1132041" cy="307777"/>
-          </a:xfrm>
-          <a:prstGeom prst="rect">
-            <a:avLst/>
-          </a:prstGeom>
-          <a:noFill/>
-          <a:ln>
-            <a:solidFill>
-              <a:srgbClr val="0070C0"/>
-            </a:solidFill>
-          </a:ln>
-        </p:spPr>
-        <p:txBody>
-          <a:bodyPr wrap="none" rtlCol="0">
-            <a:spAutoFit/>
-          </a:bodyPr>
-          <a:lstStyle/>
-          <a:p>
-            <a:pPr algn="ctr"/>
-            <a:r>
-              <a:rPr lang="en-US" sz="1400" dirty="0" smtClean="0"/>
-              <a:t>fetch Batch</a:t>
-            </a:r>
-            <a:endParaRPr lang="en-US" sz="1400" dirty="0"/>
-          </a:p>
-        </p:txBody>
-      </p:sp>
-      <p:sp>
-        <p:nvSpPr>
-          <p:cNvPr id="19" name="TextBox 18"/>
-          <p:cNvSpPr txBox="1"/>
-          <p:nvPr/>
-        </p:nvSpPr>
-        <p:spPr>
-          <a:xfrm>
-            <a:off x="5539845" y="1905000"/>
-            <a:ext cx="1082349" cy="523220"/>
-          </a:xfrm>
-          <a:prstGeom prst="rect">
-            <a:avLst/>
-          </a:prstGeom>
-          <a:noFill/>
-          <a:ln>
-            <a:solidFill>
-              <a:srgbClr val="0070C0"/>
-            </a:solidFill>
-          </a:ln>
-        </p:spPr>
-        <p:txBody>
-          <a:bodyPr wrap="square" rtlCol="0">
-            <a:spAutoFit/>
-          </a:bodyPr>
-          <a:lstStyle/>
-          <a:p>
-            <a:pPr algn="ctr"/>
-            <a:r>
-              <a:rPr lang="en-US" sz="1400" dirty="0" smtClean="0"/>
-              <a:t>run </a:t>
-            </a:r>
-            <a:r>
-              <a:rPr lang="en-US" sz="1400" dirty="0" err="1" smtClean="0"/>
-              <a:t>ClustalW</a:t>
-            </a:r>
-            <a:endParaRPr lang="en-US" sz="1400" dirty="0"/>
-          </a:p>
-        </p:txBody>
-      </p:sp>
-      <p:sp>
-        <p:nvSpPr>
-          <p:cNvPr id="20" name="TextBox 19"/>
-          <p:cNvSpPr txBox="1"/>
-          <p:nvPr/>
-        </p:nvSpPr>
-        <p:spPr>
-          <a:xfrm>
-            <a:off x="7123951" y="2012722"/>
-            <a:ext cx="1029449" cy="307777"/>
-          </a:xfrm>
-          <a:prstGeom prst="rect">
-            <a:avLst/>
-          </a:prstGeom>
-          <a:noFill/>
-          <a:ln>
-            <a:solidFill>
-              <a:srgbClr val="0070C0"/>
-            </a:solidFill>
-          </a:ln>
-        </p:spPr>
-        <p:txBody>
-          <a:bodyPr wrap="none" rtlCol="0">
-            <a:spAutoFit/>
-          </a:bodyPr>
-          <a:lstStyle/>
-          <a:p>
-            <a:pPr algn="ctr"/>
-            <a:r>
-              <a:rPr lang="en-US" sz="1400" dirty="0" smtClean="0"/>
-              <a:t>get Result</a:t>
-            </a:r>
-            <a:endParaRPr lang="en-US" sz="1400" dirty="0"/>
-          </a:p>
-        </p:txBody>
-      </p:sp>
-      <p:cxnSp>
-        <p:nvCxnSpPr>
-          <p:cNvPr id="22" name="Straight Arrow Connector 21"/>
-          <p:cNvCxnSpPr>
-            <a:stCxn id="16" idx="3"/>
-            <a:endCxn id="17" idx="1"/>
-          </p:cNvCxnSpPr>
-          <p:nvPr/>
-        </p:nvCxnSpPr>
-        <p:spPr>
-          <a:xfrm>
-            <a:off x="1873087" y="2166611"/>
-            <a:ext cx="501756" cy="1588"/>
-          </a:xfrm>
-          <a:prstGeom prst="straightConnector1">
-            <a:avLst/>
-          </a:prstGeom>
-          <a:ln w="19050">
-            <a:solidFill>
-              <a:srgbClr val="FF0000"/>
-            </a:solidFill>
-            <a:tailEnd type="arrow"/>
-          </a:ln>
-        </p:spPr>
-        <p:style>
-          <a:lnRef idx="1">
-            <a:schemeClr val="accent1"/>
-          </a:lnRef>
-          <a:fillRef idx="0">
-            <a:schemeClr val="accent1"/>
-          </a:fillRef>
-          <a:effectRef idx="0">
-            <a:schemeClr val="accent1"/>
-          </a:effectRef>
-          <a:fontRef idx="minor">
-            <a:schemeClr val="tx1"/>
-          </a:fontRef>
-        </p:style>
-      </p:cxnSp>
-      <p:sp>
-        <p:nvSpPr>
-          <p:cNvPr id="23" name="TextBox 22"/>
-          <p:cNvSpPr txBox="1"/>
-          <p:nvPr/>
-        </p:nvSpPr>
-        <p:spPr>
-          <a:xfrm>
-            <a:off x="1638295" y="1447800"/>
-            <a:ext cx="952505" cy="369332"/>
-          </a:xfrm>
-          <a:prstGeom prst="rect">
-            <a:avLst/>
-          </a:prstGeom>
-          <a:noFill/>
-        </p:spPr>
-        <p:txBody>
-          <a:bodyPr wrap="none" rtlCol="0">
-            <a:spAutoFit/>
-          </a:bodyPr>
-          <a:lstStyle/>
-          <a:p>
-            <a:pPr algn="ctr"/>
-            <a:r>
-              <a:rPr lang="en-US" b="1" dirty="0" smtClean="0">
-                <a:solidFill>
-                  <a:srgbClr val="008000"/>
-                </a:solidFill>
-                <a:latin typeface="Arial" pitchFamily="34" charset="0"/>
-                <a:cs typeface="Arial" pitchFamily="34" charset="0"/>
-              </a:rPr>
-              <a:t>Case 1</a:t>
-            </a:r>
-            <a:endParaRPr lang="en-US" b="1" dirty="0">
-              <a:solidFill>
-                <a:srgbClr val="008000"/>
-              </a:solidFill>
-              <a:latin typeface="Arial" pitchFamily="34" charset="0"/>
-              <a:cs typeface="Arial" pitchFamily="34" charset="0"/>
-            </a:endParaRPr>
-          </a:p>
-        </p:txBody>
-      </p:sp>
-      <p:cxnSp>
-        <p:nvCxnSpPr>
-          <p:cNvPr id="25" name="Straight Arrow Connector 24"/>
-          <p:cNvCxnSpPr>
-            <a:stCxn id="17" idx="3"/>
-            <a:endCxn id="18" idx="1"/>
-          </p:cNvCxnSpPr>
-          <p:nvPr/>
-        </p:nvCxnSpPr>
-        <p:spPr>
-          <a:xfrm>
-            <a:off x="3404292" y="2166611"/>
-            <a:ext cx="501756" cy="1588"/>
-          </a:xfrm>
-          <a:prstGeom prst="straightConnector1">
-            <a:avLst/>
-          </a:prstGeom>
-          <a:ln w="19050">
-            <a:solidFill>
-              <a:srgbClr val="FF0000"/>
-            </a:solidFill>
-            <a:tailEnd type="arrow"/>
-          </a:ln>
-        </p:spPr>
-        <p:style>
-          <a:lnRef idx="1">
-            <a:schemeClr val="accent1"/>
-          </a:lnRef>
-          <a:fillRef idx="0">
-            <a:schemeClr val="accent1"/>
-          </a:fillRef>
-          <a:effectRef idx="0">
-            <a:schemeClr val="accent1"/>
-          </a:effectRef>
-          <a:fontRef idx="minor">
-            <a:schemeClr val="tx1"/>
-          </a:fontRef>
-        </p:style>
-      </p:cxnSp>
-      <p:cxnSp>
-        <p:nvCxnSpPr>
-          <p:cNvPr id="26" name="Straight Arrow Connector 25"/>
-          <p:cNvCxnSpPr>
-            <a:stCxn id="18" idx="3"/>
-            <a:endCxn id="19" idx="1"/>
-          </p:cNvCxnSpPr>
-          <p:nvPr/>
-        </p:nvCxnSpPr>
-        <p:spPr>
-          <a:xfrm flipV="1">
-            <a:off x="5038089" y="2166610"/>
-            <a:ext cx="501756" cy="1"/>
-          </a:xfrm>
-          <a:prstGeom prst="straightConnector1">
-            <a:avLst/>
-          </a:prstGeom>
-          <a:ln w="19050">
-            <a:solidFill>
-              <a:srgbClr val="FF0000"/>
-            </a:solidFill>
-            <a:tailEnd type="arrow"/>
-          </a:ln>
-        </p:spPr>
-        <p:style>
-          <a:lnRef idx="1">
-            <a:schemeClr val="accent1"/>
-          </a:lnRef>
-          <a:fillRef idx="0">
-            <a:schemeClr val="accent1"/>
-          </a:fillRef>
-          <a:effectRef idx="0">
-            <a:schemeClr val="accent1"/>
-          </a:effectRef>
-          <a:fontRef idx="minor">
-            <a:schemeClr val="tx1"/>
-          </a:fontRef>
-        </p:style>
-      </p:cxnSp>
-      <p:cxnSp>
-        <p:nvCxnSpPr>
-          <p:cNvPr id="29" name="Straight Arrow Connector 28"/>
-          <p:cNvCxnSpPr>
-            <a:stCxn id="19" idx="3"/>
-            <a:endCxn id="20" idx="1"/>
-          </p:cNvCxnSpPr>
-          <p:nvPr/>
-        </p:nvCxnSpPr>
-        <p:spPr>
-          <a:xfrm>
-            <a:off x="6622194" y="2166610"/>
-            <a:ext cx="501757" cy="1"/>
-          </a:xfrm>
-          <a:prstGeom prst="straightConnector1">
-            <a:avLst/>
-          </a:prstGeom>
-          <a:ln w="19050">
-            <a:solidFill>
-              <a:srgbClr val="FF0000"/>
-            </a:solidFill>
-            <a:tailEnd type="arrow"/>
-          </a:ln>
-        </p:spPr>
-        <p:style>
-          <a:lnRef idx="1">
-            <a:schemeClr val="accent1"/>
-          </a:lnRef>
-          <a:fillRef idx="0">
-            <a:schemeClr val="accent1"/>
-          </a:fillRef>
-          <a:effectRef idx="0">
-            <a:schemeClr val="accent1"/>
-          </a:effectRef>
-          <a:fontRef idx="minor">
-            <a:schemeClr val="tx1"/>
-          </a:fontRef>
-        </p:style>
-      </p:cxnSp>
-      <p:sp>
-        <p:nvSpPr>
-          <p:cNvPr id="32" name="TextBox 31"/>
-          <p:cNvSpPr txBox="1"/>
-          <p:nvPr/>
-        </p:nvSpPr>
-        <p:spPr>
-          <a:xfrm>
-            <a:off x="3225797" y="1447800"/>
-            <a:ext cx="952505" cy="369332"/>
-          </a:xfrm>
-          <a:prstGeom prst="rect">
-            <a:avLst/>
-          </a:prstGeom>
-          <a:noFill/>
-        </p:spPr>
-        <p:txBody>
-          <a:bodyPr wrap="none" rtlCol="0">
-            <a:spAutoFit/>
-          </a:bodyPr>
-          <a:lstStyle/>
-          <a:p>
-            <a:pPr algn="ctr"/>
-            <a:r>
-              <a:rPr lang="en-US" b="1" dirty="0" smtClean="0">
-                <a:solidFill>
-                  <a:srgbClr val="008000"/>
-                </a:solidFill>
-                <a:latin typeface="Arial" pitchFamily="34" charset="0"/>
-                <a:cs typeface="Arial" pitchFamily="34" charset="0"/>
-              </a:rPr>
-              <a:t>Case 2</a:t>
-            </a:r>
-            <a:endParaRPr lang="en-US" b="1" dirty="0">
-              <a:solidFill>
-                <a:srgbClr val="008000"/>
-              </a:solidFill>
-              <a:latin typeface="Arial" pitchFamily="34" charset="0"/>
-              <a:cs typeface="Arial" pitchFamily="34" charset="0"/>
-            </a:endParaRPr>
-          </a:p>
-        </p:txBody>
-      </p:sp>
-      <p:sp>
-        <p:nvSpPr>
-          <p:cNvPr id="33" name="TextBox 32"/>
-          <p:cNvSpPr txBox="1"/>
-          <p:nvPr/>
-        </p:nvSpPr>
-        <p:spPr>
-          <a:xfrm>
-            <a:off x="4813299" y="1447800"/>
-            <a:ext cx="952505" cy="369332"/>
-          </a:xfrm>
-          <a:prstGeom prst="rect">
-            <a:avLst/>
-          </a:prstGeom>
-          <a:noFill/>
-        </p:spPr>
-        <p:txBody>
-          <a:bodyPr wrap="none" rtlCol="0">
-            <a:spAutoFit/>
-          </a:bodyPr>
-          <a:lstStyle/>
-          <a:p>
-            <a:pPr algn="ctr"/>
-            <a:r>
-              <a:rPr lang="en-US" b="1" dirty="0" smtClean="0">
-                <a:solidFill>
-                  <a:srgbClr val="008000"/>
-                </a:solidFill>
-                <a:latin typeface="Arial" pitchFamily="34" charset="0"/>
-                <a:cs typeface="Arial" pitchFamily="34" charset="0"/>
-              </a:rPr>
-              <a:t>Case 3</a:t>
-            </a:r>
-            <a:endParaRPr lang="en-US" b="1" dirty="0">
-              <a:solidFill>
-                <a:srgbClr val="008000"/>
-              </a:solidFill>
-              <a:latin typeface="Arial" pitchFamily="34" charset="0"/>
-              <a:cs typeface="Arial" pitchFamily="34" charset="0"/>
-            </a:endParaRPr>
-          </a:p>
-        </p:txBody>
-      </p:sp>
-      <p:sp>
-        <p:nvSpPr>
-          <p:cNvPr id="34" name="TextBox 33"/>
-          <p:cNvSpPr txBox="1"/>
-          <p:nvPr/>
-        </p:nvSpPr>
-        <p:spPr>
-          <a:xfrm>
-            <a:off x="6400800" y="1447800"/>
-            <a:ext cx="952505" cy="369332"/>
-          </a:xfrm>
-          <a:prstGeom prst="rect">
-            <a:avLst/>
-          </a:prstGeom>
-          <a:noFill/>
-        </p:spPr>
-        <p:txBody>
-          <a:bodyPr wrap="none" rtlCol="0">
-            <a:spAutoFit/>
-          </a:bodyPr>
-          <a:lstStyle/>
-          <a:p>
-            <a:pPr algn="ctr"/>
-            <a:r>
-              <a:rPr lang="en-US" b="1" dirty="0" smtClean="0">
-                <a:solidFill>
-                  <a:srgbClr val="008000"/>
-                </a:solidFill>
-                <a:latin typeface="Arial" pitchFamily="34" charset="0"/>
-                <a:cs typeface="Arial" pitchFamily="34" charset="0"/>
-              </a:rPr>
-              <a:t>Case 4</a:t>
-            </a:r>
-            <a:endParaRPr lang="en-US" b="1" dirty="0">
-              <a:solidFill>
-                <a:srgbClr val="008000"/>
-              </a:solidFill>
-              <a:latin typeface="Arial" pitchFamily="34" charset="0"/>
-              <a:cs typeface="Arial" pitchFamily="34" charset="0"/>
-            </a:endParaRPr>
-          </a:p>
-        </p:txBody>
-      </p:sp>
-      <p:sp>
-        <p:nvSpPr>
-          <p:cNvPr id="36" name="Rectangle 35"/>
-          <p:cNvSpPr/>
-          <p:nvPr/>
-        </p:nvSpPr>
-        <p:spPr>
-          <a:xfrm>
-            <a:off x="457200" y="1828800"/>
-            <a:ext cx="3124200" cy="685800"/>
-          </a:xfrm>
-          <a:prstGeom prst="rect">
-            <a:avLst/>
-          </a:prstGeom>
-          <a:noFill/>
-          <a:ln w="12700">
-            <a:solidFill>
-              <a:srgbClr val="0070C0"/>
-            </a:solidFill>
-            <a:prstDash val="dashDot"/>
-          </a:ln>
-        </p:spPr>
-        <p:style>
-          <a:lnRef idx="2">
-            <a:schemeClr val="accent1">
-              <a:shade val="50000"/>
-            </a:schemeClr>
-          </a:lnRef>
-          <a:fillRef idx="1">
-            <a:schemeClr val="accent1"/>
-          </a:fillRef>
-          <a:effectRef idx="0">
-            <a:schemeClr val="accent1"/>
-          </a:effectRef>
-          <a:fontRef idx="minor">
-            <a:schemeClr val="lt1"/>
-          </a:fontRef>
-        </p:style>
-        <p:txBody>
-          <a:bodyPr rtlCol="0" anchor="ctr"/>
-          <a:lstStyle/>
-          <a:p>
-            <a:pPr algn="ctr"/>
-            <a:endParaRPr lang="en-US"/>
-          </a:p>
-        </p:txBody>
-      </p:sp>
-      <p:sp>
-        <p:nvSpPr>
-          <p:cNvPr id="37" name="TextBox 36"/>
-          <p:cNvSpPr txBox="1"/>
-          <p:nvPr/>
-        </p:nvSpPr>
-        <p:spPr>
-          <a:xfrm>
-            <a:off x="1600200" y="2526268"/>
-            <a:ext cx="971741" cy="369332"/>
-          </a:xfrm>
-          <a:prstGeom prst="rect">
-            <a:avLst/>
-          </a:prstGeom>
-          <a:noFill/>
-        </p:spPr>
-        <p:txBody>
-          <a:bodyPr wrap="none" rtlCol="0">
-            <a:spAutoFit/>
-          </a:bodyPr>
-          <a:lstStyle/>
-          <a:p>
-            <a:r>
-              <a:rPr lang="en-US" dirty="0" smtClean="0"/>
-              <a:t>BLAST</a:t>
-            </a:r>
-            <a:endParaRPr lang="en-US" dirty="0"/>
-          </a:p>
-        </p:txBody>
-      </p:sp>
-      <p:sp>
-        <p:nvSpPr>
-          <p:cNvPr id="38" name="Rectangle 37"/>
-          <p:cNvSpPr/>
-          <p:nvPr/>
-        </p:nvSpPr>
-        <p:spPr>
-          <a:xfrm>
-            <a:off x="5410200" y="1828800"/>
-            <a:ext cx="2895600" cy="685800"/>
-          </a:xfrm>
-          <a:prstGeom prst="rect">
-            <a:avLst/>
-          </a:prstGeom>
-          <a:noFill/>
-          <a:ln w="12700">
-            <a:solidFill>
-              <a:srgbClr val="0070C0"/>
-            </a:solidFill>
-            <a:prstDash val="dashDot"/>
-          </a:ln>
-        </p:spPr>
-        <p:style>
-          <a:lnRef idx="2">
-            <a:schemeClr val="accent1">
-              <a:shade val="50000"/>
-            </a:schemeClr>
-          </a:lnRef>
-          <a:fillRef idx="1">
-            <a:schemeClr val="accent1"/>
-          </a:fillRef>
-          <a:effectRef idx="0">
-            <a:schemeClr val="accent1"/>
-          </a:effectRef>
-          <a:fontRef idx="minor">
-            <a:schemeClr val="lt1"/>
-          </a:fontRef>
-        </p:style>
-        <p:txBody>
-          <a:bodyPr rtlCol="0" anchor="ctr"/>
-          <a:lstStyle/>
-          <a:p>
-            <a:pPr algn="ctr"/>
-            <a:endParaRPr lang="en-US"/>
-          </a:p>
-        </p:txBody>
-      </p:sp>
-      <p:sp>
-        <p:nvSpPr>
-          <p:cNvPr id="39" name="TextBox 38"/>
-          <p:cNvSpPr txBox="1"/>
-          <p:nvPr/>
-        </p:nvSpPr>
-        <p:spPr>
-          <a:xfrm>
-            <a:off x="6248400" y="2590800"/>
-            <a:ext cx="1188146" cy="369332"/>
-          </a:xfrm>
-          <a:prstGeom prst="rect">
-            <a:avLst/>
-          </a:prstGeom>
-          <a:noFill/>
-        </p:spPr>
-        <p:txBody>
-          <a:bodyPr wrap="none" rtlCol="0">
-            <a:spAutoFit/>
-          </a:bodyPr>
-          <a:lstStyle/>
-          <a:p>
-            <a:r>
-              <a:rPr lang="en-US" dirty="0" err="1" smtClean="0"/>
-              <a:t>ClustalW</a:t>
-            </a:r>
-            <a:endParaRPr lang="en-US" dirty="0"/>
-          </a:p>
-        </p:txBody>
-      </p:sp>
-    </p:spTree>
-  </p:cSld>
-  <p:clrMapOvr>
-    <a:masterClrMapping/>
-  </p:clrMapOvr>
-  <p:timing>
-    <p:tnLst>
-      <p:par>
-        <p:cTn id="1" dur="indefinite" restart="never" nodeType="tmRoot"/>
-      </p:par>
-    </p:tnLst>
-  </p:timing>
-</p:sld>
-</file>
-
-<file path=ppt/slides/slide17.xml><?xml version="1.0" encoding="utf-8"?>
-<p:sld xmlns:a="http://schemas.openxmlformats.org/drawingml/2006/main" xmlns:r="http://schemas.openxmlformats.org/officeDocument/2006/relationships" xmlns:mc="http://schemas.openxmlformats.org/markup-compatibility/2006" xmlns:mv="urn:schemas-microsoft-com:mac:vml" xmlns:p="http://schemas.openxmlformats.org/presentationml/2006/main" mc:Ignorable="mv" mc:PreserveAttributes="mv:*">
-  <p:cSld>
-    <p:spTree>
-      <p:nvGrpSpPr>
-        <p:cNvPr id="1" name=""/>
-        <p:cNvGrpSpPr/>
-        <p:nvPr/>
-      </p:nvGrpSpPr>
-      <p:grpSpPr>
-        <a:xfrm>
-          <a:off x="0" y="0"/>
-          <a:ext cx="0" cy="0"/>
-          <a:chOff x="0" y="0"/>
-          <a:chExt cx="0" cy="0"/>
-        </a:xfrm>
-      </p:grpSpPr>
-      <p:sp>
-        <p:nvSpPr>
-          <p:cNvPr id="2" name="Title 1"/>
-          <p:cNvSpPr>
-            <a:spLocks noGrp="1"/>
-          </p:cNvSpPr>
-          <p:nvPr>
-            <p:ph type="title"/>
-          </p:nvPr>
-        </p:nvSpPr>
-        <p:spPr/>
-        <p:txBody>
-          <a:bodyPr>
-            <a:normAutofit/>
-          </a:bodyPr>
-          <a:lstStyle/>
-          <a:p>
-            <a:r>
-              <a:rPr lang="en-US" sz="4000" dirty="0" smtClean="0"/>
-              <a:t>Thank You</a:t>
-            </a:r>
-            <a:endParaRPr lang="en-US" sz="4000" dirty="0"/>
-          </a:p>
-        </p:txBody>
-      </p:sp>
-      <p:sp>
-        <p:nvSpPr>
-          <p:cNvPr id="3" name="Slide Number Placeholder 2"/>
-          <p:cNvSpPr>
-            <a:spLocks noGrp="1"/>
-          </p:cNvSpPr>
-          <p:nvPr>
-            <p:ph type="sldNum" sz="quarter" idx="11"/>
-          </p:nvPr>
-        </p:nvSpPr>
-        <p:spPr/>
-        <p:txBody>
-          <a:bodyPr/>
-          <a:lstStyle/>
-          <a:p>
-            <a:fld id="{7B4331BB-6433-41ED-874A-4DB7FFCBDAA2}" type="slidenum">
-              <a:rPr lang="en-US" smtClean="0"/>
-              <a:pPr/>
-              <a:t>17</a:t>
-            </a:fld>
-            <a:endParaRPr lang="en-US" dirty="0"/>
-          </a:p>
-        </p:txBody>
-      </p:sp>
-    </p:spTree>
-  </p:cSld>
-  <p:clrMapOvr>
-    <a:masterClrMapping/>
-  </p:clrMapOvr>
-  <p:timing>
-    <p:tnLst>
-      <p:par>
-        <p:cTn id="1" dur="indefinite" restart="never" nodeType="tmRoot"/>
-      </p:par>
-    </p:tnLst>
-  </p:timing>
-</p:sld>
-</file>
-
-<file path=ppt/slides/slide18.xml><?xml version="1.0" encoding="utf-8"?>
-<p:sld xmlns:a="http://schemas.openxmlformats.org/drawingml/2006/main" xmlns:r="http://schemas.openxmlformats.org/officeDocument/2006/relationships" xmlns:mc="http://schemas.openxmlformats.org/markup-compatibility/2006" xmlns:mv="urn:schemas-microsoft-com:mac:vml" xmlns:p="http://schemas.openxmlformats.org/presentationml/2006/main" mc:Ignorable="mv" mc:PreserveAttributes="mv:*">
-  <p:cSld>
-    <p:spTree>
-      <p:nvGrpSpPr>
-        <p:cNvPr id="1" name=""/>
-        <p:cNvGrpSpPr/>
-        <p:nvPr/>
-      </p:nvGrpSpPr>
-      <p:grpSpPr>
-        <a:xfrm>
-          <a:off x="0" y="0"/>
-          <a:ext cx="0" cy="0"/>
-          <a:chOff x="0" y="0"/>
-          <a:chExt cx="0" cy="0"/>
-        </a:xfrm>
-      </p:grpSpPr>
-      <p:sp>
-        <p:nvSpPr>
-          <p:cNvPr id="4" name="Title 3"/>
-          <p:cNvSpPr>
-            <a:spLocks noGrp="1"/>
-          </p:cNvSpPr>
-          <p:nvPr>
-            <p:ph type="title"/>
-          </p:nvPr>
-        </p:nvSpPr>
-        <p:spPr/>
-        <p:txBody>
-          <a:bodyPr/>
-          <a:lstStyle/>
-          <a:p>
-            <a:r>
-              <a:rPr lang="en-US" dirty="0" smtClean="0"/>
-              <a:t>Service</a:t>
-            </a:r>
-            <a:endParaRPr lang="en-US" dirty="0"/>
-          </a:p>
-        </p:txBody>
-      </p:sp>
-      <p:sp>
-        <p:nvSpPr>
-          <p:cNvPr id="5" name="Content Placeholder 4"/>
-          <p:cNvSpPr>
-            <a:spLocks noGrp="1"/>
-          </p:cNvSpPr>
-          <p:nvPr>
-            <p:ph sz="quarter" idx="1"/>
-          </p:nvPr>
-        </p:nvSpPr>
-        <p:spPr/>
-        <p:txBody>
-          <a:bodyPr/>
-          <a:lstStyle/>
-          <a:p>
-            <a:r>
-              <a:rPr lang="en-US" dirty="0" smtClean="0"/>
-              <a:t>planned process‘	</a:t>
-            </a:r>
-          </a:p>
-          <a:p>
-            <a:r>
-              <a:rPr lang="en-US" dirty="0" smtClean="0"/>
-              <a:t>(realizes some 'service consumer role') and (realizes some 'service provider role')</a:t>
-            </a:r>
-          </a:p>
-          <a:p>
-            <a:r>
-              <a:rPr lang="en-US" dirty="0" smtClean="0"/>
-              <a:t>Do we need to provide which entity has 'service consumer role‘ and 'service provider role‘ in different service?</a:t>
-            </a:r>
-          </a:p>
-          <a:p>
-            <a:r>
-              <a:rPr lang="en-US" dirty="0" err="1" smtClean="0"/>
-              <a:t>eg</a:t>
-            </a:r>
-            <a:r>
-              <a:rPr lang="en-US" dirty="0" smtClean="0"/>
-              <a:t>. web service</a:t>
-            </a:r>
-            <a:endParaRPr lang="en-US" dirty="0"/>
-          </a:p>
-        </p:txBody>
-      </p:sp>
-      <p:sp>
-        <p:nvSpPr>
-          <p:cNvPr id="3" name="Slide Number Placeholder 2"/>
-          <p:cNvSpPr>
-            <a:spLocks noGrp="1"/>
-          </p:cNvSpPr>
-          <p:nvPr>
-            <p:ph type="sldNum" sz="quarter" idx="15"/>
-          </p:nvPr>
-        </p:nvSpPr>
-        <p:spPr/>
-        <p:txBody>
-          <a:bodyPr/>
-          <a:lstStyle/>
-          <a:p>
-            <a:fld id="{7B4331BB-6433-41ED-874A-4DB7FFCBDAA2}" type="slidenum">
-              <a:rPr lang="en-US" smtClean="0"/>
-              <a:pPr/>
-              <a:t>18</a:t>
-            </a:fld>
-            <a:endParaRPr lang="en-US" dirty="0"/>
-          </a:p>
-        </p:txBody>
-      </p:sp>
-    </p:spTree>
-  </p:cSld>
-  <p:clrMapOvr>
-    <a:masterClrMapping/>
-  </p:clrMapOvr>
-</p:sld>
-</file>
-
-<file path=ppt/slides/slide19.xml><?xml version="1.0" encoding="utf-8"?>
-<p:sld xmlns:a="http://schemas.openxmlformats.org/drawingml/2006/main" xmlns:r="http://schemas.openxmlformats.org/officeDocument/2006/relationships" xmlns:mc="http://schemas.openxmlformats.org/markup-compatibility/2006" xmlns:mv="urn:schemas-microsoft-com:mac:vml" xmlns:p="http://schemas.openxmlformats.org/presentationml/2006/main" mc:Ignorable="mv" mc:PreserveAttributes="mv:*">
-  <p:cSld>
-    <p:spTree>
-      <p:nvGrpSpPr>
-        <p:cNvPr id="1" name=""/>
-        <p:cNvGrpSpPr/>
-        <p:nvPr/>
-      </p:nvGrpSpPr>
-      <p:grpSpPr>
-        <a:xfrm>
-          <a:off x="0" y="0"/>
-          <a:ext cx="0" cy="0"/>
-          <a:chOff x="0" y="0"/>
-          <a:chExt cx="0" cy="0"/>
-        </a:xfrm>
-      </p:grpSpPr>
-      <p:grpSp>
-        <p:nvGrpSpPr>
-          <p:cNvPr id="23" name="Group 22"/>
-          <p:cNvGrpSpPr/>
-          <p:nvPr/>
-        </p:nvGrpSpPr>
-        <p:grpSpPr>
-          <a:xfrm>
-            <a:off x="0" y="1143000"/>
-            <a:ext cx="9144000" cy="5334000"/>
-            <a:chOff x="457200" y="1143000"/>
-            <a:chExt cx="7696200" cy="2676106"/>
-          </a:xfrm>
-        </p:grpSpPr>
-        <p:pic>
-          <p:nvPicPr>
-            <p:cNvPr id="54274" name="Picture 2"/>
-            <p:cNvPicPr>
-              <a:picLocks noChangeAspect="1" noChangeArrowheads="1"/>
-            </p:cNvPicPr>
-            <p:nvPr/>
-          </p:nvPicPr>
-          <p:blipFill>
-            <a:blip r:embed="rId3"/>
-            <a:srcRect/>
-            <a:stretch>
-              <a:fillRect/>
-            </a:stretch>
-          </p:blipFill>
-          <p:spPr bwMode="auto">
-            <a:xfrm>
-              <a:off x="457200" y="1143000"/>
-              <a:ext cx="7696200" cy="2676106"/>
-            </a:xfrm>
-            <a:prstGeom prst="rect">
-              <a:avLst/>
-            </a:prstGeom>
-            <a:noFill/>
-            <a:ln w="9525">
-              <a:noFill/>
-              <a:miter lim="800000"/>
-              <a:headEnd/>
-              <a:tailEnd/>
-            </a:ln>
-            <a:effectLst/>
-          </p:spPr>
-        </p:pic>
-        <p:cxnSp>
-          <p:nvCxnSpPr>
-            <p:cNvPr id="11" name="Straight Connector 10"/>
-            <p:cNvCxnSpPr/>
-            <p:nvPr/>
-          </p:nvCxnSpPr>
-          <p:spPr>
-            <a:xfrm>
-              <a:off x="6096000" y="2819400"/>
-              <a:ext cx="1981200" cy="1588"/>
-            </a:xfrm>
-            <a:prstGeom prst="line">
-              <a:avLst/>
-            </a:prstGeom>
-            <a:ln>
-              <a:solidFill>
-                <a:srgbClr val="FF0000"/>
-              </a:solidFill>
-            </a:ln>
-          </p:spPr>
-          <p:style>
-            <a:lnRef idx="1">
-              <a:schemeClr val="accent1"/>
-            </a:lnRef>
-            <a:fillRef idx="0">
-              <a:schemeClr val="accent1"/>
-            </a:fillRef>
-            <a:effectRef idx="0">
-              <a:schemeClr val="accent1"/>
-            </a:effectRef>
-            <a:fontRef idx="minor">
-              <a:schemeClr val="tx1"/>
-            </a:fontRef>
-          </p:style>
-        </p:cxnSp>
-        <p:cxnSp>
-          <p:nvCxnSpPr>
-            <p:cNvPr id="12" name="Straight Connector 11"/>
-            <p:cNvCxnSpPr/>
-            <p:nvPr/>
-          </p:nvCxnSpPr>
-          <p:spPr>
-            <a:xfrm>
-              <a:off x="5924746" y="3733800"/>
-              <a:ext cx="1981200" cy="1588"/>
-            </a:xfrm>
-            <a:prstGeom prst="line">
-              <a:avLst/>
-            </a:prstGeom>
-            <a:ln>
-              <a:solidFill>
-                <a:srgbClr val="FF0000"/>
-              </a:solidFill>
-            </a:ln>
-          </p:spPr>
-          <p:style>
-            <a:lnRef idx="1">
-              <a:schemeClr val="accent1"/>
-            </a:lnRef>
-            <a:fillRef idx="0">
-              <a:schemeClr val="accent1"/>
-            </a:fillRef>
-            <a:effectRef idx="0">
-              <a:schemeClr val="accent1"/>
-            </a:effectRef>
-            <a:fontRef idx="minor">
-              <a:schemeClr val="tx1"/>
-            </a:fontRef>
-          </p:style>
-        </p:cxnSp>
-        <p:cxnSp>
-          <p:nvCxnSpPr>
-            <p:cNvPr id="13" name="Straight Connector 12"/>
-            <p:cNvCxnSpPr/>
-            <p:nvPr/>
-          </p:nvCxnSpPr>
-          <p:spPr>
-            <a:xfrm>
-              <a:off x="2971800" y="2819400"/>
-              <a:ext cx="685800" cy="1588"/>
-            </a:xfrm>
-            <a:prstGeom prst="line">
-              <a:avLst/>
-            </a:prstGeom>
-            <a:ln>
-              <a:solidFill>
-                <a:srgbClr val="FF0000"/>
-              </a:solidFill>
-            </a:ln>
-          </p:spPr>
-          <p:style>
-            <a:lnRef idx="1">
-              <a:schemeClr val="accent1"/>
-            </a:lnRef>
-            <a:fillRef idx="0">
-              <a:schemeClr val="accent1"/>
-            </a:fillRef>
-            <a:effectRef idx="0">
-              <a:schemeClr val="accent1"/>
-            </a:effectRef>
-            <a:fontRef idx="minor">
-              <a:schemeClr val="tx1"/>
-            </a:fontRef>
-          </p:style>
-        </p:cxnSp>
-        <p:cxnSp>
-          <p:nvCxnSpPr>
-            <p:cNvPr id="16" name="Straight Connector 15"/>
-            <p:cNvCxnSpPr/>
-            <p:nvPr/>
-          </p:nvCxnSpPr>
-          <p:spPr>
-            <a:xfrm>
-              <a:off x="2971800" y="3685881"/>
-              <a:ext cx="533400" cy="1588"/>
-            </a:xfrm>
-            <a:prstGeom prst="line">
-              <a:avLst/>
-            </a:prstGeom>
-            <a:ln>
-              <a:solidFill>
-                <a:srgbClr val="FF0000"/>
-              </a:solidFill>
-            </a:ln>
-          </p:spPr>
-          <p:style>
-            <a:lnRef idx="1">
-              <a:schemeClr val="accent1"/>
-            </a:lnRef>
-            <a:fillRef idx="0">
-              <a:schemeClr val="accent1"/>
-            </a:fillRef>
-            <a:effectRef idx="0">
-              <a:schemeClr val="accent1"/>
-            </a:effectRef>
-            <a:fontRef idx="minor">
-              <a:schemeClr val="tx1"/>
-            </a:fontRef>
-          </p:style>
-        </p:cxnSp>
-        <p:sp>
-          <p:nvSpPr>
-            <p:cNvPr id="17" name="Rectangle 16"/>
-            <p:cNvSpPr/>
-            <p:nvPr/>
-          </p:nvSpPr>
-          <p:spPr>
-            <a:xfrm>
-              <a:off x="1962346" y="2019692"/>
-              <a:ext cx="762000" cy="152400"/>
-            </a:xfrm>
-            <a:prstGeom prst="rect">
-              <a:avLst/>
-            </a:prstGeom>
-            <a:noFill/>
-            <a:ln>
-              <a:solidFill>
-                <a:srgbClr val="FF0000"/>
-              </a:solidFill>
-            </a:ln>
-          </p:spPr>
-          <p:style>
-            <a:lnRef idx="2">
-              <a:schemeClr val="accent1">
-                <a:shade val="50000"/>
-              </a:schemeClr>
-            </a:lnRef>
-            <a:fillRef idx="1">
-              <a:schemeClr val="accent1"/>
-            </a:fillRef>
-            <a:effectRef idx="0">
-              <a:schemeClr val="accent1"/>
-            </a:effectRef>
-            <a:fontRef idx="minor">
-              <a:schemeClr val="lt1"/>
-            </a:fontRef>
-          </p:style>
-          <p:txBody>
-            <a:bodyPr rtlCol="0" anchor="ctr"/>
-            <a:lstStyle/>
-            <a:p>
-              <a:pPr algn="ctr"/>
-              <a:endParaRPr lang="en-US"/>
-            </a:p>
-          </p:txBody>
-        </p:sp>
-      </p:grpSp>
-      <p:sp>
-        <p:nvSpPr>
-          <p:cNvPr id="2" name="Title 1"/>
-          <p:cNvSpPr>
-            <a:spLocks noGrp="1"/>
-          </p:cNvSpPr>
-          <p:nvPr>
-            <p:ph type="title"/>
-          </p:nvPr>
-        </p:nvSpPr>
-        <p:spPr>
-          <a:xfrm>
-            <a:off x="457200" y="76200"/>
-            <a:ext cx="7467600" cy="808038"/>
-          </a:xfrm>
-        </p:spPr>
-        <p:txBody>
-          <a:bodyPr/>
-          <a:lstStyle/>
-          <a:p>
-            <a:r>
-              <a:rPr lang="en-US" dirty="0" smtClean="0"/>
-              <a:t>Annotation of WDSL (Example: WU-Blast)</a:t>
-            </a:r>
-            <a:endParaRPr lang="en-US" dirty="0"/>
-          </a:p>
-        </p:txBody>
-      </p:sp>
-      <p:sp>
-        <p:nvSpPr>
-          <p:cNvPr id="4" name="Slide Number Placeholder 3"/>
-          <p:cNvSpPr>
-            <a:spLocks noGrp="1"/>
-          </p:cNvSpPr>
-          <p:nvPr>
-            <p:ph type="sldNum" sz="quarter" idx="15"/>
-          </p:nvPr>
-        </p:nvSpPr>
-        <p:spPr/>
-        <p:txBody>
-          <a:bodyPr/>
-          <a:lstStyle/>
-          <a:p>
-            <a:fld id="{7B4331BB-6433-41ED-874A-4DB7FFCBDAA2}" type="slidenum">
-              <a:rPr lang="en-US" smtClean="0"/>
-              <a:pPr/>
-              <a:t>19</a:t>
-            </a:fld>
-            <a:endParaRPr lang="en-US"/>
-          </a:p>
-        </p:txBody>
-      </p:sp>
-      <p:sp>
-        <p:nvSpPr>
-          <p:cNvPr id="8" name="TextBox 7"/>
-          <p:cNvSpPr txBox="1"/>
-          <p:nvPr/>
-        </p:nvSpPr>
-        <p:spPr>
-          <a:xfrm>
-            <a:off x="5410200" y="877669"/>
-            <a:ext cx="3353803" cy="646331"/>
-          </a:xfrm>
-          <a:prstGeom prst="rect">
-            <a:avLst/>
-          </a:prstGeom>
-          <a:noFill/>
-        </p:spPr>
-        <p:txBody>
-          <a:bodyPr wrap="none" rtlCol="0">
-            <a:spAutoFit/>
-          </a:bodyPr>
-          <a:lstStyle/>
-          <a:p>
-            <a:r>
-              <a:rPr lang="en-US" dirty="0" smtClean="0"/>
-              <a:t>EDAM: 14 terms</a:t>
-            </a:r>
-          </a:p>
-          <a:p>
-            <a:r>
-              <a:rPr lang="en-US" dirty="0" smtClean="0"/>
-              <a:t>(21 operations or parameters)</a:t>
-            </a:r>
-            <a:endParaRPr lang="en-US" dirty="0"/>
           </a:p>
         </p:txBody>
       </p:sp>
@@ -16520,7 +13990,7 @@
 </file>
 
 <file path=ppt/slides/slide2.xml><?xml version="1.0" encoding="utf-8"?>
-<p:sld xmlns:a="http://schemas.openxmlformats.org/drawingml/2006/main" xmlns:r="http://schemas.openxmlformats.org/officeDocument/2006/relationships" xmlns:mc="http://schemas.openxmlformats.org/markup-compatibility/2006" xmlns:mv="urn:schemas-microsoft-com:mac:vml" xmlns:p="http://schemas.openxmlformats.org/presentationml/2006/main" mc:Ignorable="mv" mc:PreserveAttributes="mv:*">
+<p:sld xmlns:a="http://schemas.openxmlformats.org/drawingml/2006/main" xmlns:r="http://schemas.openxmlformats.org/officeDocument/2006/relationships" xmlns:p="http://schemas.openxmlformats.org/presentationml/2006/main">
   <p:cSld>
     <p:spTree>
       <p:nvGrpSpPr>
@@ -16653,360 +14123,6 @@
               <a:t>2</a:t>
             </a:fld>
             <a:endParaRPr lang="en-US"/>
-          </a:p>
-        </p:txBody>
-      </p:sp>
-    </p:spTree>
-  </p:cSld>
-  <p:clrMapOvr>
-    <a:masterClrMapping/>
-  </p:clrMapOvr>
-  <p:timing>
-    <p:tnLst>
-      <p:par>
-        <p:cTn id="1" dur="indefinite" restart="never" nodeType="tmRoot"/>
-      </p:par>
-    </p:tnLst>
-  </p:timing>
-</p:sld>
-</file>
-
-<file path=ppt/slides/slide20.xml><?xml version="1.0" encoding="utf-8"?>
-<p:sld xmlns:a="http://schemas.openxmlformats.org/drawingml/2006/main" xmlns:r="http://schemas.openxmlformats.org/officeDocument/2006/relationships" xmlns:mc="http://schemas.openxmlformats.org/markup-compatibility/2006" xmlns:mv="urn:schemas-microsoft-com:mac:vml" xmlns:p="http://schemas.openxmlformats.org/presentationml/2006/main" mc:Ignorable="mv" mc:PreserveAttributes="mv:*">
-  <p:cSld>
-    <p:spTree>
-      <p:nvGrpSpPr>
-        <p:cNvPr id="1" name=""/>
-        <p:cNvGrpSpPr/>
-        <p:nvPr/>
-      </p:nvGrpSpPr>
-      <p:grpSpPr>
-        <a:xfrm>
-          <a:off x="0" y="0"/>
-          <a:ext cx="0" cy="0"/>
-          <a:chOff x="0" y="0"/>
-          <a:chExt cx="0" cy="0"/>
-        </a:xfrm>
-      </p:grpSpPr>
-      <p:sp>
-        <p:nvSpPr>
-          <p:cNvPr id="2" name="Title 1"/>
-          <p:cNvSpPr>
-            <a:spLocks noGrp="1"/>
-          </p:cNvSpPr>
-          <p:nvPr>
-            <p:ph type="title"/>
-          </p:nvPr>
-        </p:nvSpPr>
-        <p:spPr>
-          <a:xfrm>
-            <a:off x="457200" y="76200"/>
-            <a:ext cx="7467600" cy="808038"/>
-          </a:xfrm>
-        </p:spPr>
-        <p:txBody>
-          <a:bodyPr/>
-          <a:lstStyle/>
-          <a:p>
-            <a:r>
-              <a:rPr lang="en-US" dirty="0" smtClean="0"/>
-              <a:t>Annotation of WDSL (Example: WU-Blast)</a:t>
-            </a:r>
-            <a:endParaRPr lang="en-US" dirty="0"/>
-          </a:p>
-        </p:txBody>
-      </p:sp>
-      <p:sp>
-        <p:nvSpPr>
-          <p:cNvPr id="4" name="Slide Number Placeholder 3"/>
-          <p:cNvSpPr>
-            <a:spLocks noGrp="1"/>
-          </p:cNvSpPr>
-          <p:nvPr>
-            <p:ph type="sldNum" sz="quarter" idx="15"/>
-          </p:nvPr>
-        </p:nvSpPr>
-        <p:spPr/>
-        <p:txBody>
-          <a:bodyPr/>
-          <a:lstStyle/>
-          <a:p>
-            <a:fld id="{7B4331BB-6433-41ED-874A-4DB7FFCBDAA2}" type="slidenum">
-              <a:rPr lang="en-US" smtClean="0"/>
-              <a:pPr/>
-              <a:t>20</a:t>
-            </a:fld>
-            <a:endParaRPr lang="en-US"/>
-          </a:p>
-        </p:txBody>
-      </p:sp>
-      <p:grpSp>
-        <p:nvGrpSpPr>
-          <p:cNvPr id="5" name="Group 23"/>
-          <p:cNvGrpSpPr/>
-          <p:nvPr/>
-        </p:nvGrpSpPr>
-        <p:grpSpPr>
-          <a:xfrm>
-            <a:off x="0" y="1143000"/>
-            <a:ext cx="9144000" cy="5638800"/>
-            <a:chOff x="533400" y="4114800"/>
-            <a:chExt cx="7629158" cy="2667000"/>
-          </a:xfrm>
-        </p:grpSpPr>
-        <p:pic>
-          <p:nvPicPr>
-            <p:cNvPr id="54275" name="Picture 3"/>
-            <p:cNvPicPr>
-              <a:picLocks noChangeAspect="1" noChangeArrowheads="1"/>
-            </p:cNvPicPr>
-            <p:nvPr/>
-          </p:nvPicPr>
-          <p:blipFill>
-            <a:blip r:embed="rId3"/>
-            <a:srcRect/>
-            <a:stretch>
-              <a:fillRect/>
-            </a:stretch>
-          </p:blipFill>
-          <p:spPr bwMode="auto">
-            <a:xfrm>
-              <a:off x="533400" y="4114800"/>
-              <a:ext cx="7629158" cy="2667000"/>
-            </a:xfrm>
-            <a:prstGeom prst="rect">
-              <a:avLst/>
-            </a:prstGeom>
-            <a:noFill/>
-            <a:ln w="9525">
-              <a:noFill/>
-              <a:miter lim="800000"/>
-              <a:headEnd/>
-              <a:tailEnd/>
-            </a:ln>
-            <a:effectLst/>
-          </p:spPr>
-        </p:pic>
-        <p:cxnSp>
-          <p:nvCxnSpPr>
-            <p:cNvPr id="18" name="Straight Connector 17"/>
-            <p:cNvCxnSpPr/>
-            <p:nvPr/>
-          </p:nvCxnSpPr>
-          <p:spPr>
-            <a:xfrm>
-              <a:off x="3095919" y="5791200"/>
-              <a:ext cx="685800" cy="1588"/>
-            </a:xfrm>
-            <a:prstGeom prst="line">
-              <a:avLst/>
-            </a:prstGeom>
-            <a:ln>
-              <a:solidFill>
-                <a:srgbClr val="FF0000"/>
-              </a:solidFill>
-            </a:ln>
-          </p:spPr>
-          <p:style>
-            <a:lnRef idx="1">
-              <a:schemeClr val="accent1"/>
-            </a:lnRef>
-            <a:fillRef idx="0">
-              <a:schemeClr val="accent1"/>
-            </a:fillRef>
-            <a:effectRef idx="0">
-              <a:schemeClr val="accent1"/>
-            </a:effectRef>
-            <a:fontRef idx="minor">
-              <a:schemeClr val="tx1"/>
-            </a:fontRef>
-          </p:style>
-        </p:cxnSp>
-        <p:cxnSp>
-          <p:nvCxnSpPr>
-            <p:cNvPr id="19" name="Straight Connector 18"/>
-            <p:cNvCxnSpPr/>
-            <p:nvPr/>
-          </p:nvCxnSpPr>
-          <p:spPr>
-            <a:xfrm>
-              <a:off x="3048000" y="6686746"/>
-              <a:ext cx="533400" cy="1588"/>
-            </a:xfrm>
-            <a:prstGeom prst="line">
-              <a:avLst/>
-            </a:prstGeom>
-            <a:ln>
-              <a:solidFill>
-                <a:srgbClr val="FF0000"/>
-              </a:solidFill>
-            </a:ln>
-          </p:spPr>
-          <p:style>
-            <a:lnRef idx="1">
-              <a:schemeClr val="accent1"/>
-            </a:lnRef>
-            <a:fillRef idx="0">
-              <a:schemeClr val="accent1"/>
-            </a:fillRef>
-            <a:effectRef idx="0">
-              <a:schemeClr val="accent1"/>
-            </a:effectRef>
-            <a:fontRef idx="minor">
-              <a:schemeClr val="tx1"/>
-            </a:fontRef>
-          </p:style>
-        </p:cxnSp>
-        <p:cxnSp>
-          <p:nvCxnSpPr>
-            <p:cNvPr id="21" name="Straight Connector 20"/>
-            <p:cNvCxnSpPr/>
-            <p:nvPr/>
-          </p:nvCxnSpPr>
-          <p:spPr>
-            <a:xfrm>
-              <a:off x="5943600" y="6705600"/>
-              <a:ext cx="1981200" cy="1588"/>
-            </a:xfrm>
-            <a:prstGeom prst="line">
-              <a:avLst/>
-            </a:prstGeom>
-            <a:ln>
-              <a:solidFill>
-                <a:srgbClr val="FF0000"/>
-              </a:solidFill>
-            </a:ln>
-          </p:spPr>
-          <p:style>
-            <a:lnRef idx="1">
-              <a:schemeClr val="accent1"/>
-            </a:lnRef>
-            <a:fillRef idx="0">
-              <a:schemeClr val="accent1"/>
-            </a:fillRef>
-            <a:effectRef idx="0">
-              <a:schemeClr val="accent1"/>
-            </a:effectRef>
-            <a:fontRef idx="minor">
-              <a:schemeClr val="tx1"/>
-            </a:fontRef>
-          </p:style>
-        </p:cxnSp>
-        <p:cxnSp>
-          <p:nvCxnSpPr>
-            <p:cNvPr id="22" name="Straight Connector 21"/>
-            <p:cNvCxnSpPr/>
-            <p:nvPr/>
-          </p:nvCxnSpPr>
-          <p:spPr>
-            <a:xfrm>
-              <a:off x="6172200" y="5791200"/>
-              <a:ext cx="1981200" cy="1588"/>
-            </a:xfrm>
-            <a:prstGeom prst="line">
-              <a:avLst/>
-            </a:prstGeom>
-            <a:ln>
-              <a:solidFill>
-                <a:srgbClr val="FF0000"/>
-              </a:solidFill>
-            </a:ln>
-          </p:spPr>
-          <p:style>
-            <a:lnRef idx="1">
-              <a:schemeClr val="accent1"/>
-            </a:lnRef>
-            <a:fillRef idx="0">
-              <a:schemeClr val="accent1"/>
-            </a:fillRef>
-            <a:effectRef idx="0">
-              <a:schemeClr val="accent1"/>
-            </a:effectRef>
-            <a:fontRef idx="minor">
-              <a:schemeClr val="tx1"/>
-            </a:fontRef>
-          </p:style>
-        </p:cxnSp>
-        <p:sp>
-          <p:nvSpPr>
-            <p:cNvPr id="20" name="Rectangle 19"/>
-            <p:cNvSpPr/>
-            <p:nvPr/>
-          </p:nvSpPr>
-          <p:spPr>
-            <a:xfrm>
-              <a:off x="2047973" y="5000135"/>
-              <a:ext cx="762000" cy="152400"/>
-            </a:xfrm>
-            <a:prstGeom prst="rect">
-              <a:avLst/>
-            </a:prstGeom>
-            <a:noFill/>
-            <a:ln>
-              <a:solidFill>
-                <a:srgbClr val="FF0000"/>
-              </a:solidFill>
-            </a:ln>
-          </p:spPr>
-          <p:style>
-            <a:lnRef idx="2">
-              <a:schemeClr val="accent1">
-                <a:shade val="50000"/>
-              </a:schemeClr>
-            </a:lnRef>
-            <a:fillRef idx="1">
-              <a:schemeClr val="accent1"/>
-            </a:fillRef>
-            <a:effectRef idx="0">
-              <a:schemeClr val="accent1"/>
-            </a:effectRef>
-            <a:fontRef idx="minor">
-              <a:schemeClr val="lt1"/>
-            </a:fontRef>
-          </p:style>
-          <p:txBody>
-            <a:bodyPr rtlCol="0" anchor="ctr"/>
-            <a:lstStyle/>
-            <a:p>
-              <a:pPr algn="ctr"/>
-              <a:endParaRPr lang="en-US"/>
-            </a:p>
-          </p:txBody>
-        </p:sp>
-      </p:grpSp>
-      <p:sp>
-        <p:nvSpPr>
-          <p:cNvPr id="9" name="TextBox 8"/>
-          <p:cNvSpPr txBox="1"/>
-          <p:nvPr/>
-        </p:nvSpPr>
-        <p:spPr>
-          <a:xfrm>
-            <a:off x="5410200" y="829270"/>
-            <a:ext cx="3505200" cy="923330"/>
-          </a:xfrm>
-          <a:prstGeom prst="rect">
-            <a:avLst/>
-          </a:prstGeom>
-          <a:noFill/>
-        </p:spPr>
-        <p:txBody>
-          <a:bodyPr wrap="square" rtlCol="0">
-            <a:spAutoFit/>
-          </a:bodyPr>
-          <a:lstStyle/>
-          <a:p>
-            <a:r>
-              <a:rPr lang="en-US" dirty="0" smtClean="0"/>
-              <a:t>OBI: 28 terms, 25 new terms</a:t>
-            </a:r>
-          </a:p>
-          <a:p>
-            <a:r>
-              <a:rPr lang="en-US" dirty="0" smtClean="0"/>
-              <a:t>(36 operations, objectives or parameters)</a:t>
-            </a:r>
-            <a:endParaRPr lang="en-US" dirty="0"/>
           </a:p>
         </p:txBody>
       </p:sp>
@@ -17026,7 +14142,7 @@
 </file>
 
 <file path=ppt/slides/slide3.xml><?xml version="1.0" encoding="utf-8"?>
-<p:sld xmlns:a="http://schemas.openxmlformats.org/drawingml/2006/main" xmlns:r="http://schemas.openxmlformats.org/officeDocument/2006/relationships" xmlns:mc="http://schemas.openxmlformats.org/markup-compatibility/2006" xmlns:mv="urn:schemas-microsoft-com:mac:vml" xmlns:p="http://schemas.openxmlformats.org/presentationml/2006/main" mc:Ignorable="mv" mc:PreserveAttributes="mv:*">
+<p:sld xmlns:a="http://schemas.openxmlformats.org/drawingml/2006/main" xmlns:r="http://schemas.openxmlformats.org/officeDocument/2006/relationships" xmlns:p="http://schemas.openxmlformats.org/presentationml/2006/main">
   <p:cSld>
     <p:spTree>
       <p:nvGrpSpPr>
@@ -17256,7 +14372,7 @@
 </file>
 
 <file path=ppt/slides/slide4.xml><?xml version="1.0" encoding="utf-8"?>
-<p:sld xmlns:a="http://schemas.openxmlformats.org/drawingml/2006/main" xmlns:r="http://schemas.openxmlformats.org/officeDocument/2006/relationships" xmlns:mc="http://schemas.openxmlformats.org/markup-compatibility/2006" xmlns:mv="urn:schemas-microsoft-com:mac:vml" xmlns:p="http://schemas.openxmlformats.org/presentationml/2006/main" mc:Ignorable="mv" mc:PreserveAttributes="mv:*">
+<p:sld xmlns:a="http://schemas.openxmlformats.org/drawingml/2006/main" xmlns:r="http://schemas.openxmlformats.org/officeDocument/2006/relationships" xmlns:p="http://schemas.openxmlformats.org/presentationml/2006/main">
   <p:cSld>
     <p:spTree>
       <p:nvGrpSpPr>
@@ -17343,8 +14459,9 @@
           <a:p>
             <a:r>
               <a:rPr lang="en-US" dirty="0" smtClean="0"/>
-              <a:t>WSDL-S/SAWSDL</a:t>
-            </a:r>
+              <a:t>SAWSDL</a:t>
+            </a:r>
+            <a:endParaRPr lang="en-US" dirty="0" smtClean="0"/>
           </a:p>
           <a:p>
             <a:pPr lvl="1"/>
@@ -17395,7 +14512,7 @@
 </file>
 
 <file path=ppt/slides/slide5.xml><?xml version="1.0" encoding="utf-8"?>
-<p:sld xmlns:a="http://schemas.openxmlformats.org/drawingml/2006/main" xmlns:r="http://schemas.openxmlformats.org/officeDocument/2006/relationships" xmlns:mc="http://schemas.openxmlformats.org/markup-compatibility/2006" xmlns:mv="urn:schemas-microsoft-com:mac:vml" xmlns:p="http://schemas.openxmlformats.org/presentationml/2006/main" mc:Ignorable="mv" mc:PreserveAttributes="mv:*">
+<p:sld xmlns:a="http://schemas.openxmlformats.org/drawingml/2006/main" xmlns:r="http://schemas.openxmlformats.org/officeDocument/2006/relationships" xmlns:p="http://schemas.openxmlformats.org/presentationml/2006/main">
   <p:cSld>
     <p:spTree>
       <p:nvGrpSpPr>
@@ -17548,7 +14665,7 @@
 </file>
 
 <file path=ppt/slides/slide6.xml><?xml version="1.0" encoding="utf-8"?>
-<p:sld xmlns:a="http://schemas.openxmlformats.org/drawingml/2006/main" xmlns:r="http://schemas.openxmlformats.org/officeDocument/2006/relationships" xmlns:mc="http://schemas.openxmlformats.org/markup-compatibility/2006" xmlns:mv="urn:schemas-microsoft-com:mac:vml" xmlns:p="http://schemas.openxmlformats.org/presentationml/2006/main" mc:Ignorable="mv" mc:PreserveAttributes="mv:*">
+<p:sld xmlns:a="http://schemas.openxmlformats.org/drawingml/2006/main" xmlns:r="http://schemas.openxmlformats.org/officeDocument/2006/relationships" xmlns:p="http://schemas.openxmlformats.org/presentationml/2006/main">
   <p:cSld>
     <p:spTree>
       <p:nvGrpSpPr>
@@ -17706,7 +14823,7 @@
 </file>
 
 <file path=ppt/slides/slide7.xml><?xml version="1.0" encoding="utf-8"?>
-<p:sld xmlns:a="http://schemas.openxmlformats.org/drawingml/2006/main" xmlns:r="http://schemas.openxmlformats.org/officeDocument/2006/relationships" xmlns:mc="http://schemas.openxmlformats.org/markup-compatibility/2006" xmlns:mv="urn:schemas-microsoft-com:mac:vml" xmlns:p="http://schemas.openxmlformats.org/presentationml/2006/main" mc:Ignorable="mv" mc:PreserveAttributes="mv:*">
+<p:sld xmlns:a="http://schemas.openxmlformats.org/drawingml/2006/main" xmlns:r="http://schemas.openxmlformats.org/officeDocument/2006/relationships" xmlns:p="http://schemas.openxmlformats.org/presentationml/2006/main">
   <p:cSld>
     <p:spTree>
       <p:nvGrpSpPr>
@@ -17882,7 +14999,7 @@
 </file>
 
 <file path=ppt/slides/slide8.xml><?xml version="1.0" encoding="utf-8"?>
-<p:sld xmlns:a="http://schemas.openxmlformats.org/drawingml/2006/main" xmlns:r="http://schemas.openxmlformats.org/officeDocument/2006/relationships" xmlns:mc="http://schemas.openxmlformats.org/markup-compatibility/2006" xmlns:mv="urn:schemas-microsoft-com:mac:vml" xmlns:p="http://schemas.openxmlformats.org/presentationml/2006/main" mc:Ignorable="mv" mc:PreserveAttributes="mv:*">
+<p:sld xmlns:a="http://schemas.openxmlformats.org/drawingml/2006/main" xmlns:r="http://schemas.openxmlformats.org/officeDocument/2006/relationships" xmlns:p="http://schemas.openxmlformats.org/presentationml/2006/main">
   <p:cSld>
     <p:spTree>
       <p:nvGrpSpPr>
@@ -17997,6 +15114,191 @@
           <a:effectLst/>
         </p:spPr>
       </p:pic>
+      <p:cxnSp>
+        <p:nvCxnSpPr>
+          <p:cNvPr id="7" name="Straight Connector 6"/>
+          <p:cNvCxnSpPr/>
+          <p:nvPr/>
+        </p:nvCxnSpPr>
+        <p:spPr>
+          <a:xfrm>
+            <a:off x="2362200" y="5791200"/>
+            <a:ext cx="1219200" cy="1588"/>
+          </a:xfrm>
+          <a:prstGeom prst="line">
+            <a:avLst/>
+          </a:prstGeom>
+        </p:spPr>
+        <p:style>
+          <a:lnRef idx="1">
+            <a:schemeClr val="accent1"/>
+          </a:lnRef>
+          <a:fillRef idx="0">
+            <a:schemeClr val="accent1"/>
+          </a:fillRef>
+          <a:effectRef idx="0">
+            <a:schemeClr val="accent1"/>
+          </a:effectRef>
+          <a:fontRef idx="minor">
+            <a:schemeClr val="tx1"/>
+          </a:fontRef>
+        </p:style>
+      </p:cxnSp>
+      <p:cxnSp>
+        <p:nvCxnSpPr>
+          <p:cNvPr id="11" name="Straight Connector 10"/>
+          <p:cNvCxnSpPr/>
+          <p:nvPr/>
+        </p:nvCxnSpPr>
+        <p:spPr>
+          <a:xfrm>
+            <a:off x="5791200" y="5867400"/>
+            <a:ext cx="990600" cy="1588"/>
+          </a:xfrm>
+          <a:prstGeom prst="line">
+            <a:avLst/>
+          </a:prstGeom>
+          <a:ln>
+            <a:solidFill>
+              <a:schemeClr val="accent1"/>
+            </a:solidFill>
+          </a:ln>
+        </p:spPr>
+        <p:style>
+          <a:lnRef idx="1">
+            <a:schemeClr val="accent1"/>
+          </a:lnRef>
+          <a:fillRef idx="0">
+            <a:schemeClr val="accent1"/>
+          </a:fillRef>
+          <a:effectRef idx="0">
+            <a:schemeClr val="accent1"/>
+          </a:effectRef>
+          <a:fontRef idx="minor">
+            <a:schemeClr val="tx1"/>
+          </a:fontRef>
+        </p:style>
+      </p:cxnSp>
+      <p:cxnSp>
+        <p:nvCxnSpPr>
+          <p:cNvPr id="13" name="Straight Connector 12"/>
+          <p:cNvCxnSpPr/>
+          <p:nvPr/>
+        </p:nvCxnSpPr>
+        <p:spPr>
+          <a:xfrm>
+            <a:off x="590746" y="5810054"/>
+            <a:ext cx="1295400" cy="1588"/>
+          </a:xfrm>
+          <a:prstGeom prst="line">
+            <a:avLst/>
+          </a:prstGeom>
+        </p:spPr>
+        <p:style>
+          <a:lnRef idx="1">
+            <a:schemeClr val="accent1"/>
+          </a:lnRef>
+          <a:fillRef idx="0">
+            <a:schemeClr val="accent1"/>
+          </a:fillRef>
+          <a:effectRef idx="0">
+            <a:schemeClr val="accent1"/>
+          </a:effectRef>
+          <a:fontRef idx="minor">
+            <a:schemeClr val="tx1"/>
+          </a:fontRef>
+        </p:style>
+      </p:cxnSp>
+      <p:cxnSp>
+        <p:nvCxnSpPr>
+          <p:cNvPr id="15" name="Straight Connector 14"/>
+          <p:cNvCxnSpPr/>
+          <p:nvPr/>
+        </p:nvCxnSpPr>
+        <p:spPr>
+          <a:xfrm>
+            <a:off x="457200" y="3381081"/>
+            <a:ext cx="762000" cy="1588"/>
+          </a:xfrm>
+          <a:prstGeom prst="line">
+            <a:avLst/>
+          </a:prstGeom>
+        </p:spPr>
+        <p:style>
+          <a:lnRef idx="1">
+            <a:schemeClr val="accent1"/>
+          </a:lnRef>
+          <a:fillRef idx="0">
+            <a:schemeClr val="accent1"/>
+          </a:fillRef>
+          <a:effectRef idx="0">
+            <a:schemeClr val="accent1"/>
+          </a:effectRef>
+          <a:fontRef idx="minor">
+            <a:schemeClr val="tx1"/>
+          </a:fontRef>
+        </p:style>
+      </p:cxnSp>
+      <p:cxnSp>
+        <p:nvCxnSpPr>
+          <p:cNvPr id="17" name="Straight Connector 16"/>
+          <p:cNvCxnSpPr/>
+          <p:nvPr/>
+        </p:nvCxnSpPr>
+        <p:spPr>
+          <a:xfrm>
+            <a:off x="5962454" y="1981200"/>
+            <a:ext cx="1828800" cy="1588"/>
+          </a:xfrm>
+          <a:prstGeom prst="line">
+            <a:avLst/>
+          </a:prstGeom>
+        </p:spPr>
+        <p:style>
+          <a:lnRef idx="1">
+            <a:schemeClr val="accent1"/>
+          </a:lnRef>
+          <a:fillRef idx="0">
+            <a:schemeClr val="accent1"/>
+          </a:fillRef>
+          <a:effectRef idx="0">
+            <a:schemeClr val="accent1"/>
+          </a:effectRef>
+          <a:fontRef idx="minor">
+            <a:schemeClr val="tx1"/>
+          </a:fontRef>
+        </p:style>
+      </p:cxnSp>
+      <p:cxnSp>
+        <p:nvCxnSpPr>
+          <p:cNvPr id="19" name="Straight Connector 18"/>
+          <p:cNvCxnSpPr/>
+          <p:nvPr/>
+        </p:nvCxnSpPr>
+        <p:spPr>
+          <a:xfrm>
+            <a:off x="3066854" y="3381081"/>
+            <a:ext cx="1524000" cy="1588"/>
+          </a:xfrm>
+          <a:prstGeom prst="line">
+            <a:avLst/>
+          </a:prstGeom>
+        </p:spPr>
+        <p:style>
+          <a:lnRef idx="1">
+            <a:schemeClr val="accent1"/>
+          </a:lnRef>
+          <a:fillRef idx="0">
+            <a:schemeClr val="accent1"/>
+          </a:fillRef>
+          <a:effectRef idx="0">
+            <a:schemeClr val="accent1"/>
+          </a:effectRef>
+          <a:fontRef idx="minor">
+            <a:schemeClr val="tx1"/>
+          </a:fontRef>
+        </p:style>
+      </p:cxnSp>
     </p:spTree>
   </p:cSld>
   <p:clrMapOvr>
@@ -18013,7 +15315,7 @@
 </file>
 
 <file path=ppt/slides/slide9.xml><?xml version="1.0" encoding="utf-8"?>
-<p:sld xmlns:a="http://schemas.openxmlformats.org/drawingml/2006/main" xmlns:r="http://schemas.openxmlformats.org/officeDocument/2006/relationships" xmlns:mc="http://schemas.openxmlformats.org/markup-compatibility/2006" xmlns:mv="urn:schemas-microsoft-com:mac:vml" xmlns:p="http://schemas.openxmlformats.org/presentationml/2006/main" mc:Ignorable="mv" mc:PreserveAttributes="mv:*">
+<p:sld xmlns:a="http://schemas.openxmlformats.org/drawingml/2006/main" xmlns:r="http://schemas.openxmlformats.org/officeDocument/2006/relationships" xmlns:p="http://schemas.openxmlformats.org/presentationml/2006/main">
   <p:cSld>
     <p:spTree>
       <p:nvGrpSpPr>
@@ -18075,7 +15377,11 @@
           <a:lstStyle/>
           <a:p>
             <a:r>
-              <a:rPr lang="en-US" b="1" dirty="0" smtClean="0"/>
+              <a:rPr lang="en-US" b="1" dirty="0" smtClean="0">
+                <a:solidFill>
+                  <a:srgbClr val="C00000"/>
+                </a:solidFill>
+              </a:rPr>
               <a:t>Algorithm</a:t>
             </a:r>
             <a:r>
@@ -18094,7 +15400,19 @@
             <a:pPr lvl="1"/>
             <a:r>
               <a:rPr lang="en-US" dirty="0" smtClean="0"/>
-              <a:t>Relation: ‘is encoded in’, proposed by Software Ontology</a:t>
+              <a:t>Relation: ‘</a:t>
+            </a:r>
+            <a:r>
+              <a:rPr lang="en-US" dirty="0" smtClean="0">
+                <a:solidFill>
+                  <a:srgbClr val="0070C0"/>
+                </a:solidFill>
+              </a:rPr>
+              <a:t>is encoded in</a:t>
+            </a:r>
+            <a:r>
+              <a:rPr lang="en-US" dirty="0" smtClean="0"/>
+              <a:t>’, proposed by Software Ontology</a:t>
             </a:r>
           </a:p>
           <a:p>
@@ -18103,12 +15421,28 @@
             </a:pPr>
             <a:r>
               <a:rPr lang="en-US" dirty="0" smtClean="0"/>
-              <a:t>	We propose its reverse relation as ‘encodes’. </a:t>
-            </a:r>
-          </a:p>
-          <a:p>
-            <a:r>
-              <a:rPr lang="en-US" b="1" dirty="0" smtClean="0"/>
+              <a:t>	We propose its reverse relation as ‘</a:t>
+            </a:r>
+            <a:r>
+              <a:rPr lang="en-US" dirty="0" smtClean="0">
+                <a:solidFill>
+                  <a:srgbClr val="0070C0"/>
+                </a:solidFill>
+              </a:rPr>
+              <a:t>encodes</a:t>
+            </a:r>
+            <a:r>
+              <a:rPr lang="en-US" dirty="0" smtClean="0"/>
+              <a:t>’. </a:t>
+            </a:r>
+          </a:p>
+          <a:p>
+            <a:r>
+              <a:rPr lang="en-US" b="1" dirty="0" smtClean="0">
+                <a:solidFill>
+                  <a:srgbClr val="C00000"/>
+                </a:solidFill>
+              </a:rPr>
               <a:t>Software</a:t>
             </a:r>
             <a:r>
@@ -18118,7 +15452,11 @@
           </a:p>
           <a:p>
             <a:r>
-              <a:rPr lang="en-US" b="1" dirty="0" smtClean="0"/>
+              <a:rPr lang="en-US" b="1" dirty="0" smtClean="0">
+                <a:solidFill>
+                  <a:srgbClr val="C00000"/>
+                </a:solidFill>
+              </a:rPr>
               <a:t>Software execution</a:t>
             </a:r>
             <a:r>
@@ -18130,7 +15468,19 @@
             <a:pPr lvl="1"/>
             <a:r>
               <a:rPr lang="en-US" dirty="0" smtClean="0"/>
-              <a:t>Relation: ‘is executed in’, proposed by Software Ontology</a:t>
+              <a:t>Relation: ‘</a:t>
+            </a:r>
+            <a:r>
+              <a:rPr lang="en-US" dirty="0" smtClean="0">
+                <a:solidFill>
+                  <a:srgbClr val="0070C0"/>
+                </a:solidFill>
+              </a:rPr>
+              <a:t>is executed in</a:t>
+            </a:r>
+            <a:r>
+              <a:rPr lang="en-US" dirty="0" smtClean="0"/>
+              <a:t>’, proposed by Software Ontology</a:t>
             </a:r>
           </a:p>
           <a:p>
@@ -18139,7 +15489,19 @@
             </a:pPr>
             <a:r>
               <a:rPr lang="en-US" dirty="0" smtClean="0"/>
-              <a:t>    We propose its reverse relation as ‘executes’.</a:t>
+              <a:t>    We propose its reverse relation as ‘</a:t>
+            </a:r>
+            <a:r>
+              <a:rPr lang="en-US" dirty="0" smtClean="0">
+                <a:solidFill>
+                  <a:srgbClr val="0070C0"/>
+                </a:solidFill>
+              </a:rPr>
+              <a:t>executes</a:t>
+            </a:r>
+            <a:r>
+              <a:rPr lang="en-US" dirty="0" smtClean="0"/>
+              <a:t>’.</a:t>
             </a:r>
             <a:br>
               <a:rPr lang="en-US" dirty="0" smtClean="0"/>
@@ -19057,462 +16419,4 @@
   <a:objectDefaults/>
   <a:extraClrSchemeLst/>
 </a:theme>
-</file>
-
-<file path=ppt/theme/themeOverride1.xml><?xml version="1.0" encoding="utf-8"?>
-<a:themeOverride xmlns:a="http://schemas.openxmlformats.org/drawingml/2006/main">
-  <a:clrScheme name="Adjacency">
-    <a:dk1>
-      <a:srgbClr val="2F2B20"/>
-    </a:dk1>
-    <a:lt1>
-      <a:srgbClr val="FFFFFF"/>
-    </a:lt1>
-    <a:dk2>
-      <a:srgbClr val="675E47"/>
-    </a:dk2>
-    <a:lt2>
-      <a:srgbClr val="DFDCB7"/>
-    </a:lt2>
-    <a:accent1>
-      <a:srgbClr val="A9A57C"/>
-    </a:accent1>
-    <a:accent2>
-      <a:srgbClr val="9CBEBD"/>
-    </a:accent2>
-    <a:accent3>
-      <a:srgbClr val="D2CB6C"/>
-    </a:accent3>
-    <a:accent4>
-      <a:srgbClr val="95A39D"/>
-    </a:accent4>
-    <a:accent5>
-      <a:srgbClr val="C89F5D"/>
-    </a:accent5>
-    <a:accent6>
-      <a:srgbClr val="B1A089"/>
-    </a:accent6>
-    <a:hlink>
-      <a:srgbClr val="D25814"/>
-    </a:hlink>
-    <a:folHlink>
-      <a:srgbClr val="849A0A"/>
-    </a:folHlink>
-  </a:clrScheme>
-  <a:fontScheme name="Office">
-    <a:majorFont>
-      <a:latin typeface="Cambria"/>
-      <a:ea typeface=""/>
-      <a:cs typeface=""/>
-      <a:font script="Jpan" typeface="ＭＳ ゴシック"/>
-      <a:font script="Hang" typeface="맑은 고딕"/>
-      <a:font script="Hans" typeface="宋体"/>
-      <a:font script="Hant" typeface="新細明體"/>
-      <a:font script="Arab" typeface="Times New Roman"/>
-      <a:font script="Hebr" typeface="Times New Roman"/>
-      <a:font script="Thai" typeface="Angsana New"/>
-      <a:font script="Ethi" typeface="Nyala"/>
-      <a:font script="Beng" typeface="Vrinda"/>
-      <a:font script="Gujr" typeface="Shruti"/>
-      <a:font script="Khmr" typeface="MoolBoran"/>
-      <a:font script="Knda" typeface="Tunga"/>
-      <a:font script="Guru" typeface="Raavi"/>
-      <a:font script="Cans" typeface="Euphemia"/>
-      <a:font script="Cher" typeface="Plantagenet Cherokee"/>
-      <a:font script="Yiii" typeface="Microsoft Yi Baiti"/>
-      <a:font script="Tibt" typeface="Microsoft Himalaya"/>
-      <a:font script="Thaa" typeface="MV Boli"/>
-      <a:font script="Deva" typeface="Mangal"/>
-      <a:font script="Telu" typeface="Gautami"/>
-      <a:font script="Taml" typeface="Latha"/>
-      <a:font script="Syrc" typeface="Estrangelo Edessa"/>
-      <a:font script="Orya" typeface="Kalinga"/>
-      <a:font script="Mlym" typeface="Kartika"/>
-      <a:font script="Laoo" typeface="DokChampa"/>
-      <a:font script="Sinh" typeface="Iskoola Pota"/>
-      <a:font script="Mong" typeface="Mongolian Baiti"/>
-      <a:font script="Viet" typeface="Times New Roman"/>
-      <a:font script="Uigh" typeface="Microsoft Uighur"/>
-      <a:font script="Geor" typeface="Sylfaen"/>
-    </a:majorFont>
-    <a:minorFont>
-      <a:latin typeface="Calibri"/>
-      <a:ea typeface=""/>
-      <a:cs typeface=""/>
-      <a:font script="Jpan" typeface="ＭＳ 明朝"/>
-      <a:font script="Hang" typeface="맑은 고딕"/>
-      <a:font script="Hans" typeface="宋体"/>
-      <a:font script="Hant" typeface="新細明體"/>
-      <a:font script="Arab" typeface="Arial"/>
-      <a:font script="Hebr" typeface="Arial"/>
-      <a:font script="Thai" typeface="Cordia New"/>
-      <a:font script="Ethi" typeface="Nyala"/>
-      <a:font script="Beng" typeface="Vrinda"/>
-      <a:font script="Gujr" typeface="Shruti"/>
-      <a:font script="Khmr" typeface="DaunPenh"/>
-      <a:font script="Knda" typeface="Tunga"/>
-      <a:font script="Guru" typeface="Raavi"/>
-      <a:font script="Cans" typeface="Euphemia"/>
-      <a:font script="Cher" typeface="Plantagenet Cherokee"/>
-      <a:font script="Yiii" typeface="Microsoft Yi Baiti"/>
-      <a:font script="Tibt" typeface="Microsoft Himalaya"/>
-      <a:font script="Thaa" typeface="MV Boli"/>
-      <a:font script="Deva" typeface="Mangal"/>
-      <a:font script="Telu" typeface="Gautami"/>
-      <a:font script="Taml" typeface="Latha"/>
-      <a:font script="Syrc" typeface="Estrangelo Edessa"/>
-      <a:font script="Orya" typeface="Kalinga"/>
-      <a:font script="Mlym" typeface="Kartika"/>
-      <a:font script="Laoo" typeface="DokChampa"/>
-      <a:font script="Sinh" typeface="Iskoola Pota"/>
-      <a:font script="Mong" typeface="Mongolian Baiti"/>
-      <a:font script="Viet" typeface="Arial"/>
-      <a:font script="Uigh" typeface="Microsoft Uighur"/>
-      <a:font script="Geor" typeface="Sylfaen"/>
-    </a:minorFont>
-  </a:fontScheme>
-  <a:fmtScheme name="Adjacency">
-    <a:fillStyleLst>
-      <a:solidFill>
-        <a:schemeClr val="phClr"/>
-      </a:solidFill>
-      <a:solidFill>
-        <a:schemeClr val="phClr">
-          <a:tint val="55000"/>
-        </a:schemeClr>
-      </a:solidFill>
-      <a:solidFill>
-        <a:schemeClr val="phClr"/>
-      </a:solidFill>
-    </a:fillStyleLst>
-    <a:lnStyleLst>
-      <a:ln w="12700" cap="flat" cmpd="sng" algn="ctr">
-        <a:solidFill>
-          <a:schemeClr val="phClr">
-            <a:shade val="95000"/>
-            <a:satMod val="105000"/>
-          </a:schemeClr>
-        </a:solidFill>
-        <a:prstDash val="solid"/>
-      </a:ln>
-      <a:ln w="25400" cap="flat" cmpd="sng" algn="ctr">
-        <a:solidFill>
-          <a:schemeClr val="phClr"/>
-        </a:solidFill>
-        <a:prstDash val="solid"/>
-      </a:ln>
-      <a:ln w="38100" cap="flat" cmpd="sng" algn="ctr">
-        <a:solidFill>
-          <a:schemeClr val="phClr"/>
-        </a:solidFill>
-        <a:prstDash val="solid"/>
-      </a:ln>
-    </a:lnStyleLst>
-    <a:effectStyleLst>
-      <a:effectStyle>
-        <a:effectLst/>
-      </a:effectStyle>
-      <a:effectStyle>
-        <a:effectLst>
-          <a:outerShdw blurRad="50800" dist="25400" algn="bl" rotWithShape="0">
-            <a:srgbClr val="000000">
-              <a:alpha val="60000"/>
-            </a:srgbClr>
-          </a:outerShdw>
-        </a:effectLst>
-      </a:effectStyle>
-      <a:effectStyle>
-        <a:effectLst/>
-        <a:scene3d>
-          <a:camera prst="orthographicFront">
-            <a:rot lat="0" lon="0" rev="0"/>
-          </a:camera>
-          <a:lightRig rig="brightRoom" dir="tl">
-            <a:rot lat="0" lon="0" rev="1800000"/>
-          </a:lightRig>
-        </a:scene3d>
-        <a:sp3d contourW="10160" prstMaterial="dkEdge">
-          <a:bevelT w="38100" h="50800" prst="angle"/>
-          <a:contourClr>
-            <a:schemeClr val="phClr">
-              <a:shade val="40000"/>
-              <a:satMod val="150000"/>
-            </a:schemeClr>
-          </a:contourClr>
-        </a:sp3d>
-      </a:effectStyle>
-    </a:effectStyleLst>
-    <a:bgFillStyleLst>
-      <a:solidFill>
-        <a:schemeClr val="phClr"/>
-      </a:solidFill>
-      <a:gradFill rotWithShape="1">
-        <a:gsLst>
-          <a:gs pos="0">
-            <a:schemeClr val="phClr">
-              <a:tint val="90000"/>
-            </a:schemeClr>
-          </a:gs>
-          <a:gs pos="75000">
-            <a:schemeClr val="phClr">
-              <a:shade val="100000"/>
-              <a:satMod val="115000"/>
-            </a:schemeClr>
-          </a:gs>
-          <a:gs pos="100000">
-            <a:schemeClr val="phClr">
-              <a:shade val="70000"/>
-              <a:satMod val="130000"/>
-            </a:schemeClr>
-          </a:gs>
-        </a:gsLst>
-        <a:path path="circle">
-          <a:fillToRect l="20000" t="50000" r="100000" b="50000"/>
-        </a:path>
-      </a:gradFill>
-      <a:blipFill rotWithShape="1">
-        <a:blip xmlns:r="http://schemas.openxmlformats.org/officeDocument/2006/relationships" r:embed="rId1">
-          <a:duotone>
-            <a:schemeClr val="phClr">
-              <a:tint val="97000"/>
-            </a:schemeClr>
-            <a:schemeClr val="phClr">
-              <a:shade val="96000"/>
-            </a:schemeClr>
-          </a:duotone>
-        </a:blip>
-        <a:tile tx="0" ty="0" sx="32000" sy="32000" flip="none" algn="tl"/>
-      </a:blipFill>
-    </a:bgFillStyleLst>
-  </a:fmtScheme>
-</a:themeOverride>
-</file>
-
-<file path=ppt/theme/themeOverride2.xml><?xml version="1.0" encoding="utf-8"?>
-<a:themeOverride xmlns:a="http://schemas.openxmlformats.org/drawingml/2006/main">
-  <a:clrScheme name="Adjacency">
-    <a:dk1>
-      <a:srgbClr val="2F2B20"/>
-    </a:dk1>
-    <a:lt1>
-      <a:srgbClr val="FFFFFF"/>
-    </a:lt1>
-    <a:dk2>
-      <a:srgbClr val="675E47"/>
-    </a:dk2>
-    <a:lt2>
-      <a:srgbClr val="DFDCB7"/>
-    </a:lt2>
-    <a:accent1>
-      <a:srgbClr val="A9A57C"/>
-    </a:accent1>
-    <a:accent2>
-      <a:srgbClr val="9CBEBD"/>
-    </a:accent2>
-    <a:accent3>
-      <a:srgbClr val="D2CB6C"/>
-    </a:accent3>
-    <a:accent4>
-      <a:srgbClr val="95A39D"/>
-    </a:accent4>
-    <a:accent5>
-      <a:srgbClr val="C89F5D"/>
-    </a:accent5>
-    <a:accent6>
-      <a:srgbClr val="B1A089"/>
-    </a:accent6>
-    <a:hlink>
-      <a:srgbClr val="D25814"/>
-    </a:hlink>
-    <a:folHlink>
-      <a:srgbClr val="849A0A"/>
-    </a:folHlink>
-  </a:clrScheme>
-  <a:fontScheme name="Office">
-    <a:majorFont>
-      <a:latin typeface="Cambria"/>
-      <a:ea typeface=""/>
-      <a:cs typeface=""/>
-      <a:font script="Jpan" typeface="ＭＳ ゴシック"/>
-      <a:font script="Hang" typeface="맑은 고딕"/>
-      <a:font script="Hans" typeface="宋体"/>
-      <a:font script="Hant" typeface="新細明體"/>
-      <a:font script="Arab" typeface="Times New Roman"/>
-      <a:font script="Hebr" typeface="Times New Roman"/>
-      <a:font script="Thai" typeface="Angsana New"/>
-      <a:font script="Ethi" typeface="Nyala"/>
-      <a:font script="Beng" typeface="Vrinda"/>
-      <a:font script="Gujr" typeface="Shruti"/>
-      <a:font script="Khmr" typeface="MoolBoran"/>
-      <a:font script="Knda" typeface="Tunga"/>
-      <a:font script="Guru" typeface="Raavi"/>
-      <a:font script="Cans" typeface="Euphemia"/>
-      <a:font script="Cher" typeface="Plantagenet Cherokee"/>
-      <a:font script="Yiii" typeface="Microsoft Yi Baiti"/>
-      <a:font script="Tibt" typeface="Microsoft Himalaya"/>
-      <a:font script="Thaa" typeface="MV Boli"/>
-      <a:font script="Deva" typeface="Mangal"/>
-      <a:font script="Telu" typeface="Gautami"/>
-      <a:font script="Taml" typeface="Latha"/>
-      <a:font script="Syrc" typeface="Estrangelo Edessa"/>
-      <a:font script="Orya" typeface="Kalinga"/>
-      <a:font script="Mlym" typeface="Kartika"/>
-      <a:font script="Laoo" typeface="DokChampa"/>
-      <a:font script="Sinh" typeface="Iskoola Pota"/>
-      <a:font script="Mong" typeface="Mongolian Baiti"/>
-      <a:font script="Viet" typeface="Times New Roman"/>
-      <a:font script="Uigh" typeface="Microsoft Uighur"/>
-      <a:font script="Geor" typeface="Sylfaen"/>
-    </a:majorFont>
-    <a:minorFont>
-      <a:latin typeface="Calibri"/>
-      <a:ea typeface=""/>
-      <a:cs typeface=""/>
-      <a:font script="Jpan" typeface="ＭＳ 明朝"/>
-      <a:font script="Hang" typeface="맑은 고딕"/>
-      <a:font script="Hans" typeface="宋体"/>
-      <a:font script="Hant" typeface="新細明體"/>
-      <a:font script="Arab" typeface="Arial"/>
-      <a:font script="Hebr" typeface="Arial"/>
-      <a:font script="Thai" typeface="Cordia New"/>
-      <a:font script="Ethi" typeface="Nyala"/>
-      <a:font script="Beng" typeface="Vrinda"/>
-      <a:font script="Gujr" typeface="Shruti"/>
-      <a:font script="Khmr" typeface="DaunPenh"/>
-      <a:font script="Knda" typeface="Tunga"/>
-      <a:font script="Guru" typeface="Raavi"/>
-      <a:font script="Cans" typeface="Euphemia"/>
-      <a:font script="Cher" typeface="Plantagenet Cherokee"/>
-      <a:font script="Yiii" typeface="Microsoft Yi Baiti"/>
-      <a:font script="Tibt" typeface="Microsoft Himalaya"/>
-      <a:font script="Thaa" typeface="MV Boli"/>
-      <a:font script="Deva" typeface="Mangal"/>
-      <a:font script="Telu" typeface="Gautami"/>
-      <a:font script="Taml" typeface="Latha"/>
-      <a:font script="Syrc" typeface="Estrangelo Edessa"/>
-      <a:font script="Orya" typeface="Kalinga"/>
-      <a:font script="Mlym" typeface="Kartika"/>
-      <a:font script="Laoo" typeface="DokChampa"/>
-      <a:font script="Sinh" typeface="Iskoola Pota"/>
-      <a:font script="Mong" typeface="Mongolian Baiti"/>
-      <a:font script="Viet" typeface="Arial"/>
-      <a:font script="Uigh" typeface="Microsoft Uighur"/>
-      <a:font script="Geor" typeface="Sylfaen"/>
-    </a:minorFont>
-  </a:fontScheme>
-  <a:fmtScheme name="Adjacency">
-    <a:fillStyleLst>
-      <a:solidFill>
-        <a:schemeClr val="phClr"/>
-      </a:solidFill>
-      <a:solidFill>
-        <a:schemeClr val="phClr">
-          <a:tint val="55000"/>
-        </a:schemeClr>
-      </a:solidFill>
-      <a:solidFill>
-        <a:schemeClr val="phClr"/>
-      </a:solidFill>
-    </a:fillStyleLst>
-    <a:lnStyleLst>
-      <a:ln w="12700" cap="flat" cmpd="sng" algn="ctr">
-        <a:solidFill>
-          <a:schemeClr val="phClr">
-            <a:shade val="95000"/>
-            <a:satMod val="105000"/>
-          </a:schemeClr>
-        </a:solidFill>
-        <a:prstDash val="solid"/>
-      </a:ln>
-      <a:ln w="25400" cap="flat" cmpd="sng" algn="ctr">
-        <a:solidFill>
-          <a:schemeClr val="phClr"/>
-        </a:solidFill>
-        <a:prstDash val="solid"/>
-      </a:ln>
-      <a:ln w="38100" cap="flat" cmpd="sng" algn="ctr">
-        <a:solidFill>
-          <a:schemeClr val="phClr"/>
-        </a:solidFill>
-        <a:prstDash val="solid"/>
-      </a:ln>
-    </a:lnStyleLst>
-    <a:effectStyleLst>
-      <a:effectStyle>
-        <a:effectLst/>
-      </a:effectStyle>
-      <a:effectStyle>
-        <a:effectLst>
-          <a:outerShdw blurRad="50800" dist="25400" algn="bl" rotWithShape="0">
-            <a:srgbClr val="000000">
-              <a:alpha val="60000"/>
-            </a:srgbClr>
-          </a:outerShdw>
-        </a:effectLst>
-      </a:effectStyle>
-      <a:effectStyle>
-        <a:effectLst/>
-        <a:scene3d>
-          <a:camera prst="orthographicFront">
-            <a:rot lat="0" lon="0" rev="0"/>
-          </a:camera>
-          <a:lightRig rig="brightRoom" dir="tl">
-            <a:rot lat="0" lon="0" rev="1800000"/>
-          </a:lightRig>
-        </a:scene3d>
-        <a:sp3d contourW="10160" prstMaterial="dkEdge">
-          <a:bevelT w="38100" h="50800" prst="angle"/>
-          <a:contourClr>
-            <a:schemeClr val="phClr">
-              <a:shade val="40000"/>
-              <a:satMod val="150000"/>
-            </a:schemeClr>
-          </a:contourClr>
-        </a:sp3d>
-      </a:effectStyle>
-    </a:effectStyleLst>
-    <a:bgFillStyleLst>
-      <a:solidFill>
-        <a:schemeClr val="phClr"/>
-      </a:solidFill>
-      <a:gradFill rotWithShape="1">
-        <a:gsLst>
-          <a:gs pos="0">
-            <a:schemeClr val="phClr">
-              <a:tint val="90000"/>
-            </a:schemeClr>
-          </a:gs>
-          <a:gs pos="75000">
-            <a:schemeClr val="phClr">
-              <a:shade val="100000"/>
-              <a:satMod val="115000"/>
-            </a:schemeClr>
-          </a:gs>
-          <a:gs pos="100000">
-            <a:schemeClr val="phClr">
-              <a:shade val="70000"/>
-              <a:satMod val="130000"/>
-            </a:schemeClr>
-          </a:gs>
-        </a:gsLst>
-        <a:path path="circle">
-          <a:fillToRect l="20000" t="50000" r="100000" b="50000"/>
-        </a:path>
-      </a:gradFill>
-      <a:blipFill rotWithShape="1">
-        <a:blip xmlns:r="http://schemas.openxmlformats.org/officeDocument/2006/relationships" r:embed="rId1">
-          <a:duotone>
-            <a:schemeClr val="phClr">
-              <a:tint val="97000"/>
-            </a:schemeClr>
-            <a:schemeClr val="phClr">
-              <a:shade val="96000"/>
-            </a:schemeClr>
-          </a:duotone>
-        </a:blip>
-        <a:tile tx="0" ty="0" sx="32000" sy="32000" flip="none" algn="tl"/>
-      </a:blipFill>
-    </a:bgFillStyleLst>
-  </a:fmtScheme>
-</a:themeOverride>
 </file>